--- a/reports/slides/data_equipo_08.pptx
+++ b/reports/slides/data_equipo_08.pptx
@@ -5,16 +5,11 @@
     <p:sldMasterId id="2147483648" r:id="rId1"/>
   </p:sldMasterIdLst>
   <p:notesMasterIdLst>
-    <p:notesMasterId r:id="rId9"/>
+    <p:notesMasterId r:id="rId4"/>
   </p:notesMasterIdLst>
   <p:sldIdLst>
     <p:sldId id="264" r:id="rId2"/>
     <p:sldId id="271" r:id="rId3"/>
-    <p:sldId id="265" r:id="rId4"/>
-    <p:sldId id="266" r:id="rId5"/>
-    <p:sldId id="270" r:id="rId6"/>
-    <p:sldId id="268" r:id="rId7"/>
-    <p:sldId id="269" r:id="rId8"/>
   </p:sldIdLst>
   <p:sldSz cx="9144000" cy="6858000" type="screen4x3"/>
   <p:notesSz cx="6858000" cy="9144000"/>
@@ -892,91 +887,6 @@
     <p:extLst>
       <p:ext uri="{BB962C8B-B14F-4D97-AF65-F5344CB8AC3E}">
         <p14:creationId xmlns:p14="http://schemas.microsoft.com/office/powerpoint/2010/main" val="4170327203"/>
-      </p:ext>
-    </p:extLst>
-  </p:cSld>
-  <p:clrMapOvr>
-    <a:masterClrMapping/>
-  </p:clrMapOvr>
-</p:notes>
-</file>
-
-<file path=ppt/notesSlides/notesSlide2.xml><?xml version="1.0" encoding="utf-8"?>
-<p:notes xmlns:a="http://schemas.openxmlformats.org/drawingml/2006/main" xmlns:r="http://schemas.openxmlformats.org/officeDocument/2006/relationships" xmlns:p="http://schemas.openxmlformats.org/presentationml/2006/main">
-  <p:cSld>
-    <p:spTree>
-      <p:nvGrpSpPr>
-        <p:cNvPr id="1" name=""/>
-        <p:cNvGrpSpPr/>
-        <p:nvPr/>
-      </p:nvGrpSpPr>
-      <p:grpSpPr>
-        <a:xfrm>
-          <a:off x="0" y="0"/>
-          <a:ext cx="0" cy="0"/>
-          <a:chOff x="0" y="0"/>
-          <a:chExt cx="0" cy="0"/>
-        </a:xfrm>
-      </p:grpSpPr>
-      <p:sp>
-        <p:nvSpPr>
-          <p:cNvPr id="2" name="Marcador de imagen de diapositiva 1"/>
-          <p:cNvSpPr>
-            <a:spLocks noGrp="1" noRot="1" noChangeAspect="1"/>
-          </p:cNvSpPr>
-          <p:nvPr>
-            <p:ph type="sldImg"/>
-          </p:nvPr>
-        </p:nvSpPr>
-        <p:spPr/>
-      </p:sp>
-      <p:sp>
-        <p:nvSpPr>
-          <p:cNvPr id="3" name="Marcador de notas 2"/>
-          <p:cNvSpPr>
-            <a:spLocks noGrp="1"/>
-          </p:cNvSpPr>
-          <p:nvPr>
-            <p:ph type="body" idx="1"/>
-          </p:nvPr>
-        </p:nvSpPr>
-        <p:spPr/>
-        <p:txBody>
-          <a:bodyPr/>
-          <a:lstStyle/>
-          <a:p>
-            <a:endParaRPr lang="es-CO" dirty="0"/>
-          </a:p>
-        </p:txBody>
-      </p:sp>
-      <p:sp>
-        <p:nvSpPr>
-          <p:cNvPr id="4" name="Marcador de número de diapositiva 3"/>
-          <p:cNvSpPr>
-            <a:spLocks noGrp="1"/>
-          </p:cNvSpPr>
-          <p:nvPr>
-            <p:ph type="sldNum" sz="quarter" idx="10"/>
-          </p:nvPr>
-        </p:nvSpPr>
-        <p:spPr/>
-        <p:txBody>
-          <a:bodyPr/>
-          <a:lstStyle/>
-          <a:p>
-            <a:fld id="{005A61EF-A413-4572-B9C0-15D2EEC59714}" type="slidenum">
-              <a:rPr lang="es-CO" altLang="es-CO" smtClean="0"/>
-              <a:pPr/>
-              <a:t>6</a:t>
-            </a:fld>
-            <a:endParaRPr lang="es-CO" altLang="es-CO"/>
-          </a:p>
-        </p:txBody>
-      </p:sp>
-    </p:spTree>
-    <p:extLst>
-      <p:ext uri="{BB962C8B-B14F-4D97-AF65-F5344CB8AC3E}">
-        <p14:creationId xmlns:p14="http://schemas.microsoft.com/office/powerpoint/2010/main" val="2428630986"/>
       </p:ext>
     </p:extLst>
   </p:cSld>
@@ -3681,12 +3591,117 @@
           <a:chExt cx="0" cy="0"/>
         </a:xfrm>
       </p:grpSpPr>
+      <p:sp>
+        <p:nvSpPr>
+          <p:cNvPr id="9" name="Título 1">
+            <a:extLst>
+              <a:ext uri="{FF2B5EF4-FFF2-40B4-BE49-F238E27FC236}">
+                <a16:creationId xmlns:a16="http://schemas.microsoft.com/office/drawing/2014/main" id="{23C73C8E-6C08-A6DF-5824-FAEB24E8DFEC}"/>
+              </a:ext>
+            </a:extLst>
+          </p:cNvPr>
+          <p:cNvSpPr>
+            <a:spLocks noGrp="1"/>
+          </p:cNvSpPr>
+          <p:nvPr>
+            <p:ph type="title"/>
+          </p:nvPr>
+        </p:nvSpPr>
+        <p:spPr>
+          <a:xfrm>
+            <a:off x="611560" y="1916832"/>
+            <a:ext cx="8229600" cy="500063"/>
+          </a:xfrm>
+        </p:spPr>
+        <p:txBody>
+          <a:bodyPr/>
+          <a:lstStyle/>
+          <a:p>
+            <a:pPr algn="ctr"/>
+            <a:r>
+              <a:rPr lang="es-CO" altLang="es-CO" dirty="0" err="1"/>
+              <a:t>Best</a:t>
+            </a:r>
+            <a:r>
+              <a:rPr lang="es-CO" altLang="es-CO" dirty="0"/>
+              <a:t> </a:t>
+            </a:r>
+            <a:r>
+              <a:rPr lang="es-CO" altLang="es-CO" dirty="0" err="1"/>
+              <a:t>model</a:t>
+            </a:r>
+            <a:r>
+              <a:rPr lang="es-CO" altLang="es-CO" dirty="0"/>
+              <a:t> </a:t>
+            </a:r>
+            <a:r>
+              <a:rPr lang="es-CO" altLang="es-CO" dirty="0" err="1"/>
+              <a:t>overview</a:t>
+            </a:r>
+            <a:r>
+              <a:rPr lang="es-CO" altLang="es-CO" dirty="0"/>
+              <a:t> – </a:t>
+            </a:r>
+            <a:r>
+              <a:rPr lang="es-CO" altLang="es-CO" dirty="0" err="1"/>
+              <a:t>Random</a:t>
+            </a:r>
+            <a:r>
+              <a:rPr lang="es-CO" altLang="es-CO" dirty="0"/>
+              <a:t> Forest CV espacial</a:t>
+            </a:r>
+          </a:p>
+        </p:txBody>
+      </p:sp>
+      <p:sp>
+        <p:nvSpPr>
+          <p:cNvPr id="11" name="CuadroTexto 10">
+            <a:extLst>
+              <a:ext uri="{FF2B5EF4-FFF2-40B4-BE49-F238E27FC236}">
+                <a16:creationId xmlns:a16="http://schemas.microsoft.com/office/drawing/2014/main" id="{45F5ABE4-E37F-C457-F840-318F45C07DB3}"/>
+              </a:ext>
+            </a:extLst>
+          </p:cNvPr>
+          <p:cNvSpPr txBox="1"/>
+          <p:nvPr/>
+        </p:nvSpPr>
+        <p:spPr>
+          <a:xfrm>
+            <a:off x="1043608" y="5013176"/>
+            <a:ext cx="7165291" cy="1200329"/>
+          </a:xfrm>
+          <a:prstGeom prst="rect">
+            <a:avLst/>
+          </a:prstGeom>
+          <a:noFill/>
+        </p:spPr>
+        <p:txBody>
+          <a:bodyPr wrap="square">
+            <a:spAutoFit/>
+          </a:bodyPr>
+          <a:lstStyle/>
+          <a:p>
+            <a:r>
+              <a:rPr lang="es-ES" dirty="0"/>
+              <a:t>Usando el CV espacial se generalizaron mejor las zonas no vistas. El ensamble por </a:t>
+            </a:r>
+            <a:r>
+              <a:rPr lang="es-ES" dirty="0" err="1"/>
+              <a:t>folds</a:t>
+            </a:r>
+            <a:r>
+              <a:rPr lang="es-ES" dirty="0"/>
+              <a:t> reduce varianza y el bosque capta no linealidades e interacciones entre tamaño, ubicación, distancias y amenidades, entregando predicciones estables sin sobreajuste.</a:t>
+            </a:r>
+          </a:p>
+        </p:txBody>
+      </p:sp>
       <p:pic>
         <p:nvPicPr>
-          <p:cNvPr id="6" name="Imagen 5">
+          <p:cNvPr id="3" name="Imagen 2">
             <a:extLst>
               <a:ext uri="{FF2B5EF4-FFF2-40B4-BE49-F238E27FC236}">
-                <a16:creationId xmlns:a16="http://schemas.microsoft.com/office/drawing/2014/main" id="{09B7B26F-FFD6-56DF-2777-46F1209C8AA0}"/>
+                <a16:creationId xmlns:a16="http://schemas.microsoft.com/office/drawing/2014/main" id="{4909DD69-D753-B1D1-93EE-4D3287566080}"/>
               </a:ext>
             </a:extLst>
           </p:cNvPr>
@@ -3709,299 +3724,8 @@
         </p:blipFill>
         <p:spPr>
           <a:xfrm>
-            <a:off x="736764" y="2443364"/>
-            <a:ext cx="8407236" cy="2463861"/>
-          </a:xfrm>
-          <a:prstGeom prst="rect">
-            <a:avLst/>
-          </a:prstGeom>
-        </p:spPr>
-      </p:pic>
-      <p:sp>
-        <p:nvSpPr>
-          <p:cNvPr id="9" name="Título 1">
-            <a:extLst>
-              <a:ext uri="{FF2B5EF4-FFF2-40B4-BE49-F238E27FC236}">
-                <a16:creationId xmlns:a16="http://schemas.microsoft.com/office/drawing/2014/main" id="{23C73C8E-6C08-A6DF-5824-FAEB24E8DFEC}"/>
-              </a:ext>
-            </a:extLst>
-          </p:cNvPr>
-          <p:cNvSpPr>
-            <a:spLocks noGrp="1"/>
-          </p:cNvSpPr>
-          <p:nvPr>
-            <p:ph type="title"/>
-          </p:nvPr>
-        </p:nvSpPr>
-        <p:spPr>
-          <a:xfrm>
-            <a:off x="611560" y="1916832"/>
-            <a:ext cx="8229600" cy="500063"/>
-          </a:xfrm>
-        </p:spPr>
-        <p:txBody>
-          <a:bodyPr/>
-          <a:lstStyle/>
-          <a:p>
-            <a:pPr algn="ctr"/>
-            <a:r>
-              <a:rPr lang="es-CO" altLang="es-CO" dirty="0" err="1"/>
-              <a:t>Best</a:t>
-            </a:r>
-            <a:r>
-              <a:rPr lang="es-CO" altLang="es-CO" dirty="0"/>
-              <a:t> </a:t>
-            </a:r>
-            <a:r>
-              <a:rPr lang="es-CO" altLang="es-CO" dirty="0" err="1"/>
-              <a:t>model</a:t>
-            </a:r>
-            <a:r>
-              <a:rPr lang="es-CO" altLang="es-CO" dirty="0"/>
-              <a:t> </a:t>
-            </a:r>
-            <a:r>
-              <a:rPr lang="es-CO" altLang="es-CO" dirty="0" err="1"/>
-              <a:t>overview</a:t>
-            </a:r>
-            <a:r>
-              <a:rPr lang="es-CO" altLang="es-CO" dirty="0"/>
-              <a:t> – </a:t>
-            </a:r>
-            <a:r>
-              <a:rPr lang="es-CO" altLang="es-CO" dirty="0" err="1"/>
-              <a:t>XGBoost</a:t>
-            </a:r>
-            <a:r>
-              <a:rPr lang="es-CO" altLang="es-CO" dirty="0"/>
-              <a:t> + CART Ensemble</a:t>
-            </a:r>
-          </a:p>
-        </p:txBody>
-      </p:sp>
-      <p:sp>
-        <p:nvSpPr>
-          <p:cNvPr id="11" name="CuadroTexto 10">
-            <a:extLst>
-              <a:ext uri="{FF2B5EF4-FFF2-40B4-BE49-F238E27FC236}">
-                <a16:creationId xmlns:a16="http://schemas.microsoft.com/office/drawing/2014/main" id="{45F5ABE4-E37F-C457-F840-318F45C07DB3}"/>
-              </a:ext>
-            </a:extLst>
-          </p:cNvPr>
-          <p:cNvSpPr txBox="1"/>
-          <p:nvPr/>
-        </p:nvSpPr>
-        <p:spPr>
-          <a:xfrm>
-            <a:off x="1043608" y="5013176"/>
-            <a:ext cx="7165291" cy="1200329"/>
-          </a:xfrm>
-          <a:prstGeom prst="rect">
-            <a:avLst/>
-          </a:prstGeom>
-          <a:noFill/>
-        </p:spPr>
-        <p:txBody>
-          <a:bodyPr wrap="square">
-            <a:spAutoFit/>
-          </a:bodyPr>
-          <a:lstStyle/>
-          <a:p>
-            <a:r>
-              <a:rPr lang="es-ES" dirty="0"/>
-              <a:t>El modelo fue seleccionado porque logra </a:t>
-            </a:r>
-            <a:r>
-              <a:rPr lang="es-ES" b="1" dirty="0"/>
-              <a:t>mayor estabilidad y precisión</a:t>
-            </a:r>
-            <a:r>
-              <a:rPr lang="es-ES" dirty="0"/>
-              <a:t>, mejorando el F1-score frente a todos los modelos individuales y manteniendo una estructura explicativa que facilita su interpretación.</a:t>
-            </a:r>
-          </a:p>
-        </p:txBody>
-      </p:sp>
-    </p:spTree>
-    <p:extLst>
-      <p:ext uri="{BB962C8B-B14F-4D97-AF65-F5344CB8AC3E}">
-        <p14:creationId xmlns:p14="http://schemas.microsoft.com/office/powerpoint/2010/main" val="2214650793"/>
-      </p:ext>
-    </p:extLst>
-  </p:cSld>
-  <p:clrMapOvr>
-    <a:masterClrMapping/>
-  </p:clrMapOvr>
-</p:sld>
-</file>
-
-<file path=ppt/slides/slide3.xml><?xml version="1.0" encoding="utf-8"?>
-<p:sld xmlns:a="http://schemas.openxmlformats.org/drawingml/2006/main" xmlns:r="http://schemas.openxmlformats.org/officeDocument/2006/relationships" xmlns:p="http://schemas.openxmlformats.org/presentationml/2006/main">
-  <p:cSld>
-    <p:spTree>
-      <p:nvGrpSpPr>
-        <p:cNvPr id="1" name=""/>
-        <p:cNvGrpSpPr/>
-        <p:nvPr/>
-      </p:nvGrpSpPr>
-      <p:grpSpPr>
-        <a:xfrm>
-          <a:off x="0" y="0"/>
-          <a:ext cx="0" cy="0"/>
-          <a:chOff x="0" y="0"/>
-          <a:chExt cx="0" cy="0"/>
-        </a:xfrm>
-      </p:grpSpPr>
-      <p:sp>
-        <p:nvSpPr>
-          <p:cNvPr id="4" name="Título 3"/>
-          <p:cNvSpPr>
-            <a:spLocks noGrp="1"/>
-          </p:cNvSpPr>
-          <p:nvPr>
-            <p:ph type="title"/>
-          </p:nvPr>
-        </p:nvSpPr>
-        <p:spPr>
-          <a:xfrm>
-            <a:off x="723801" y="965325"/>
-            <a:ext cx="8096671" cy="500062"/>
-          </a:xfrm>
-        </p:spPr>
-        <p:txBody>
-          <a:bodyPr/>
-          <a:lstStyle/>
-          <a:p>
-            <a:r>
-              <a:rPr lang="es-CO" sz="2000" dirty="0"/>
-              <a:t>BASES DE DATOS INICIALES Y EXPLORACIÓN DE VARIABLES</a:t>
-            </a:r>
-          </a:p>
-        </p:txBody>
-      </p:sp>
-      <p:pic>
-        <p:nvPicPr>
-          <p:cNvPr id="13" name="Marcador de contenido 12"/>
-          <p:cNvPicPr>
-            <a:picLocks noGrp="1" noChangeAspect="1"/>
-          </p:cNvPicPr>
-          <p:nvPr>
-            <p:ph idx="1"/>
-          </p:nvPr>
-        </p:nvPicPr>
-        <p:blipFill>
-          <a:blip r:embed="rId2">
-            <a:extLst>
-              <a:ext uri="{28A0092B-C50C-407E-A947-70E740481C1C}">
-                <a14:useLocalDpi xmlns:a14="http://schemas.microsoft.com/office/drawing/2010/main" val="0"/>
-              </a:ext>
-            </a:extLst>
-          </a:blip>
-          <a:stretch>
-            <a:fillRect/>
-          </a:stretch>
-        </p:blipFill>
-        <p:spPr>
-          <a:xfrm>
-            <a:off x="723801" y="2251369"/>
-            <a:ext cx="7858125" cy="1802946"/>
-          </a:xfrm>
-        </p:spPr>
-      </p:pic>
-      <p:sp>
-        <p:nvSpPr>
-          <p:cNvPr id="15" name="Rectángulo 14"/>
-          <p:cNvSpPr/>
-          <p:nvPr/>
-        </p:nvSpPr>
-        <p:spPr>
-          <a:xfrm>
-            <a:off x="663015" y="1556792"/>
-            <a:ext cx="8620959" cy="923330"/>
-          </a:xfrm>
-          <a:prstGeom prst="rect">
-            <a:avLst/>
-          </a:prstGeom>
-        </p:spPr>
-        <p:txBody>
-          <a:bodyPr wrap="square">
-            <a:spAutoFit/>
-          </a:bodyPr>
-          <a:lstStyle/>
-          <a:p>
-            <a:r>
-              <a:rPr lang="es-CO" dirty="0"/>
-              <a:t>Las bases de datos iniciales se obtuvieron de la competencia de </a:t>
-            </a:r>
-            <a:r>
-              <a:rPr lang="es-CO" dirty="0" err="1"/>
-              <a:t>Kaggle</a:t>
-            </a:r>
-            <a:endParaRPr lang="es-CO" dirty="0"/>
-          </a:p>
-          <a:p>
-            <a:r>
-              <a:rPr lang="es-CO" b="1" dirty="0"/>
-              <a:t>uniandes-bdml-2025_20-ps2</a:t>
-            </a:r>
-          </a:p>
-          <a:p>
-            <a:endParaRPr lang="es-CO" dirty="0"/>
-          </a:p>
-        </p:txBody>
-      </p:sp>
-      <p:sp>
-        <p:nvSpPr>
-          <p:cNvPr id="16" name="Rectángulo 15"/>
-          <p:cNvSpPr/>
-          <p:nvPr/>
-        </p:nvSpPr>
-        <p:spPr>
-          <a:xfrm>
-            <a:off x="707599" y="4151826"/>
-            <a:ext cx="8620959" cy="369332"/>
-          </a:xfrm>
-          <a:prstGeom prst="rect">
-            <a:avLst/>
-          </a:prstGeom>
-        </p:spPr>
-        <p:txBody>
-          <a:bodyPr wrap="square">
-            <a:spAutoFit/>
-          </a:bodyPr>
-          <a:lstStyle/>
-          <a:p>
-            <a:r>
-              <a:rPr lang="es-CO" dirty="0"/>
-              <a:t>Variables en común en bases de entrenamiento y de prueba en el nivel Hogares:</a:t>
-            </a:r>
-          </a:p>
-        </p:txBody>
-      </p:sp>
-      <p:pic>
-        <p:nvPicPr>
-          <p:cNvPr id="14" name="Imagen 13"/>
-          <p:cNvPicPr>
-            <a:picLocks noChangeAspect="1"/>
-          </p:cNvPicPr>
-          <p:nvPr/>
-        </p:nvPicPr>
-        <p:blipFill>
-          <a:blip r:embed="rId3">
-            <a:extLst>
-              <a:ext uri="{28A0092B-C50C-407E-A947-70E740481C1C}">
-                <a14:useLocalDpi xmlns:a14="http://schemas.microsoft.com/office/drawing/2010/main" val="0"/>
-              </a:ext>
-            </a:extLst>
-          </a:blip>
-          <a:stretch>
-            <a:fillRect/>
-          </a:stretch>
-        </p:blipFill>
-        <p:spPr>
-          <a:xfrm>
-            <a:off x="723801" y="4549827"/>
-            <a:ext cx="7858125" cy="2175176"/>
+            <a:off x="755576" y="2370580"/>
+            <a:ext cx="8424780" cy="2282556"/>
           </a:xfrm>
           <a:prstGeom prst="rect">
             <a:avLst/>
@@ -4011,1118 +3735,7 @@
     </p:spTree>
     <p:extLst>
       <p:ext uri="{BB962C8B-B14F-4D97-AF65-F5344CB8AC3E}">
-        <p14:creationId xmlns:p14="http://schemas.microsoft.com/office/powerpoint/2010/main" val="3163502875"/>
-      </p:ext>
-    </p:extLst>
-  </p:cSld>
-  <p:clrMapOvr>
-    <a:masterClrMapping/>
-  </p:clrMapOvr>
-</p:sld>
-</file>
-
-<file path=ppt/slides/slide4.xml><?xml version="1.0" encoding="utf-8"?>
-<p:sld xmlns:a="http://schemas.openxmlformats.org/drawingml/2006/main" xmlns:r="http://schemas.openxmlformats.org/officeDocument/2006/relationships" xmlns:p="http://schemas.openxmlformats.org/presentationml/2006/main">
-  <p:cSld>
-    <p:spTree>
-      <p:nvGrpSpPr>
-        <p:cNvPr id="1" name=""/>
-        <p:cNvGrpSpPr/>
-        <p:nvPr/>
-      </p:nvGrpSpPr>
-      <p:grpSpPr>
-        <a:xfrm>
-          <a:off x="0" y="0"/>
-          <a:ext cx="0" cy="0"/>
-          <a:chOff x="0" y="0"/>
-          <a:chExt cx="0" cy="0"/>
-        </a:xfrm>
-      </p:grpSpPr>
-      <p:sp>
-        <p:nvSpPr>
-          <p:cNvPr id="4" name="Título 3"/>
-          <p:cNvSpPr>
-            <a:spLocks noGrp="1"/>
-          </p:cNvSpPr>
-          <p:nvPr>
-            <p:ph type="title"/>
-          </p:nvPr>
-        </p:nvSpPr>
-        <p:spPr>
-          <a:xfrm>
-            <a:off x="505619" y="869724"/>
-            <a:ext cx="8229600" cy="500062"/>
-          </a:xfrm>
-        </p:spPr>
-        <p:txBody>
-          <a:bodyPr/>
-          <a:lstStyle/>
-          <a:p>
-            <a:r>
-              <a:rPr lang="es-CO" dirty="0">
-                <a:latin typeface="CMR12"/>
-              </a:rPr>
-              <a:t>Exploración de variables y datos faltantes en Hogares</a:t>
-            </a:r>
-            <a:endParaRPr lang="es-CO" dirty="0"/>
-          </a:p>
-        </p:txBody>
-      </p:sp>
-      <p:pic>
-        <p:nvPicPr>
-          <p:cNvPr id="8" name="Imagen 7"/>
-          <p:cNvPicPr>
-            <a:picLocks noChangeAspect="1"/>
-          </p:cNvPicPr>
-          <p:nvPr/>
-        </p:nvPicPr>
-        <p:blipFill>
-          <a:blip r:embed="rId2">
-            <a:extLst>
-              <a:ext uri="{28A0092B-C50C-407E-A947-70E740481C1C}">
-                <a14:useLocalDpi xmlns:a14="http://schemas.microsoft.com/office/drawing/2010/main" val="0"/>
-              </a:ext>
-            </a:extLst>
-          </a:blip>
-          <a:stretch>
-            <a:fillRect/>
-          </a:stretch>
-        </p:blipFill>
-        <p:spPr>
-          <a:xfrm>
-            <a:off x="107504" y="1517044"/>
-            <a:ext cx="4176464" cy="5177502"/>
-          </a:xfrm>
-          <a:prstGeom prst="rect">
-            <a:avLst/>
-          </a:prstGeom>
-        </p:spPr>
-      </p:pic>
-      <p:pic>
-        <p:nvPicPr>
-          <p:cNvPr id="10" name="Marcador de contenido 9"/>
-          <p:cNvPicPr>
-            <a:picLocks noGrp="1" noChangeAspect="1"/>
-          </p:cNvPicPr>
-          <p:nvPr>
-            <p:ph idx="1"/>
-          </p:nvPr>
-        </p:nvPicPr>
-        <p:blipFill>
-          <a:blip r:embed="rId3" cstate="hqprint">
-            <a:extLst>
-              <a:ext uri="{28A0092B-C50C-407E-A947-70E740481C1C}">
-                <a14:useLocalDpi xmlns:a14="http://schemas.microsoft.com/office/drawing/2010/main" val="0"/>
-              </a:ext>
-            </a:extLst>
-          </a:blip>
-          <a:stretch>
-            <a:fillRect/>
-          </a:stretch>
-        </p:blipFill>
-        <p:spPr>
-          <a:xfrm>
-            <a:off x="4283968" y="1519027"/>
-            <a:ext cx="4860032" cy="3663023"/>
-          </a:xfrm>
-        </p:spPr>
-      </p:pic>
-      <p:sp>
-        <p:nvSpPr>
-          <p:cNvPr id="11" name="CuadroTexto 10"/>
-          <p:cNvSpPr txBox="1"/>
-          <p:nvPr/>
-        </p:nvSpPr>
-        <p:spPr>
-          <a:xfrm>
-            <a:off x="4427984" y="5476567"/>
-            <a:ext cx="4440907" cy="1015663"/>
-          </a:xfrm>
-          <a:prstGeom prst="rect">
-            <a:avLst/>
-          </a:prstGeom>
-          <a:noFill/>
-        </p:spPr>
-        <p:txBody>
-          <a:bodyPr wrap="square" rtlCol="0">
-            <a:spAutoFit/>
-          </a:bodyPr>
-          <a:lstStyle/>
-          <a:p>
-            <a:pPr algn="just"/>
-            <a:r>
-              <a:rPr lang="es-CO" sz="1200" dirty="0"/>
-              <a:t>Eliminación de variables con datos faltantes &gt;5% y</a:t>
-            </a:r>
-            <a:r>
-              <a:rPr lang="es-MX" sz="1200" dirty="0"/>
-              <a:t> aquellas que no aportan valor a la predicción de la condición de pobreza, como los factores de expansión, la línea de pobreza (utilizada para construir la variable dicótoma Pobre), la línea de indigencia y número de personas en la unidad de gasto.</a:t>
-            </a:r>
-            <a:endParaRPr lang="es-CO" sz="1200" dirty="0"/>
-          </a:p>
-        </p:txBody>
-      </p:sp>
-    </p:spTree>
-    <p:extLst>
-      <p:ext uri="{BB962C8B-B14F-4D97-AF65-F5344CB8AC3E}">
-        <p14:creationId xmlns:p14="http://schemas.microsoft.com/office/powerpoint/2010/main" val="2091562631"/>
-      </p:ext>
-    </p:extLst>
-  </p:cSld>
-  <p:clrMapOvr>
-    <a:masterClrMapping/>
-  </p:clrMapOvr>
-</p:sld>
-</file>
-
-<file path=ppt/slides/slide5.xml><?xml version="1.0" encoding="utf-8"?>
-<p:sld xmlns:a="http://schemas.openxmlformats.org/drawingml/2006/main" xmlns:r="http://schemas.openxmlformats.org/officeDocument/2006/relationships" xmlns:p="http://schemas.openxmlformats.org/presentationml/2006/main">
-  <p:cSld>
-    <p:spTree>
-      <p:nvGrpSpPr>
-        <p:cNvPr id="1" name=""/>
-        <p:cNvGrpSpPr/>
-        <p:nvPr/>
-      </p:nvGrpSpPr>
-      <p:grpSpPr>
-        <a:xfrm>
-          <a:off x="0" y="0"/>
-          <a:ext cx="0" cy="0"/>
-          <a:chOff x="0" y="0"/>
-          <a:chExt cx="0" cy="0"/>
-        </a:xfrm>
-      </p:grpSpPr>
-      <p:sp>
-        <p:nvSpPr>
-          <p:cNvPr id="2" name="Título 1"/>
-          <p:cNvSpPr>
-            <a:spLocks noGrp="1"/>
-          </p:cNvSpPr>
-          <p:nvPr>
-            <p:ph type="title"/>
-          </p:nvPr>
-        </p:nvSpPr>
-        <p:spPr>
-          <a:xfrm>
-            <a:off x="470848" y="908720"/>
-            <a:ext cx="8229600" cy="500062"/>
-          </a:xfrm>
-        </p:spPr>
-        <p:txBody>
-          <a:bodyPr/>
-          <a:lstStyle/>
-          <a:p>
-            <a:r>
-              <a:rPr lang="es-CO" dirty="0">
-                <a:latin typeface="CMR12"/>
-              </a:rPr>
-              <a:t>Exploración de variables y datos faltantes en Personas</a:t>
-            </a:r>
-            <a:endParaRPr lang="es-CO" dirty="0"/>
-          </a:p>
-        </p:txBody>
-      </p:sp>
-      <p:pic>
-        <p:nvPicPr>
-          <p:cNvPr id="5" name="Marcador de contenido 4"/>
-          <p:cNvPicPr>
-            <a:picLocks noGrp="1" noChangeAspect="1"/>
-          </p:cNvPicPr>
-          <p:nvPr>
-            <p:ph sz="half" idx="1"/>
-          </p:nvPr>
-        </p:nvPicPr>
-        <p:blipFill>
-          <a:blip r:embed="rId2">
-            <a:extLst>
-              <a:ext uri="{28A0092B-C50C-407E-A947-70E740481C1C}">
-                <a14:useLocalDpi xmlns:a14="http://schemas.microsoft.com/office/drawing/2010/main" val="0"/>
-              </a:ext>
-            </a:extLst>
-          </a:blip>
-          <a:stretch>
-            <a:fillRect/>
-          </a:stretch>
-        </p:blipFill>
-        <p:spPr>
-          <a:xfrm>
-            <a:off x="755576" y="1772816"/>
-            <a:ext cx="3312368" cy="2233265"/>
-          </a:xfrm>
-        </p:spPr>
-      </p:pic>
-      <p:pic>
-        <p:nvPicPr>
-          <p:cNvPr id="6" name="Marcador de contenido 5"/>
-          <p:cNvPicPr>
-            <a:picLocks noGrp="1" noChangeAspect="1"/>
-          </p:cNvPicPr>
-          <p:nvPr>
-            <p:ph sz="half" idx="2"/>
-          </p:nvPr>
-        </p:nvPicPr>
-        <p:blipFill>
-          <a:blip r:embed="rId3" cstate="hqprint">
-            <a:extLst>
-              <a:ext uri="{28A0092B-C50C-407E-A947-70E740481C1C}">
-                <a14:useLocalDpi xmlns:a14="http://schemas.microsoft.com/office/drawing/2010/main" val="0"/>
-              </a:ext>
-            </a:extLst>
-          </a:blip>
-          <a:stretch>
-            <a:fillRect/>
-          </a:stretch>
-        </p:blipFill>
-        <p:spPr>
-          <a:xfrm>
-            <a:off x="4211960" y="1772816"/>
-            <a:ext cx="4680520" cy="4896544"/>
-          </a:xfrm>
-        </p:spPr>
-      </p:pic>
-      <p:sp>
-        <p:nvSpPr>
-          <p:cNvPr id="7" name="CuadroTexto 6"/>
-          <p:cNvSpPr txBox="1"/>
-          <p:nvPr/>
-        </p:nvSpPr>
-        <p:spPr>
-          <a:xfrm>
-            <a:off x="751164" y="4370115"/>
-            <a:ext cx="3302758" cy="2246769"/>
-          </a:xfrm>
-          <a:prstGeom prst="rect">
-            <a:avLst/>
-          </a:prstGeom>
-          <a:noFill/>
-        </p:spPr>
-        <p:txBody>
-          <a:bodyPr wrap="square" rtlCol="0">
-            <a:spAutoFit/>
-          </a:bodyPr>
-          <a:lstStyle/>
-          <a:p>
-            <a:pPr algn="just"/>
-            <a:r>
-              <a:rPr lang="es-CO" sz="1400" dirty="0"/>
-              <a:t>Se utilizó el identificador </a:t>
-            </a:r>
-            <a:r>
-              <a:rPr lang="es-MX" sz="1400" dirty="0"/>
-              <a:t>del hogar para transferir a las bases de hogares la información relacionada con </a:t>
-            </a:r>
-            <a:r>
-              <a:rPr lang="es-MX" sz="1400" b="1" i="1" dirty="0"/>
-              <a:t>el sexo, la edad, el nivel educativo y la actividad u ocupación del jefe del hogar</a:t>
-            </a:r>
-            <a:r>
-              <a:rPr lang="es-MX" sz="1400" dirty="0"/>
-              <a:t>. Las demás variables se consideran irrelevantes para el presente estudio dada la información que representan y la cantidad de datos faltantes.</a:t>
-            </a:r>
-            <a:endParaRPr lang="es-CO" sz="1400" dirty="0"/>
-          </a:p>
-        </p:txBody>
-      </p:sp>
-    </p:spTree>
-    <p:extLst>
-      <p:ext uri="{BB962C8B-B14F-4D97-AF65-F5344CB8AC3E}">
-        <p14:creationId xmlns:p14="http://schemas.microsoft.com/office/powerpoint/2010/main" val="4181686931"/>
-      </p:ext>
-    </p:extLst>
-  </p:cSld>
-  <p:clrMapOvr>
-    <a:masterClrMapping/>
-  </p:clrMapOvr>
-</p:sld>
-</file>
-
-<file path=ppt/slides/slide6.xml><?xml version="1.0" encoding="utf-8"?>
-<p:sld xmlns:a="http://schemas.openxmlformats.org/drawingml/2006/main" xmlns:r="http://schemas.openxmlformats.org/officeDocument/2006/relationships" xmlns:p="http://schemas.openxmlformats.org/presentationml/2006/main">
-  <p:cSld>
-    <p:spTree>
-      <p:nvGrpSpPr>
-        <p:cNvPr id="1" name=""/>
-        <p:cNvGrpSpPr/>
-        <p:nvPr/>
-      </p:nvGrpSpPr>
-      <p:grpSpPr>
-        <a:xfrm>
-          <a:off x="0" y="0"/>
-          <a:ext cx="0" cy="0"/>
-          <a:chOff x="0" y="0"/>
-          <a:chExt cx="0" cy="0"/>
-        </a:xfrm>
-      </p:grpSpPr>
-      <p:sp>
-        <p:nvSpPr>
-          <p:cNvPr id="2" name="Título 1"/>
-          <p:cNvSpPr>
-            <a:spLocks noGrp="1"/>
-          </p:cNvSpPr>
-          <p:nvPr>
-            <p:ph type="title"/>
-          </p:nvPr>
-        </p:nvSpPr>
-        <p:spPr>
-          <a:xfrm>
-            <a:off x="683568" y="1052736"/>
-            <a:ext cx="8229600" cy="500062"/>
-          </a:xfrm>
-        </p:spPr>
-        <p:txBody>
-          <a:bodyPr/>
-          <a:lstStyle/>
-          <a:p>
-            <a:r>
-              <a:rPr lang="es-CO" dirty="0"/>
-              <a:t>Bases de datos finales</a:t>
-            </a:r>
-          </a:p>
-        </p:txBody>
-      </p:sp>
-      <p:pic>
-        <p:nvPicPr>
-          <p:cNvPr id="4" name="Marcador de contenido 3"/>
-          <p:cNvPicPr>
-            <a:picLocks noGrp="1" noChangeAspect="1"/>
-          </p:cNvPicPr>
-          <p:nvPr>
-            <p:ph idx="1"/>
-          </p:nvPr>
-        </p:nvPicPr>
-        <p:blipFill>
-          <a:blip r:embed="rId3" cstate="print">
-            <a:extLst>
-              <a:ext uri="{28A0092B-C50C-407E-A947-70E740481C1C}">
-                <a14:useLocalDpi xmlns:a14="http://schemas.microsoft.com/office/drawing/2010/main" val="0"/>
-              </a:ext>
-            </a:extLst>
-          </a:blip>
-          <a:stretch>
-            <a:fillRect/>
-          </a:stretch>
-        </p:blipFill>
-        <p:spPr>
-          <a:xfrm>
-            <a:off x="570761" y="1547243"/>
-            <a:ext cx="8316924" cy="3748410"/>
-          </a:xfrm>
-        </p:spPr>
-      </p:pic>
-      <p:pic>
-        <p:nvPicPr>
-          <p:cNvPr id="5" name="Imagen 4"/>
-          <p:cNvPicPr>
-            <a:picLocks noChangeAspect="1"/>
-          </p:cNvPicPr>
-          <p:nvPr/>
-        </p:nvPicPr>
-        <p:blipFill>
-          <a:blip r:embed="rId4">
-            <a:extLst>
-              <a:ext uri="{28A0092B-C50C-407E-A947-70E740481C1C}">
-                <a14:useLocalDpi xmlns:a14="http://schemas.microsoft.com/office/drawing/2010/main" val="0"/>
-              </a:ext>
-            </a:extLst>
-          </a:blip>
-          <a:stretch>
-            <a:fillRect/>
-          </a:stretch>
-        </p:blipFill>
-        <p:spPr>
-          <a:xfrm>
-            <a:off x="570761" y="5342866"/>
-            <a:ext cx="5369392" cy="1515012"/>
-          </a:xfrm>
-          <a:prstGeom prst="rect">
-            <a:avLst/>
-          </a:prstGeom>
-        </p:spPr>
-      </p:pic>
-      <p:sp>
-        <p:nvSpPr>
-          <p:cNvPr id="6" name="CuadroTexto 5"/>
-          <p:cNvSpPr txBox="1"/>
-          <p:nvPr/>
-        </p:nvSpPr>
-        <p:spPr>
-          <a:xfrm>
-            <a:off x="6078059" y="5342866"/>
-            <a:ext cx="2809626" cy="1384995"/>
-          </a:xfrm>
-          <a:prstGeom prst="rect">
-            <a:avLst/>
-          </a:prstGeom>
-          <a:noFill/>
-        </p:spPr>
-        <p:txBody>
-          <a:bodyPr wrap="square" rtlCol="0">
-            <a:spAutoFit/>
-          </a:bodyPr>
-          <a:lstStyle/>
-          <a:p>
-            <a:pPr algn="just"/>
-            <a:r>
-              <a:rPr lang="es-CO" sz="1400" dirty="0"/>
-              <a:t>Imputación por la moda en valores faltantes de Actividad u ocupación y Nivel educativo del jefe del hogar.</a:t>
-            </a:r>
-          </a:p>
-          <a:p>
-            <a:pPr algn="just"/>
-            <a:r>
-              <a:rPr lang="es-CO" sz="1400" dirty="0"/>
-              <a:t>Variable Pobre únicamente en base de entrenamiento.</a:t>
-            </a:r>
-          </a:p>
-        </p:txBody>
-      </p:sp>
-    </p:spTree>
-    <p:extLst>
-      <p:ext uri="{BB962C8B-B14F-4D97-AF65-F5344CB8AC3E}">
-        <p14:creationId xmlns:p14="http://schemas.microsoft.com/office/powerpoint/2010/main" val="3405093419"/>
-      </p:ext>
-    </p:extLst>
-  </p:cSld>
-  <p:clrMapOvr>
-    <a:masterClrMapping/>
-  </p:clrMapOvr>
-</p:sld>
-</file>
-
-<file path=ppt/slides/slide7.xml><?xml version="1.0" encoding="utf-8"?>
-<p:sld xmlns:a="http://schemas.openxmlformats.org/drawingml/2006/main" xmlns:r="http://schemas.openxmlformats.org/officeDocument/2006/relationships" xmlns:p="http://schemas.openxmlformats.org/presentationml/2006/main">
-  <p:cSld>
-    <p:spTree>
-      <p:nvGrpSpPr>
-        <p:cNvPr id="1" name=""/>
-        <p:cNvGrpSpPr/>
-        <p:nvPr/>
-      </p:nvGrpSpPr>
-      <p:grpSpPr>
-        <a:xfrm>
-          <a:off x="0" y="0"/>
-          <a:ext cx="0" cy="0"/>
-          <a:chOff x="0" y="0"/>
-          <a:chExt cx="0" cy="0"/>
-        </a:xfrm>
-      </p:grpSpPr>
-      <p:sp>
-        <p:nvSpPr>
-          <p:cNvPr id="2" name="Título 1"/>
-          <p:cNvSpPr>
-            <a:spLocks noGrp="1"/>
-          </p:cNvSpPr>
-          <p:nvPr>
-            <p:ph type="title"/>
-          </p:nvPr>
-        </p:nvSpPr>
-        <p:spPr>
-          <a:xfrm>
-            <a:off x="683568" y="1052736"/>
-            <a:ext cx="8229600" cy="500062"/>
-          </a:xfrm>
-        </p:spPr>
-        <p:txBody>
-          <a:bodyPr/>
-          <a:lstStyle/>
-          <a:p>
-            <a:r>
-              <a:rPr lang="es-CO" dirty="0"/>
-              <a:t>Variable Objetivo: Pobre</a:t>
-            </a:r>
-          </a:p>
-        </p:txBody>
-      </p:sp>
-      <p:pic>
-        <p:nvPicPr>
-          <p:cNvPr id="4" name="Marcador de contenido 3"/>
-          <p:cNvPicPr>
-            <a:picLocks noGrp="1" noChangeAspect="1"/>
-          </p:cNvPicPr>
-          <p:nvPr>
-            <p:ph idx="1"/>
-          </p:nvPr>
-        </p:nvPicPr>
-        <p:blipFill>
-          <a:blip r:embed="rId2" cstate="print">
-            <a:extLst>
-              <a:ext uri="{28A0092B-C50C-407E-A947-70E740481C1C}">
-                <a14:useLocalDpi xmlns:a14="http://schemas.microsoft.com/office/drawing/2010/main" val="0"/>
-              </a:ext>
-            </a:extLst>
-          </a:blip>
-          <a:stretch>
-            <a:fillRect/>
-          </a:stretch>
-        </p:blipFill>
-        <p:spPr>
-          <a:xfrm>
-            <a:off x="1691680" y="2714625"/>
-            <a:ext cx="5800725" cy="4143375"/>
-          </a:xfrm>
-        </p:spPr>
-      </p:pic>
-      <mc:AlternateContent xmlns:mc="http://schemas.openxmlformats.org/markup-compatibility/2006" xmlns:a14="http://schemas.microsoft.com/office/drawing/2010/main">
-        <mc:Choice Requires="a14">
-          <p:sp>
-            <p:nvSpPr>
-              <p:cNvPr id="5" name="CuadroTexto 4"/>
-              <p:cNvSpPr txBox="1"/>
-              <p:nvPr/>
-            </p:nvSpPr>
-            <p:spPr>
-              <a:xfrm>
-                <a:off x="251520" y="1700808"/>
-                <a:ext cx="8424936" cy="811441"/>
-              </a:xfrm>
-              <a:prstGeom prst="rect">
-                <a:avLst/>
-              </a:prstGeom>
-              <a:noFill/>
-            </p:spPr>
-            <p:txBody>
-              <a:bodyPr wrap="square" rtlCol="0">
-                <a:spAutoFit/>
-              </a:bodyPr>
-              <a:lstStyle/>
-              <a:p>
-                <a:pPr/>
-                <a14:m>
-                  <m:oMathPara xmlns:m="http://schemas.openxmlformats.org/officeDocument/2006/math">
-                    <m:oMathParaPr>
-                      <m:jc m:val="centerGroup"/>
-                    </m:oMathParaPr>
-                    <m:oMath xmlns:m="http://schemas.openxmlformats.org/officeDocument/2006/math">
-                      <m:r>
-                        <m:rPr>
-                          <m:nor/>
-                        </m:rPr>
-                        <a:rPr lang="es-CO" i="1" smtClean="0">
-                          <a:latin typeface="Cambria Math" panose="02040503050406030204" pitchFamily="18" charset="0"/>
-                        </a:rPr>
-                        <m:t>Pobre</m:t>
-                      </m:r>
-                      <m:r>
-                        <m:rPr>
-                          <m:nor/>
-                        </m:rPr>
-                        <a:rPr lang="es-CO" i="1" smtClean="0">
-                          <a:latin typeface="Cambria Math" panose="02040503050406030204" pitchFamily="18" charset="0"/>
-                        </a:rPr>
-                        <m:t> = </m:t>
-                      </m:r>
-                      <m:r>
-                        <m:rPr>
-                          <m:nor/>
-                        </m:rPr>
-                        <a:rPr lang="es-CO" i="1" smtClean="0">
-                          <a:latin typeface="Cambria Math" panose="02040503050406030204" pitchFamily="18" charset="0"/>
-                        </a:rPr>
-                        <m:t>I</m:t>
-                      </m:r>
-                      <m:r>
-                        <m:rPr>
-                          <m:nor/>
-                        </m:rPr>
-                        <a:rPr lang="es-CO" i="1" smtClean="0">
-                          <a:latin typeface="Cambria Math" panose="02040503050406030204" pitchFamily="18" charset="0"/>
-                        </a:rPr>
-                        <m:t>∗</m:t>
-                      </m:r>
-                      <m:r>
-                        <m:rPr>
-                          <m:nor/>
-                        </m:rPr>
-                        <a:rPr lang="es-CO" i="1" smtClean="0">
-                          <a:latin typeface="Cambria Math" panose="02040503050406030204" pitchFamily="18" charset="0"/>
-                        </a:rPr>
-                        <m:t>(</m:t>
-                      </m:r>
-                      <m:r>
-                        <m:rPr>
-                          <m:nor/>
-                        </m:rPr>
-                        <a:rPr lang="es-CO" i="1" smtClean="0">
-                          <a:latin typeface="Cambria Math" panose="02040503050406030204" pitchFamily="18" charset="0"/>
-                        </a:rPr>
-                        <m:t>Ingreso</m:t>
-                      </m:r>
-                      <m:r>
-                        <m:rPr>
-                          <m:nor/>
-                        </m:rPr>
-                        <a:rPr lang="es-CO" i="1" smtClean="0">
-                          <a:latin typeface="Cambria Math" panose="02040503050406030204" pitchFamily="18" charset="0"/>
-                        </a:rPr>
-                        <m:t> &lt; </m:t>
-                      </m:r>
-                      <m:r>
-                        <m:rPr>
-                          <m:nor/>
-                        </m:rPr>
-                        <a:rPr lang="es-CO" i="1" smtClean="0">
-                          <a:latin typeface="Cambria Math" panose="02040503050406030204" pitchFamily="18" charset="0"/>
-                        </a:rPr>
-                        <m:t>L</m:t>
-                      </m:r>
-                      <m:r>
-                        <m:rPr>
-                          <m:nor/>
-                        </m:rPr>
-                        <a:rPr lang="es-CO" i="1" smtClean="0">
-                          <a:latin typeface="Cambria Math" panose="02040503050406030204" pitchFamily="18" charset="0"/>
-                        </a:rPr>
-                        <m:t>í</m:t>
-                      </m:r>
-                      <m:r>
-                        <m:rPr>
-                          <m:nor/>
-                        </m:rPr>
-                        <a:rPr lang="es-CO" i="1" smtClean="0">
-                          <a:latin typeface="Cambria Math" panose="02040503050406030204" pitchFamily="18" charset="0"/>
-                        </a:rPr>
-                        <m:t>nea</m:t>
-                      </m:r>
-                      <m:r>
-                        <m:rPr>
-                          <m:nor/>
-                        </m:rPr>
-                        <a:rPr lang="es-CO" i="1" smtClean="0">
-                          <a:latin typeface="Cambria Math" panose="02040503050406030204" pitchFamily="18" charset="0"/>
-                        </a:rPr>
-                        <m:t> </m:t>
-                      </m:r>
-                      <m:r>
-                        <m:rPr>
-                          <m:nor/>
-                        </m:rPr>
-                        <a:rPr lang="es-CO" i="1" smtClean="0">
-                          <a:latin typeface="Cambria Math" panose="02040503050406030204" pitchFamily="18" charset="0"/>
-                        </a:rPr>
-                        <m:t>de</m:t>
-                      </m:r>
-                      <m:r>
-                        <m:rPr>
-                          <m:nor/>
-                        </m:rPr>
-                        <a:rPr lang="es-CO" i="1" smtClean="0">
-                          <a:latin typeface="Cambria Math" panose="02040503050406030204" pitchFamily="18" charset="0"/>
-                        </a:rPr>
-                        <m:t> </m:t>
-                      </m:r>
-                      <m:r>
-                        <m:rPr>
-                          <m:nor/>
-                        </m:rPr>
-                        <a:rPr lang="es-CO" i="1" smtClean="0">
-                          <a:latin typeface="Cambria Math" panose="02040503050406030204" pitchFamily="18" charset="0"/>
-                        </a:rPr>
-                        <m:t>Pobreza</m:t>
-                      </m:r>
-                      <m:r>
-                        <m:rPr>
-                          <m:nor/>
-                        </m:rPr>
-                        <a:rPr lang="es-CO" i="1" smtClean="0">
-                          <a:latin typeface="Cambria Math" panose="02040503050406030204" pitchFamily="18" charset="0"/>
-                        </a:rPr>
-                        <m:t>)</m:t>
-                      </m:r>
-                    </m:oMath>
-                  </m:oMathPara>
-                </a14:m>
-                <a:endParaRPr lang="es-CO" i="1" dirty="0">
-                  <a:latin typeface="Cambria Math" panose="02040503050406030204" pitchFamily="18" charset="0"/>
-                </a:endParaRPr>
-              </a:p>
-              <a:p>
-                <a:r>
-                  <a:rPr lang="es-CO" dirty="0"/>
-                  <a:t>Donde, </a:t>
-                </a:r>
-                <a14:m>
-                  <m:oMath xmlns:m="http://schemas.openxmlformats.org/officeDocument/2006/math">
-                    <m:r>
-                      <a:rPr lang="es-CO" b="0" i="1" smtClean="0">
-                        <a:latin typeface="Cambria Math" panose="02040503050406030204" pitchFamily="18" charset="0"/>
-                      </a:rPr>
-                      <m:t>𝐼</m:t>
-                    </m:r>
-                    <m:d>
-                      <m:dPr>
-                        <m:ctrlPr>
-                          <a:rPr lang="es-CO" b="0" i="1" smtClean="0">
-                            <a:latin typeface="Cambria Math" panose="02040503050406030204" pitchFamily="18" charset="0"/>
-                          </a:rPr>
-                        </m:ctrlPr>
-                      </m:dPr>
-                      <m:e>
-                        <m:r>
-                          <a:rPr lang="es-CO" b="0" i="1" smtClean="0">
-                            <a:latin typeface="Cambria Math" panose="02040503050406030204" pitchFamily="18" charset="0"/>
-                          </a:rPr>
-                          <m:t>𝐹𝑢𝑛𝑐𝑖</m:t>
-                        </m:r>
-                        <m:r>
-                          <a:rPr lang="es-CO" b="0" i="1" smtClean="0">
-                            <a:latin typeface="Cambria Math" panose="02040503050406030204" pitchFamily="18" charset="0"/>
-                          </a:rPr>
-                          <m:t>ó</m:t>
-                        </m:r>
-                        <m:r>
-                          <a:rPr lang="es-CO" b="0" i="1" smtClean="0">
-                            <a:latin typeface="Cambria Math" panose="02040503050406030204" pitchFamily="18" charset="0"/>
-                          </a:rPr>
-                          <m:t>𝑛</m:t>
-                        </m:r>
-                        <m:r>
-                          <a:rPr lang="es-CO" b="0" i="1" smtClean="0">
-                            <a:latin typeface="Cambria Math" panose="02040503050406030204" pitchFamily="18" charset="0"/>
-                          </a:rPr>
-                          <m:t> </m:t>
-                        </m:r>
-                        <m:r>
-                          <a:rPr lang="es-CO" b="0" i="1" smtClean="0">
-                            <a:latin typeface="Cambria Math" panose="02040503050406030204" pitchFamily="18" charset="0"/>
-                          </a:rPr>
-                          <m:t>𝑖𝑛𝑑𝑖𝑐𝑎𝑑𝑜𝑟𝑎</m:t>
-                        </m:r>
-                      </m:e>
-                    </m:d>
-                    <m:r>
-                      <a:rPr lang="es-CO" b="0" i="1" smtClean="0">
-                        <a:latin typeface="Cambria Math" panose="02040503050406030204" pitchFamily="18" charset="0"/>
-                      </a:rPr>
-                      <m:t>=</m:t>
-                    </m:r>
-                    <m:d>
-                      <m:dPr>
-                        <m:begChr m:val="{"/>
-                        <m:endChr m:val="}"/>
-                        <m:ctrlPr>
-                          <a:rPr lang="es-CO" b="0" i="1" smtClean="0">
-                            <a:latin typeface="Cambria Math" panose="02040503050406030204" pitchFamily="18" charset="0"/>
-                          </a:rPr>
-                        </m:ctrlPr>
-                      </m:dPr>
-                      <m:e>
-                        <m:f>
-                          <m:fPr>
-                            <m:ctrlPr>
-                              <a:rPr lang="es-CO" b="0" i="1" smtClean="0">
-                                <a:latin typeface="Cambria Math" panose="02040503050406030204" pitchFamily="18" charset="0"/>
-                              </a:rPr>
-                            </m:ctrlPr>
-                          </m:fPr>
-                          <m:num>
-                            <m:r>
-                              <a:rPr lang="es-CO" b="0" i="1" smtClean="0">
-                                <a:latin typeface="Cambria Math" panose="02040503050406030204" pitchFamily="18" charset="0"/>
-                              </a:rPr>
-                              <m:t>1</m:t>
-                            </m:r>
-                            <m:r>
-                              <a:rPr lang="es-CO" b="0" i="1" smtClean="0">
-                                <a:latin typeface="Cambria Math" panose="02040503050406030204" pitchFamily="18" charset="0"/>
-                              </a:rPr>
-                              <m:t>,   </m:t>
-                            </m:r>
-                            <m:r>
-                              <a:rPr lang="es-CO" b="0" i="1" smtClean="0">
-                                <a:latin typeface="Cambria Math" panose="02040503050406030204" pitchFamily="18" charset="0"/>
-                              </a:rPr>
-                              <m:t>𝑖𝑛𝑔𝑟𝑒𝑠𝑜</m:t>
-                            </m:r>
-                            <m:r>
-                              <a:rPr lang="es-CO" b="0" i="1" smtClean="0">
-                                <a:latin typeface="Cambria Math" panose="02040503050406030204" pitchFamily="18" charset="0"/>
-                              </a:rPr>
-                              <m:t> </m:t>
-                            </m:r>
-                            <m:r>
-                              <a:rPr lang="es-CO" b="0" i="1" smtClean="0">
-                                <a:latin typeface="Cambria Math" panose="02040503050406030204" pitchFamily="18" charset="0"/>
-                              </a:rPr>
-                              <m:t>𝑖𝑛𝑓𝑒𝑟𝑖𝑜𝑟</m:t>
-                            </m:r>
-                            <m:r>
-                              <a:rPr lang="es-CO" b="0" i="1" smtClean="0">
-                                <a:latin typeface="Cambria Math" panose="02040503050406030204" pitchFamily="18" charset="0"/>
-                              </a:rPr>
-                              <m:t> </m:t>
-                            </m:r>
-                            <m:r>
-                              <a:rPr lang="es-CO" b="0" i="1" smtClean="0">
-                                <a:latin typeface="Cambria Math" panose="02040503050406030204" pitchFamily="18" charset="0"/>
-                              </a:rPr>
-                              <m:t>𝑎</m:t>
-                            </m:r>
-                            <m:r>
-                              <a:rPr lang="es-CO" b="0" i="1" smtClean="0">
-                                <a:latin typeface="Cambria Math" panose="02040503050406030204" pitchFamily="18" charset="0"/>
-                              </a:rPr>
-                              <m:t> </m:t>
-                            </m:r>
-                            <m:r>
-                              <a:rPr lang="es-CO" b="0" i="1" smtClean="0">
-                                <a:latin typeface="Cambria Math" panose="02040503050406030204" pitchFamily="18" charset="0"/>
-                              </a:rPr>
-                              <m:t>𝑙𝑎</m:t>
-                            </m:r>
-                            <m:r>
-                              <a:rPr lang="es-CO" b="0" i="1" smtClean="0">
-                                <a:latin typeface="Cambria Math" panose="02040503050406030204" pitchFamily="18" charset="0"/>
-                              </a:rPr>
-                              <m:t> </m:t>
-                            </m:r>
-                            <m:r>
-                              <a:rPr lang="es-CO" b="0" i="1" smtClean="0">
-                                <a:latin typeface="Cambria Math" panose="02040503050406030204" pitchFamily="18" charset="0"/>
-                              </a:rPr>
-                              <m:t>𝐿</m:t>
-                            </m:r>
-                            <m:r>
-                              <a:rPr lang="es-CO" b="0" i="1" smtClean="0">
-                                <a:latin typeface="Cambria Math" panose="02040503050406030204" pitchFamily="18" charset="0"/>
-                              </a:rPr>
-                              <m:t>í</m:t>
-                            </m:r>
-                            <m:r>
-                              <a:rPr lang="es-CO" b="0" i="1" smtClean="0">
-                                <a:latin typeface="Cambria Math" panose="02040503050406030204" pitchFamily="18" charset="0"/>
-                              </a:rPr>
-                              <m:t>𝑛𝑒𝑎</m:t>
-                            </m:r>
-                            <m:r>
-                              <a:rPr lang="es-CO" b="0" i="1" smtClean="0">
-                                <a:latin typeface="Cambria Math" panose="02040503050406030204" pitchFamily="18" charset="0"/>
-                              </a:rPr>
-                              <m:t> </m:t>
-                            </m:r>
-                            <m:r>
-                              <a:rPr lang="es-CO" b="0" i="1" smtClean="0">
-                                <a:latin typeface="Cambria Math" panose="02040503050406030204" pitchFamily="18" charset="0"/>
-                              </a:rPr>
-                              <m:t>𝑑𝑒</m:t>
-                            </m:r>
-                            <m:r>
-                              <a:rPr lang="es-CO" b="0" i="1" smtClean="0">
-                                <a:latin typeface="Cambria Math" panose="02040503050406030204" pitchFamily="18" charset="0"/>
-                              </a:rPr>
-                              <m:t> </m:t>
-                            </m:r>
-                            <m:r>
-                              <a:rPr lang="es-CO" b="0" i="1" smtClean="0">
-                                <a:latin typeface="Cambria Math" panose="02040503050406030204" pitchFamily="18" charset="0"/>
-                              </a:rPr>
-                              <m:t>𝑃𝑜𝑏𝑟𝑒𝑧𝑎</m:t>
-                            </m:r>
-                            <m:r>
-                              <a:rPr lang="es-CO" b="0" i="1" smtClean="0">
-                                <a:latin typeface="Cambria Math" panose="02040503050406030204" pitchFamily="18" charset="0"/>
-                              </a:rPr>
-                              <m:t> (</m:t>
-                            </m:r>
-                            <m:r>
-                              <a:rPr lang="es-CO" b="0" i="1" smtClean="0">
-                                <a:latin typeface="Cambria Math" panose="02040503050406030204" pitchFamily="18" charset="0"/>
-                              </a:rPr>
-                              <m:t>𝑃𝑜𝑏𝑟𝑒</m:t>
-                            </m:r>
-                            <m:r>
-                              <a:rPr lang="es-CO" b="0" i="1" smtClean="0">
-                                <a:latin typeface="Cambria Math" panose="02040503050406030204" pitchFamily="18" charset="0"/>
-                              </a:rPr>
-                              <m:t>)</m:t>
-                            </m:r>
-                          </m:num>
-                          <m:den>
-                            <m:r>
-                              <a:rPr lang="es-CO" b="0" i="1" smtClean="0">
-                                <a:latin typeface="Cambria Math" panose="02040503050406030204" pitchFamily="18" charset="0"/>
-                              </a:rPr>
-                              <m:t>0</m:t>
-                            </m:r>
-                            <m:r>
-                              <a:rPr lang="es-CO" b="0" i="1" smtClean="0">
-                                <a:latin typeface="Cambria Math" panose="02040503050406030204" pitchFamily="18" charset="0"/>
-                              </a:rPr>
-                              <m:t>,     </m:t>
-                            </m:r>
-                            <m:r>
-                              <a:rPr lang="es-CO" i="1">
-                                <a:latin typeface="Cambria Math" panose="02040503050406030204" pitchFamily="18" charset="0"/>
-                              </a:rPr>
-                              <m:t>𝑖𝑛𝑔𝑟𝑒𝑠𝑜</m:t>
-                            </m:r>
-                            <m:r>
-                              <a:rPr lang="es-CO" i="1">
-                                <a:latin typeface="Cambria Math" panose="02040503050406030204" pitchFamily="18" charset="0"/>
-                              </a:rPr>
-                              <m:t> </m:t>
-                            </m:r>
-                            <m:r>
-                              <a:rPr lang="es-CO" b="0" i="1" smtClean="0">
-                                <a:latin typeface="Cambria Math" panose="02040503050406030204" pitchFamily="18" charset="0"/>
-                              </a:rPr>
-                              <m:t>𝑠𝑢𝑝𝑒𝑟𝑖𝑜𝑟</m:t>
-                            </m:r>
-                            <m:r>
-                              <a:rPr lang="es-CO" i="1">
-                                <a:latin typeface="Cambria Math" panose="02040503050406030204" pitchFamily="18" charset="0"/>
-                              </a:rPr>
-                              <m:t> </m:t>
-                            </m:r>
-                            <m:r>
-                              <a:rPr lang="es-CO" i="1">
-                                <a:latin typeface="Cambria Math" panose="02040503050406030204" pitchFamily="18" charset="0"/>
-                              </a:rPr>
-                              <m:t>𝑎</m:t>
-                            </m:r>
-                            <m:r>
-                              <a:rPr lang="es-CO" i="1">
-                                <a:latin typeface="Cambria Math" panose="02040503050406030204" pitchFamily="18" charset="0"/>
-                              </a:rPr>
-                              <m:t> </m:t>
-                            </m:r>
-                            <m:r>
-                              <a:rPr lang="es-CO" i="1">
-                                <a:latin typeface="Cambria Math" panose="02040503050406030204" pitchFamily="18" charset="0"/>
-                              </a:rPr>
-                              <m:t>𝑙𝑎</m:t>
-                            </m:r>
-                            <m:r>
-                              <a:rPr lang="es-CO" i="1">
-                                <a:latin typeface="Cambria Math" panose="02040503050406030204" pitchFamily="18" charset="0"/>
-                              </a:rPr>
-                              <m:t> </m:t>
-                            </m:r>
-                            <m:r>
-                              <a:rPr lang="es-CO" i="1">
-                                <a:latin typeface="Cambria Math" panose="02040503050406030204" pitchFamily="18" charset="0"/>
-                              </a:rPr>
-                              <m:t>𝐿</m:t>
-                            </m:r>
-                            <m:r>
-                              <a:rPr lang="es-CO" i="1">
-                                <a:latin typeface="Cambria Math" panose="02040503050406030204" pitchFamily="18" charset="0"/>
-                              </a:rPr>
-                              <m:t>í</m:t>
-                            </m:r>
-                            <m:r>
-                              <a:rPr lang="es-CO" i="1">
-                                <a:latin typeface="Cambria Math" panose="02040503050406030204" pitchFamily="18" charset="0"/>
-                              </a:rPr>
-                              <m:t>𝑛𝑒𝑎</m:t>
-                            </m:r>
-                            <m:r>
-                              <a:rPr lang="es-CO" i="1">
-                                <a:latin typeface="Cambria Math" panose="02040503050406030204" pitchFamily="18" charset="0"/>
-                              </a:rPr>
-                              <m:t> </m:t>
-                            </m:r>
-                            <m:r>
-                              <a:rPr lang="es-CO" i="1">
-                                <a:latin typeface="Cambria Math" panose="02040503050406030204" pitchFamily="18" charset="0"/>
-                              </a:rPr>
-                              <m:t>𝑑𝑒</m:t>
-                            </m:r>
-                            <m:r>
-                              <a:rPr lang="es-CO" i="1">
-                                <a:latin typeface="Cambria Math" panose="02040503050406030204" pitchFamily="18" charset="0"/>
-                              </a:rPr>
-                              <m:t> </m:t>
-                            </m:r>
-                            <m:r>
-                              <a:rPr lang="es-CO" i="1">
-                                <a:latin typeface="Cambria Math" panose="02040503050406030204" pitchFamily="18" charset="0"/>
-                              </a:rPr>
-                              <m:t>𝑃𝑜𝑏𝑟𝑒𝑧𝑎</m:t>
-                            </m:r>
-                            <m:r>
-                              <a:rPr lang="es-CO" i="1">
-                                <a:latin typeface="Cambria Math" panose="02040503050406030204" pitchFamily="18" charset="0"/>
-                              </a:rPr>
-                              <m:t> (</m:t>
-                            </m:r>
-                            <m:r>
-                              <a:rPr lang="es-CO" b="0" i="1" smtClean="0">
-                                <a:latin typeface="Cambria Math" panose="02040503050406030204" pitchFamily="18" charset="0"/>
-                              </a:rPr>
-                              <m:t>𝑁𝑜</m:t>
-                            </m:r>
-                            <m:r>
-                              <a:rPr lang="es-CO" b="0" i="1" smtClean="0">
-                                <a:latin typeface="Cambria Math" panose="02040503050406030204" pitchFamily="18" charset="0"/>
-                              </a:rPr>
-                              <m:t> </m:t>
-                            </m:r>
-                            <m:r>
-                              <a:rPr lang="es-CO" i="1">
-                                <a:latin typeface="Cambria Math" panose="02040503050406030204" pitchFamily="18" charset="0"/>
-                              </a:rPr>
-                              <m:t>𝑃𝑜𝑏𝑟𝑒</m:t>
-                            </m:r>
-                            <m:r>
-                              <a:rPr lang="es-CO" i="1">
-                                <a:latin typeface="Cambria Math" panose="02040503050406030204" pitchFamily="18" charset="0"/>
-                              </a:rPr>
-                              <m:t>)</m:t>
-                            </m:r>
-                          </m:den>
-                        </m:f>
-                      </m:e>
-                    </m:d>
-                  </m:oMath>
-                </a14:m>
-                <a:endParaRPr lang="es-CO" dirty="0"/>
-              </a:p>
-            </p:txBody>
-          </p:sp>
-        </mc:Choice>
-        <mc:Fallback xmlns="">
-          <p:sp>
-            <p:nvSpPr>
-              <p:cNvPr id="5" name="CuadroTexto 4"/>
-              <p:cNvSpPr txBox="1">
-                <a:spLocks noRot="1" noChangeAspect="1" noMove="1" noResize="1" noEditPoints="1" noAdjustHandles="1" noChangeArrowheads="1" noChangeShapeType="1" noTextEdit="1"/>
-              </p:cNvSpPr>
-              <p:nvPr/>
-            </p:nvSpPr>
-            <p:spPr>
-              <a:xfrm>
-                <a:off x="251520" y="1700808"/>
-                <a:ext cx="8424936" cy="811441"/>
-              </a:xfrm>
-              <a:prstGeom prst="rect">
-                <a:avLst/>
-              </a:prstGeom>
-              <a:blipFill>
-                <a:blip r:embed="rId3"/>
-                <a:stretch>
-                  <a:fillRect l="-579" b="-3759"/>
-                </a:stretch>
-              </a:blipFill>
-            </p:spPr>
-            <p:txBody>
-              <a:bodyPr/>
-              <a:lstStyle/>
-              <a:p>
-                <a:r>
-                  <a:rPr lang="es-CO">
-                    <a:noFill/>
-                  </a:rPr>
-                  <a:t> </a:t>
-                </a:r>
-              </a:p>
-            </p:txBody>
-          </p:sp>
-        </mc:Fallback>
-      </mc:AlternateContent>
-    </p:spTree>
-    <p:extLst>
-      <p:ext uri="{BB962C8B-B14F-4D97-AF65-F5344CB8AC3E}">
-        <p14:creationId xmlns:p14="http://schemas.microsoft.com/office/powerpoint/2010/main" val="3622499067"/>
+        <p14:creationId xmlns:p14="http://schemas.microsoft.com/office/powerpoint/2010/main" val="2214650793"/>
       </p:ext>
     </p:extLst>
   </p:cSld>

--- a/reports/slides/data_equipo_08.pptx
+++ b/reports/slides/data_equipo_08.pptx
@@ -5,11 +5,22 @@
     <p:sldMasterId id="2147483648" r:id="rId1"/>
   </p:sldMasterIdLst>
   <p:notesMasterIdLst>
-    <p:notesMasterId r:id="rId4"/>
+    <p:notesMasterId r:id="rId15"/>
   </p:notesMasterIdLst>
   <p:sldIdLst>
     <p:sldId id="264" r:id="rId2"/>
     <p:sldId id="271" r:id="rId3"/>
+    <p:sldId id="272" r:id="rId4"/>
+    <p:sldId id="273" r:id="rId5"/>
+    <p:sldId id="274" r:id="rId6"/>
+    <p:sldId id="275" r:id="rId7"/>
+    <p:sldId id="276" r:id="rId8"/>
+    <p:sldId id="281" r:id="rId9"/>
+    <p:sldId id="277" r:id="rId10"/>
+    <p:sldId id="278" r:id="rId11"/>
+    <p:sldId id="279" r:id="rId12"/>
+    <p:sldId id="280" r:id="rId13"/>
+    <p:sldId id="282" r:id="rId14"/>
   </p:sldIdLst>
   <p:sldSz cx="9144000" cy="6858000" type="screen4x3"/>
   <p:notesSz cx="6858000" cy="9144000"/>
@@ -281,7 +292,7 @@
               <a:pPr>
                 <a:defRPr/>
               </a:pPr>
-              <a:t>23/11/2025</a:t>
+              <a:t>24/11/2025</a:t>
             </a:fld>
             <a:endParaRPr lang="es-CO"/>
           </a:p>
@@ -887,6 +898,91 @@
     <p:extLst>
       <p:ext uri="{BB962C8B-B14F-4D97-AF65-F5344CB8AC3E}">
         <p14:creationId xmlns:p14="http://schemas.microsoft.com/office/powerpoint/2010/main" val="4170327203"/>
+      </p:ext>
+    </p:extLst>
+  </p:cSld>
+  <p:clrMapOvr>
+    <a:masterClrMapping/>
+  </p:clrMapOvr>
+</p:notes>
+</file>
+
+<file path=ppt/notesSlides/notesSlide2.xml><?xml version="1.0" encoding="utf-8"?>
+<p:notes xmlns:a="http://schemas.openxmlformats.org/drawingml/2006/main" xmlns:r="http://schemas.openxmlformats.org/officeDocument/2006/relationships" xmlns:p="http://schemas.openxmlformats.org/presentationml/2006/main">
+  <p:cSld>
+    <p:spTree>
+      <p:nvGrpSpPr>
+        <p:cNvPr id="1" name=""/>
+        <p:cNvGrpSpPr/>
+        <p:nvPr/>
+      </p:nvGrpSpPr>
+      <p:grpSpPr>
+        <a:xfrm>
+          <a:off x="0" y="0"/>
+          <a:ext cx="0" cy="0"/>
+          <a:chOff x="0" y="0"/>
+          <a:chExt cx="0" cy="0"/>
+        </a:xfrm>
+      </p:grpSpPr>
+      <p:sp>
+        <p:nvSpPr>
+          <p:cNvPr id="2" name="Marcador de imagen de diapositiva 1"/>
+          <p:cNvSpPr>
+            <a:spLocks noGrp="1" noRot="1" noChangeAspect="1"/>
+          </p:cNvSpPr>
+          <p:nvPr>
+            <p:ph type="sldImg"/>
+          </p:nvPr>
+        </p:nvSpPr>
+        <p:spPr/>
+      </p:sp>
+      <p:sp>
+        <p:nvSpPr>
+          <p:cNvPr id="3" name="Marcador de notas 2"/>
+          <p:cNvSpPr>
+            <a:spLocks noGrp="1"/>
+          </p:cNvSpPr>
+          <p:nvPr>
+            <p:ph type="body" idx="1"/>
+          </p:nvPr>
+        </p:nvSpPr>
+        <p:spPr/>
+        <p:txBody>
+          <a:bodyPr/>
+          <a:lstStyle/>
+          <a:p>
+            <a:endParaRPr lang="es-CO" dirty="0"/>
+          </a:p>
+        </p:txBody>
+      </p:sp>
+      <p:sp>
+        <p:nvSpPr>
+          <p:cNvPr id="4" name="Marcador de número de diapositiva 3"/>
+          <p:cNvSpPr>
+            <a:spLocks noGrp="1"/>
+          </p:cNvSpPr>
+          <p:nvPr>
+            <p:ph type="sldNum" sz="quarter" idx="10"/>
+          </p:nvPr>
+        </p:nvSpPr>
+        <p:spPr/>
+        <p:txBody>
+          <a:bodyPr/>
+          <a:lstStyle/>
+          <a:p>
+            <a:fld id="{005A61EF-A413-4572-B9C0-15D2EEC59714}" type="slidenum">
+              <a:rPr lang="es-CO" altLang="es-CO" smtClean="0"/>
+              <a:pPr/>
+              <a:t>10</a:t>
+            </a:fld>
+            <a:endParaRPr lang="es-CO" altLang="es-CO"/>
+          </a:p>
+        </p:txBody>
+      </p:sp>
+    </p:spTree>
+    <p:extLst>
+      <p:ext uri="{BB962C8B-B14F-4D97-AF65-F5344CB8AC3E}">
+        <p14:creationId xmlns:p14="http://schemas.microsoft.com/office/powerpoint/2010/main" val="1154193114"/>
       </p:ext>
     </p:extLst>
   </p:cSld>
@@ -3571,6 +3667,1104 @@
   <p:clrMapOvr>
     <a:masterClrMapping/>
   </p:clrMapOvr>
+  <p:timing>
+    <p:tnLst>
+      <p:par>
+        <p:cTn id="1" dur="indefinite" restart="never" nodeType="tmRoot"/>
+      </p:par>
+    </p:tnLst>
+  </p:timing>
+</p:sld>
+</file>
+
+<file path=ppt/slides/slide10.xml><?xml version="1.0" encoding="utf-8"?>
+<p:sld xmlns:a="http://schemas.openxmlformats.org/drawingml/2006/main" xmlns:r="http://schemas.openxmlformats.org/officeDocument/2006/relationships" xmlns:p="http://schemas.openxmlformats.org/presentationml/2006/main">
+  <p:cSld>
+    <p:spTree>
+      <p:nvGrpSpPr>
+        <p:cNvPr id="1" name=""/>
+        <p:cNvGrpSpPr/>
+        <p:nvPr/>
+      </p:nvGrpSpPr>
+      <p:grpSpPr>
+        <a:xfrm>
+          <a:off x="0" y="0"/>
+          <a:ext cx="0" cy="0"/>
+          <a:chOff x="0" y="0"/>
+          <a:chExt cx="0" cy="0"/>
+        </a:xfrm>
+      </p:grpSpPr>
+      <p:sp>
+        <p:nvSpPr>
+          <p:cNvPr id="2" name="Título 1"/>
+          <p:cNvSpPr>
+            <a:spLocks noGrp="1"/>
+          </p:cNvSpPr>
+          <p:nvPr>
+            <p:ph type="title"/>
+          </p:nvPr>
+        </p:nvSpPr>
+        <p:spPr>
+          <a:xfrm>
+            <a:off x="2267744" y="260648"/>
+            <a:ext cx="6336704" cy="500062"/>
+          </a:xfrm>
+        </p:spPr>
+        <p:txBody>
+          <a:bodyPr/>
+          <a:lstStyle/>
+          <a:p>
+            <a:pPr algn="ctr"/>
+            <a:r>
+              <a:rPr lang="es-CO" dirty="0" smtClean="0"/>
+              <a:t>BASES DE DATOS FINALES</a:t>
+            </a:r>
+            <a:endParaRPr lang="es-CO" dirty="0"/>
+          </a:p>
+        </p:txBody>
+      </p:sp>
+      <p:graphicFrame>
+        <p:nvGraphicFramePr>
+          <p:cNvPr id="4" name="Tabla 3"/>
+          <p:cNvGraphicFramePr>
+            <a:graphicFrameLocks noGrp="1"/>
+          </p:cNvGraphicFramePr>
+          <p:nvPr>
+            <p:extLst>
+              <p:ext uri="{D42A27DB-BD31-4B8C-83A1-F6EECF244321}">
+                <p14:modId xmlns:p14="http://schemas.microsoft.com/office/powerpoint/2010/main" val="1127086763"/>
+              </p:ext>
+            </p:extLst>
+          </p:nvPr>
+        </p:nvGraphicFramePr>
+        <p:xfrm>
+          <a:off x="467544" y="2180740"/>
+          <a:ext cx="8517270" cy="4608963"/>
+        </p:xfrm>
+        <a:graphic>
+          <a:graphicData uri="http://schemas.openxmlformats.org/drawingml/2006/table">
+            <a:tbl>
+              <a:tblPr firstRow="1" bandRow="1">
+                <a:tableStyleId>{5940675A-B579-460E-94D1-54222C63F5DA}</a:tableStyleId>
+              </a:tblPr>
+              <a:tblGrid>
+                <a:gridCol w="1774431">
+                  <a:extLst>
+                    <a:ext uri="{9D8B030D-6E8A-4147-A177-3AD203B41FA5}">
+                      <a16:colId xmlns:a16="http://schemas.microsoft.com/office/drawing/2014/main" val="455607071"/>
+                    </a:ext>
+                  </a:extLst>
+                </a:gridCol>
+                <a:gridCol w="1609945">
+                  <a:extLst>
+                    <a:ext uri="{9D8B030D-6E8A-4147-A177-3AD203B41FA5}">
+                      <a16:colId xmlns:a16="http://schemas.microsoft.com/office/drawing/2014/main" val="1041887390"/>
+                    </a:ext>
+                  </a:extLst>
+                </a:gridCol>
+                <a:gridCol w="5132894">
+                  <a:extLst>
+                    <a:ext uri="{9D8B030D-6E8A-4147-A177-3AD203B41FA5}">
+                      <a16:colId xmlns:a16="http://schemas.microsoft.com/office/drawing/2014/main" val="2508616770"/>
+                    </a:ext>
+                  </a:extLst>
+                </a:gridCol>
+              </a:tblGrid>
+              <a:tr h="388241">
+                <a:tc>
+                  <a:txBody>
+                    <a:bodyPr/>
+                    <a:lstStyle/>
+                    <a:p>
+                      <a:pPr algn="ctr"/>
+                      <a:r>
+                        <a:rPr lang="es-CO" sz="1600" b="1" dirty="0" smtClean="0"/>
+                        <a:t>CATEGORÍA</a:t>
+                      </a:r>
+                      <a:endParaRPr lang="es-CO" sz="1600" b="1" dirty="0"/>
+                    </a:p>
+                  </a:txBody>
+                  <a:tcPr anchor="ctr">
+                    <a:solidFill>
+                      <a:srgbClr val="FFFF00"/>
+                    </a:solidFill>
+                  </a:tcPr>
+                </a:tc>
+                <a:tc>
+                  <a:txBody>
+                    <a:bodyPr/>
+                    <a:lstStyle/>
+                    <a:p>
+                      <a:pPr algn="ctr"/>
+                      <a:r>
+                        <a:rPr lang="es-CO" sz="1600" b="1" dirty="0" smtClean="0"/>
+                        <a:t>CANTIDAD</a:t>
+                      </a:r>
+                      <a:endParaRPr lang="es-CO" sz="1600" b="1" dirty="0"/>
+                    </a:p>
+                  </a:txBody>
+                  <a:tcPr anchor="ctr">
+                    <a:solidFill>
+                      <a:srgbClr val="FFFF00"/>
+                    </a:solidFill>
+                  </a:tcPr>
+                </a:tc>
+                <a:tc>
+                  <a:txBody>
+                    <a:bodyPr/>
+                    <a:lstStyle/>
+                    <a:p>
+                      <a:pPr algn="ctr"/>
+                      <a:r>
+                        <a:rPr lang="es-CO" sz="1600" b="1" dirty="0" smtClean="0"/>
+                        <a:t>VARIABLES</a:t>
+                      </a:r>
+                      <a:endParaRPr lang="es-CO" sz="1600" b="1" dirty="0"/>
+                    </a:p>
+                  </a:txBody>
+                  <a:tcPr anchor="ctr">
+                    <a:solidFill>
+                      <a:srgbClr val="FFFF00"/>
+                    </a:solidFill>
+                  </a:tcPr>
+                </a:tc>
+                <a:extLst>
+                  <a:ext uri="{0D108BD9-81ED-4DB2-BD59-A6C34878D82A}">
+                    <a16:rowId xmlns:a16="http://schemas.microsoft.com/office/drawing/2014/main" val="1518303920"/>
+                  </a:ext>
+                </a:extLst>
+              </a:tr>
+              <a:tr h="619871">
+                <a:tc>
+                  <a:txBody>
+                    <a:bodyPr/>
+                    <a:lstStyle/>
+                    <a:p>
+                      <a:r>
+                        <a:rPr lang="es-CO" sz="1600" dirty="0" smtClean="0"/>
+                        <a:t>Variables Iniciales</a:t>
+                      </a:r>
+                      <a:endParaRPr lang="es-CO" sz="1600" dirty="0"/>
+                    </a:p>
+                  </a:txBody>
+                  <a:tcPr>
+                    <a:solidFill>
+                      <a:schemeClr val="bg1"/>
+                    </a:solidFill>
+                  </a:tcPr>
+                </a:tc>
+                <a:tc>
+                  <a:txBody>
+                    <a:bodyPr/>
+                    <a:lstStyle/>
+                    <a:p>
+                      <a:r>
+                        <a:rPr lang="es-CO" sz="1600" dirty="0" smtClean="0"/>
+                        <a:t>16</a:t>
+                      </a:r>
+                      <a:endParaRPr lang="es-CO" sz="1600" dirty="0"/>
+                    </a:p>
+                  </a:txBody>
+                  <a:tcPr>
+                    <a:solidFill>
+                      <a:schemeClr val="bg1"/>
+                    </a:solidFill>
+                  </a:tcPr>
+                </a:tc>
+                <a:tc>
+                  <a:txBody>
+                    <a:bodyPr/>
+                    <a:lstStyle/>
+                    <a:p>
+                      <a:r>
+                        <a:rPr lang="es-MX" sz="1600" b="0" i="0" u="none" strike="noStrike" kern="1200" baseline="0" dirty="0" smtClean="0">
+                          <a:solidFill>
+                            <a:schemeClr val="tx1"/>
+                          </a:solidFill>
+                          <a:latin typeface="+mn-lt"/>
+                          <a:ea typeface="+mn-ea"/>
+                          <a:cs typeface="+mn-cs"/>
+                        </a:rPr>
+                        <a:t>Identificación de la propiedad, ciudad, precio, mes, año, superficie total,</a:t>
+                      </a:r>
+                    </a:p>
+                    <a:p>
+                      <a:r>
+                        <a:rPr lang="es-MX" sz="1600" b="0" i="0" u="none" strike="noStrike" kern="1200" baseline="0" dirty="0" smtClean="0">
+                          <a:solidFill>
+                            <a:schemeClr val="tx1"/>
+                          </a:solidFill>
+                          <a:latin typeface="+mn-lt"/>
+                          <a:ea typeface="+mn-ea"/>
+                          <a:cs typeface="+mn-cs"/>
+                        </a:rPr>
+                        <a:t>superficie construida, ambientes, baños, habitaciones, tipo de propiedad, tipo de operación del anuncio, latitud, longitud, título y descripción.</a:t>
+                      </a:r>
+                      <a:endParaRPr lang="es-CO" sz="1600" dirty="0"/>
+                    </a:p>
+                  </a:txBody>
+                  <a:tcPr>
+                    <a:solidFill>
+                      <a:schemeClr val="bg1"/>
+                    </a:solidFill>
+                  </a:tcPr>
+                </a:tc>
+                <a:extLst>
+                  <a:ext uri="{0D108BD9-81ED-4DB2-BD59-A6C34878D82A}">
+                    <a16:rowId xmlns:a16="http://schemas.microsoft.com/office/drawing/2014/main" val="3876553589"/>
+                  </a:ext>
+                </a:extLst>
+              </a:tr>
+              <a:tr h="864096">
+                <a:tc>
+                  <a:txBody>
+                    <a:bodyPr/>
+                    <a:lstStyle/>
+                    <a:p>
+                      <a:r>
+                        <a:rPr lang="es-CO" sz="1600" dirty="0" smtClean="0"/>
+                        <a:t>Variables dicotómicas</a:t>
+                      </a:r>
+                      <a:r>
+                        <a:rPr lang="es-CO" sz="1600" baseline="0" dirty="0" smtClean="0"/>
+                        <a:t> a partir de texto</a:t>
+                      </a:r>
+                      <a:endParaRPr lang="es-CO" sz="1600" dirty="0"/>
+                    </a:p>
+                  </a:txBody>
+                  <a:tcPr>
+                    <a:solidFill>
+                      <a:schemeClr val="bg1"/>
+                    </a:solidFill>
+                  </a:tcPr>
+                </a:tc>
+                <a:tc>
+                  <a:txBody>
+                    <a:bodyPr/>
+                    <a:lstStyle/>
+                    <a:p>
+                      <a:r>
+                        <a:rPr lang="es-CO" sz="1600" dirty="0" smtClean="0"/>
+                        <a:t>19</a:t>
+                      </a:r>
+                      <a:endParaRPr lang="es-CO" sz="1600" dirty="0"/>
+                    </a:p>
+                  </a:txBody>
+                  <a:tcPr>
+                    <a:solidFill>
+                      <a:schemeClr val="bg1"/>
+                    </a:solidFill>
+                  </a:tcPr>
+                </a:tc>
+                <a:tc>
+                  <a:txBody>
+                    <a:bodyPr/>
+                    <a:lstStyle/>
+                    <a:p>
+                      <a:r>
+                        <a:rPr lang="es-CO" sz="1600" dirty="0" smtClean="0"/>
+                        <a:t>Presencia de: parqueadero o garaje, seguridad, ascensor, gimnasio, piscina, BBQ, salón social, zona infantil, balcón, terraza, patio, jardín exterior, chimenea, cocina integral, depósito, estudio, remodelado,</a:t>
+                      </a:r>
+                    </a:p>
+                    <a:p>
+                      <a:r>
+                        <a:rPr lang="es-CO" sz="1600" dirty="0" smtClean="0"/>
+                        <a:t>vista y pisos de vivienda.</a:t>
+                      </a:r>
+                      <a:endParaRPr lang="es-CO" sz="1600" dirty="0"/>
+                    </a:p>
+                  </a:txBody>
+                  <a:tcPr>
+                    <a:solidFill>
+                      <a:schemeClr val="bg1"/>
+                    </a:solidFill>
+                  </a:tcPr>
+                </a:tc>
+                <a:extLst>
+                  <a:ext uri="{0D108BD9-81ED-4DB2-BD59-A6C34878D82A}">
+                    <a16:rowId xmlns:a16="http://schemas.microsoft.com/office/drawing/2014/main" val="3035359131"/>
+                  </a:ext>
+                </a:extLst>
+              </a:tr>
+              <a:tr h="567288">
+                <a:tc>
+                  <a:txBody>
+                    <a:bodyPr/>
+                    <a:lstStyle/>
+                    <a:p>
+                      <a:r>
+                        <a:rPr lang="es-CO" sz="1600" dirty="0" smtClean="0"/>
+                        <a:t>Variables de distancia a puntos</a:t>
+                      </a:r>
+                      <a:r>
+                        <a:rPr lang="es-CO" sz="1600" baseline="0" dirty="0" smtClean="0"/>
+                        <a:t> de interés</a:t>
+                      </a:r>
+                      <a:endParaRPr lang="es-CO" sz="1600" dirty="0"/>
+                    </a:p>
+                  </a:txBody>
+                  <a:tcPr>
+                    <a:solidFill>
+                      <a:schemeClr val="bg1"/>
+                    </a:solidFill>
+                  </a:tcPr>
+                </a:tc>
+                <a:tc>
+                  <a:txBody>
+                    <a:bodyPr/>
+                    <a:lstStyle/>
+                    <a:p>
+                      <a:r>
+                        <a:rPr lang="es-CO" sz="1600" dirty="0" smtClean="0"/>
+                        <a:t>5</a:t>
+                      </a:r>
+                      <a:endParaRPr lang="es-CO" sz="1600" dirty="0"/>
+                    </a:p>
+                  </a:txBody>
+                  <a:tcPr>
+                    <a:solidFill>
+                      <a:schemeClr val="bg1"/>
+                    </a:solidFill>
+                  </a:tcPr>
+                </a:tc>
+                <a:tc>
+                  <a:txBody>
+                    <a:bodyPr/>
+                    <a:lstStyle/>
+                    <a:p>
+                      <a:r>
+                        <a:rPr lang="es-CO" sz="1600" b="0" i="0" u="none" strike="noStrike" kern="1200" baseline="0" dirty="0" smtClean="0">
+                          <a:solidFill>
+                            <a:schemeClr val="tx1"/>
+                          </a:solidFill>
+                          <a:latin typeface="+mn-lt"/>
+                          <a:ea typeface="+mn-ea"/>
+                          <a:cs typeface="+mn-cs"/>
+                        </a:rPr>
+                        <a:t>Distancias a parques, colegios, restaurantes, autopistas y centros comerciales.</a:t>
+                      </a:r>
+                      <a:endParaRPr lang="es-CO" sz="1600" dirty="0"/>
+                    </a:p>
+                  </a:txBody>
+                  <a:tcPr>
+                    <a:solidFill>
+                      <a:schemeClr val="bg1"/>
+                    </a:solidFill>
+                  </a:tcPr>
+                </a:tc>
+                <a:extLst>
+                  <a:ext uri="{0D108BD9-81ED-4DB2-BD59-A6C34878D82A}">
+                    <a16:rowId xmlns:a16="http://schemas.microsoft.com/office/drawing/2014/main" val="547037444"/>
+                  </a:ext>
+                </a:extLst>
+              </a:tr>
+              <a:tr h="388241">
+                <a:tc>
+                  <a:txBody>
+                    <a:bodyPr/>
+                    <a:lstStyle/>
+                    <a:p>
+                      <a:r>
+                        <a:rPr lang="es-CO" sz="1600" dirty="0" smtClean="0"/>
+                        <a:t>Otras variables</a:t>
+                      </a:r>
+                      <a:endParaRPr lang="es-CO" sz="1600" dirty="0"/>
+                    </a:p>
+                  </a:txBody>
+                  <a:tcPr>
+                    <a:solidFill>
+                      <a:schemeClr val="bg1"/>
+                    </a:solidFill>
+                  </a:tcPr>
+                </a:tc>
+                <a:tc>
+                  <a:txBody>
+                    <a:bodyPr/>
+                    <a:lstStyle/>
+                    <a:p>
+                      <a:r>
+                        <a:rPr lang="es-CO" sz="1600" dirty="0" smtClean="0"/>
+                        <a:t>3</a:t>
+                      </a:r>
+                      <a:endParaRPr lang="es-CO" sz="1600" dirty="0"/>
+                    </a:p>
+                  </a:txBody>
+                  <a:tcPr>
+                    <a:solidFill>
+                      <a:schemeClr val="bg1"/>
+                    </a:solidFill>
+                  </a:tcPr>
+                </a:tc>
+                <a:tc>
+                  <a:txBody>
+                    <a:bodyPr/>
+                    <a:lstStyle/>
+                    <a:p>
+                      <a:r>
+                        <a:rPr lang="es-CO" sz="1600" b="0" i="0" u="none" strike="noStrike" kern="1200" baseline="0" dirty="0" smtClean="0">
+                          <a:solidFill>
+                            <a:schemeClr val="tx1"/>
+                          </a:solidFill>
+                          <a:latin typeface="+mn-lt"/>
+                          <a:ea typeface="+mn-ea"/>
+                          <a:cs typeface="+mn-cs"/>
+                        </a:rPr>
+                        <a:t>Localidad, barrio y estrato</a:t>
+                      </a:r>
+                      <a:endParaRPr lang="es-CO" sz="1600" dirty="0"/>
+                    </a:p>
+                  </a:txBody>
+                  <a:tcPr>
+                    <a:solidFill>
+                      <a:schemeClr val="bg1"/>
+                    </a:solidFill>
+                  </a:tcPr>
+                </a:tc>
+                <a:extLst>
+                  <a:ext uri="{0D108BD9-81ED-4DB2-BD59-A6C34878D82A}">
+                    <a16:rowId xmlns:a16="http://schemas.microsoft.com/office/drawing/2014/main" val="568831433"/>
+                  </a:ext>
+                </a:extLst>
+              </a:tr>
+              <a:tr h="388241">
+                <a:tc>
+                  <a:txBody>
+                    <a:bodyPr/>
+                    <a:lstStyle/>
+                    <a:p>
+                      <a:r>
+                        <a:rPr lang="es-CO" sz="1600" dirty="0" smtClean="0"/>
+                        <a:t>TOTAL</a:t>
+                      </a:r>
+                      <a:endParaRPr lang="es-CO" sz="1600" dirty="0"/>
+                    </a:p>
+                  </a:txBody>
+                  <a:tcPr>
+                    <a:solidFill>
+                      <a:schemeClr val="bg1"/>
+                    </a:solidFill>
+                  </a:tcPr>
+                </a:tc>
+                <a:tc>
+                  <a:txBody>
+                    <a:bodyPr/>
+                    <a:lstStyle/>
+                    <a:p>
+                      <a:r>
+                        <a:rPr lang="es-CO" sz="1600" dirty="0" smtClean="0"/>
+                        <a:t>43</a:t>
+                      </a:r>
+                      <a:endParaRPr lang="es-CO" sz="1600" dirty="0"/>
+                    </a:p>
+                  </a:txBody>
+                  <a:tcPr>
+                    <a:solidFill>
+                      <a:schemeClr val="bg1"/>
+                    </a:solidFill>
+                  </a:tcPr>
+                </a:tc>
+                <a:tc>
+                  <a:txBody>
+                    <a:bodyPr/>
+                    <a:lstStyle/>
+                    <a:p>
+                      <a:r>
+                        <a:rPr lang="es-CO" sz="1600" dirty="0" smtClean="0"/>
+                        <a:t>Variables</a:t>
+                      </a:r>
+                      <a:r>
+                        <a:rPr lang="es-CO" sz="1600" baseline="0" dirty="0" smtClean="0"/>
+                        <a:t> en train_final.csv y test_final.csv</a:t>
+                      </a:r>
+                      <a:endParaRPr lang="es-CO" sz="1600" dirty="0"/>
+                    </a:p>
+                  </a:txBody>
+                  <a:tcPr>
+                    <a:solidFill>
+                      <a:schemeClr val="bg1"/>
+                    </a:solidFill>
+                  </a:tcPr>
+                </a:tc>
+                <a:extLst>
+                  <a:ext uri="{0D108BD9-81ED-4DB2-BD59-A6C34878D82A}">
+                    <a16:rowId xmlns:a16="http://schemas.microsoft.com/office/drawing/2014/main" val="524732613"/>
+                  </a:ext>
+                </a:extLst>
+              </a:tr>
+            </a:tbl>
+          </a:graphicData>
+        </a:graphic>
+      </p:graphicFrame>
+      <p:sp>
+        <p:nvSpPr>
+          <p:cNvPr id="5" name="CuadroTexto 4"/>
+          <p:cNvSpPr txBox="1"/>
+          <p:nvPr/>
+        </p:nvSpPr>
+        <p:spPr>
+          <a:xfrm>
+            <a:off x="467544" y="990757"/>
+            <a:ext cx="8497978" cy="1077218"/>
+          </a:xfrm>
+          <a:prstGeom prst="rect">
+            <a:avLst/>
+          </a:prstGeom>
+          <a:solidFill>
+            <a:schemeClr val="bg1"/>
+          </a:solidFill>
+        </p:spPr>
+        <p:txBody>
+          <a:bodyPr wrap="square" rtlCol="0">
+            <a:spAutoFit/>
+          </a:bodyPr>
+          <a:lstStyle/>
+          <a:p>
+            <a:pPr algn="just"/>
+            <a:r>
+              <a:rPr lang="es-MX" sz="1600" dirty="0" smtClean="0"/>
+              <a:t>En resumen: La información </a:t>
+            </a:r>
+            <a:r>
+              <a:rPr lang="es-MX" sz="1600" dirty="0"/>
+              <a:t>final se obtuvo mediante la </a:t>
+            </a:r>
+            <a:r>
+              <a:rPr lang="es-MX" sz="1600" dirty="0" smtClean="0"/>
+              <a:t>unión </a:t>
+            </a:r>
+            <a:r>
+              <a:rPr lang="es-MX" sz="1600" dirty="0"/>
+              <a:t>y </a:t>
+            </a:r>
+            <a:r>
+              <a:rPr lang="es-MX" sz="1600" dirty="0" smtClean="0"/>
+              <a:t>depuración </a:t>
+            </a:r>
+            <a:r>
+              <a:rPr lang="es-MX" sz="1600" dirty="0"/>
+              <a:t>de las distintas fuentes </a:t>
+            </a:r>
+            <a:r>
+              <a:rPr lang="es-MX" sz="1600" dirty="0" smtClean="0"/>
+              <a:t>disponibles, incorporando </a:t>
+            </a:r>
+            <a:r>
+              <a:rPr lang="es-MX" sz="1600" dirty="0"/>
+              <a:t>transformaciones de variables, </a:t>
+            </a:r>
+            <a:r>
+              <a:rPr lang="es-MX" sz="1600" dirty="0" smtClean="0"/>
+              <a:t>extracción </a:t>
+            </a:r>
+            <a:r>
+              <a:rPr lang="es-MX" sz="1600" dirty="0"/>
+              <a:t>automatizada de atributos a partir del </a:t>
+            </a:r>
+            <a:r>
+              <a:rPr lang="es-MX" sz="1600" dirty="0" smtClean="0"/>
+              <a:t>texto, y </a:t>
+            </a:r>
+            <a:r>
+              <a:rPr lang="es-MX" sz="1600" dirty="0"/>
+              <a:t>la </a:t>
+            </a:r>
+            <a:r>
+              <a:rPr lang="es-MX" sz="1600" dirty="0" smtClean="0"/>
+              <a:t>creación </a:t>
+            </a:r>
+            <a:r>
+              <a:rPr lang="es-MX" sz="1600" dirty="0"/>
+              <a:t>de variables relacionadas con </a:t>
+            </a:r>
+            <a:r>
+              <a:rPr lang="es-MX" sz="1600" dirty="0" smtClean="0"/>
+              <a:t>características físicas</a:t>
+            </a:r>
+            <a:r>
+              <a:rPr lang="es-MX" sz="1600" dirty="0"/>
+              <a:t>, atributos </a:t>
+            </a:r>
+            <a:r>
+              <a:rPr lang="es-MX" sz="1600" dirty="0" smtClean="0"/>
+              <a:t>geográficos </a:t>
+            </a:r>
+            <a:r>
+              <a:rPr lang="es-MX" sz="1600" dirty="0"/>
+              <a:t>y </a:t>
+            </a:r>
+            <a:r>
+              <a:rPr lang="es-MX" sz="1600" dirty="0" smtClean="0"/>
+              <a:t>condiciones socioeconómicas</a:t>
+            </a:r>
+            <a:r>
+              <a:rPr lang="es-MX" sz="1600" dirty="0"/>
+              <a:t>.</a:t>
+            </a:r>
+            <a:endParaRPr lang="es-CO" sz="1600" dirty="0"/>
+          </a:p>
+        </p:txBody>
+      </p:sp>
+    </p:spTree>
+    <p:extLst>
+      <p:ext uri="{BB962C8B-B14F-4D97-AF65-F5344CB8AC3E}">
+        <p14:creationId xmlns:p14="http://schemas.microsoft.com/office/powerpoint/2010/main" val="1091942908"/>
+      </p:ext>
+    </p:extLst>
+  </p:cSld>
+  <p:clrMapOvr>
+    <a:masterClrMapping/>
+  </p:clrMapOvr>
+  <p:timing>
+    <p:tnLst>
+      <p:par>
+        <p:cTn id="1" dur="indefinite" restart="never" nodeType="tmRoot"/>
+      </p:par>
+    </p:tnLst>
+  </p:timing>
+</p:sld>
+</file>
+
+<file path=ppt/slides/slide11.xml><?xml version="1.0" encoding="utf-8"?>
+<p:sld xmlns:a="http://schemas.openxmlformats.org/drawingml/2006/main" xmlns:r="http://schemas.openxmlformats.org/officeDocument/2006/relationships" xmlns:p="http://schemas.openxmlformats.org/presentationml/2006/main">
+  <p:cSld>
+    <p:spTree>
+      <p:nvGrpSpPr>
+        <p:cNvPr id="1" name=""/>
+        <p:cNvGrpSpPr/>
+        <p:nvPr/>
+      </p:nvGrpSpPr>
+      <p:grpSpPr>
+        <a:xfrm>
+          <a:off x="0" y="0"/>
+          <a:ext cx="0" cy="0"/>
+          <a:chOff x="0" y="0"/>
+          <a:chExt cx="0" cy="0"/>
+        </a:xfrm>
+      </p:grpSpPr>
+      <p:sp>
+        <p:nvSpPr>
+          <p:cNvPr id="2" name="Título 1"/>
+          <p:cNvSpPr>
+            <a:spLocks noGrp="1"/>
+          </p:cNvSpPr>
+          <p:nvPr>
+            <p:ph type="title"/>
+          </p:nvPr>
+        </p:nvSpPr>
+        <p:spPr>
+          <a:xfrm>
+            <a:off x="2699792" y="260648"/>
+            <a:ext cx="4796581" cy="500062"/>
+          </a:xfrm>
+        </p:spPr>
+        <p:txBody>
+          <a:bodyPr/>
+          <a:lstStyle/>
+          <a:p>
+            <a:r>
+              <a:rPr lang="es-CO" dirty="0" smtClean="0"/>
+              <a:t>ESTADÍSTICAS DESCRIPTIVAS</a:t>
+            </a:r>
+            <a:endParaRPr lang="es-CO" dirty="0"/>
+          </a:p>
+        </p:txBody>
+      </p:sp>
+      <p:pic>
+        <p:nvPicPr>
+          <p:cNvPr id="4" name="Imagen 3"/>
+          <p:cNvPicPr>
+            <a:picLocks noChangeAspect="1"/>
+          </p:cNvPicPr>
+          <p:nvPr/>
+        </p:nvPicPr>
+        <p:blipFill>
+          <a:blip r:embed="rId2" cstate="print">
+            <a:extLst>
+              <a:ext uri="{28A0092B-C50C-407E-A947-70E740481C1C}">
+                <a14:useLocalDpi xmlns:a14="http://schemas.microsoft.com/office/drawing/2010/main" val="0"/>
+              </a:ext>
+            </a:extLst>
+          </a:blip>
+          <a:stretch>
+            <a:fillRect/>
+          </a:stretch>
+        </p:blipFill>
+        <p:spPr>
+          <a:xfrm>
+            <a:off x="285750" y="836712"/>
+            <a:ext cx="8572500" cy="5760640"/>
+          </a:xfrm>
+          <a:prstGeom prst="rect">
+            <a:avLst/>
+          </a:prstGeom>
+        </p:spPr>
+      </p:pic>
+    </p:spTree>
+    <p:extLst>
+      <p:ext uri="{BB962C8B-B14F-4D97-AF65-F5344CB8AC3E}">
+        <p14:creationId xmlns:p14="http://schemas.microsoft.com/office/powerpoint/2010/main" val="1513249019"/>
+      </p:ext>
+    </p:extLst>
+  </p:cSld>
+  <p:clrMapOvr>
+    <a:masterClrMapping/>
+  </p:clrMapOvr>
+  <p:timing>
+    <p:tnLst>
+      <p:par>
+        <p:cTn id="1" dur="indefinite" restart="never" nodeType="tmRoot"/>
+      </p:par>
+    </p:tnLst>
+  </p:timing>
+</p:sld>
+</file>
+
+<file path=ppt/slides/slide12.xml><?xml version="1.0" encoding="utf-8"?>
+<p:sld xmlns:a="http://schemas.openxmlformats.org/drawingml/2006/main" xmlns:r="http://schemas.openxmlformats.org/officeDocument/2006/relationships" xmlns:p="http://schemas.openxmlformats.org/presentationml/2006/main">
+  <p:cSld>
+    <p:spTree>
+      <p:nvGrpSpPr>
+        <p:cNvPr id="1" name=""/>
+        <p:cNvGrpSpPr/>
+        <p:nvPr/>
+      </p:nvGrpSpPr>
+      <p:grpSpPr>
+        <a:xfrm>
+          <a:off x="0" y="0"/>
+          <a:ext cx="0" cy="0"/>
+          <a:chOff x="0" y="0"/>
+          <a:chExt cx="0" cy="0"/>
+        </a:xfrm>
+      </p:grpSpPr>
+      <p:sp>
+        <p:nvSpPr>
+          <p:cNvPr id="4" name="Título 1"/>
+          <p:cNvSpPr txBox="1">
+            <a:spLocks/>
+          </p:cNvSpPr>
+          <p:nvPr/>
+        </p:nvSpPr>
+        <p:spPr bwMode="auto">
+          <a:xfrm>
+            <a:off x="2699792" y="260648"/>
+            <a:ext cx="4796581" cy="500062"/>
+          </a:xfrm>
+          <a:prstGeom prst="rect">
+            <a:avLst/>
+          </a:prstGeom>
+          <a:noFill/>
+          <a:ln>
+            <a:noFill/>
+          </a:ln>
+          <a:extLst>
+            <a:ext uri="{909E8E84-426E-40DD-AFC4-6F175D3DCCD1}">
+              <a14:hiddenFill xmlns:a14="http://schemas.microsoft.com/office/drawing/2010/main">
+                <a:solidFill>
+                  <a:srgbClr val="FFFFFF"/>
+                </a:solidFill>
+              </a14:hiddenFill>
+            </a:ext>
+            <a:ext uri="{91240B29-F687-4F45-9708-019B960494DF}">
+              <a14:hiddenLine xmlns:a14="http://schemas.microsoft.com/office/drawing/2010/main" w="9525">
+                <a:solidFill>
+                  <a:srgbClr val="000000"/>
+                </a:solidFill>
+                <a:miter lim="800000"/>
+                <a:headEnd/>
+                <a:tailEnd/>
+              </a14:hiddenLine>
+            </a:ext>
+          </a:extLst>
+        </p:spPr>
+        <p:txBody>
+          <a:bodyPr vert="horz" wrap="square" lIns="91440" tIns="45720" rIns="91440" bIns="45720" numCol="1" anchor="ctr" anchorCtr="0" compatLnSpc="1">
+            <a:prstTxWarp prst="textNoShape">
+              <a:avLst/>
+            </a:prstTxWarp>
+          </a:bodyPr>
+          <a:lstStyle>
+            <a:lvl1pPr algn="l" rtl="0" eaLnBrk="0" fontAlgn="base" hangingPunct="0">
+              <a:spcBef>
+                <a:spcPct val="0"/>
+              </a:spcBef>
+              <a:spcAft>
+                <a:spcPct val="0"/>
+              </a:spcAft>
+              <a:defRPr sz="2400" b="1" kern="1200">
+                <a:solidFill>
+                  <a:schemeClr val="tx1"/>
+                </a:solidFill>
+                <a:latin typeface="Arial" pitchFamily="34" charset="0"/>
+                <a:ea typeface="+mj-ea"/>
+                <a:cs typeface="Arial" pitchFamily="34" charset="0"/>
+              </a:defRPr>
+            </a:lvl1pPr>
+            <a:lvl2pPr algn="l" rtl="0" eaLnBrk="0" fontAlgn="base" hangingPunct="0">
+              <a:spcBef>
+                <a:spcPct val="0"/>
+              </a:spcBef>
+              <a:spcAft>
+                <a:spcPct val="0"/>
+              </a:spcAft>
+              <a:defRPr sz="2400" b="1">
+                <a:solidFill>
+                  <a:schemeClr val="tx1"/>
+                </a:solidFill>
+                <a:latin typeface="Arial" charset="0"/>
+                <a:cs typeface="Arial" charset="0"/>
+              </a:defRPr>
+            </a:lvl2pPr>
+            <a:lvl3pPr algn="l" rtl="0" eaLnBrk="0" fontAlgn="base" hangingPunct="0">
+              <a:spcBef>
+                <a:spcPct val="0"/>
+              </a:spcBef>
+              <a:spcAft>
+                <a:spcPct val="0"/>
+              </a:spcAft>
+              <a:defRPr sz="2400" b="1">
+                <a:solidFill>
+                  <a:schemeClr val="tx1"/>
+                </a:solidFill>
+                <a:latin typeface="Arial" charset="0"/>
+                <a:cs typeface="Arial" charset="0"/>
+              </a:defRPr>
+            </a:lvl3pPr>
+            <a:lvl4pPr algn="l" rtl="0" eaLnBrk="0" fontAlgn="base" hangingPunct="0">
+              <a:spcBef>
+                <a:spcPct val="0"/>
+              </a:spcBef>
+              <a:spcAft>
+                <a:spcPct val="0"/>
+              </a:spcAft>
+              <a:defRPr sz="2400" b="1">
+                <a:solidFill>
+                  <a:schemeClr val="tx1"/>
+                </a:solidFill>
+                <a:latin typeface="Arial" charset="0"/>
+                <a:cs typeface="Arial" charset="0"/>
+              </a:defRPr>
+            </a:lvl4pPr>
+            <a:lvl5pPr algn="l" rtl="0" eaLnBrk="0" fontAlgn="base" hangingPunct="0">
+              <a:spcBef>
+                <a:spcPct val="0"/>
+              </a:spcBef>
+              <a:spcAft>
+                <a:spcPct val="0"/>
+              </a:spcAft>
+              <a:defRPr sz="2400" b="1">
+                <a:solidFill>
+                  <a:schemeClr val="tx1"/>
+                </a:solidFill>
+                <a:latin typeface="Arial" charset="0"/>
+                <a:cs typeface="Arial" charset="0"/>
+              </a:defRPr>
+            </a:lvl5pPr>
+            <a:lvl6pPr marL="457200" algn="l" rtl="0" fontAlgn="base">
+              <a:spcBef>
+                <a:spcPct val="0"/>
+              </a:spcBef>
+              <a:spcAft>
+                <a:spcPct val="0"/>
+              </a:spcAft>
+              <a:defRPr sz="2400" b="1">
+                <a:solidFill>
+                  <a:schemeClr val="tx1"/>
+                </a:solidFill>
+                <a:latin typeface="Arial" charset="0"/>
+                <a:cs typeface="Arial" charset="0"/>
+              </a:defRPr>
+            </a:lvl6pPr>
+            <a:lvl7pPr marL="914400" algn="l" rtl="0" fontAlgn="base">
+              <a:spcBef>
+                <a:spcPct val="0"/>
+              </a:spcBef>
+              <a:spcAft>
+                <a:spcPct val="0"/>
+              </a:spcAft>
+              <a:defRPr sz="2400" b="1">
+                <a:solidFill>
+                  <a:schemeClr val="tx1"/>
+                </a:solidFill>
+                <a:latin typeface="Arial" charset="0"/>
+                <a:cs typeface="Arial" charset="0"/>
+              </a:defRPr>
+            </a:lvl7pPr>
+            <a:lvl8pPr marL="1371600" algn="l" rtl="0" fontAlgn="base">
+              <a:spcBef>
+                <a:spcPct val="0"/>
+              </a:spcBef>
+              <a:spcAft>
+                <a:spcPct val="0"/>
+              </a:spcAft>
+              <a:defRPr sz="2400" b="1">
+                <a:solidFill>
+                  <a:schemeClr val="tx1"/>
+                </a:solidFill>
+                <a:latin typeface="Arial" charset="0"/>
+                <a:cs typeface="Arial" charset="0"/>
+              </a:defRPr>
+            </a:lvl8pPr>
+            <a:lvl9pPr marL="1828800" algn="l" rtl="0" fontAlgn="base">
+              <a:spcBef>
+                <a:spcPct val="0"/>
+              </a:spcBef>
+              <a:spcAft>
+                <a:spcPct val="0"/>
+              </a:spcAft>
+              <a:defRPr sz="2400" b="1">
+                <a:solidFill>
+                  <a:schemeClr val="tx1"/>
+                </a:solidFill>
+                <a:latin typeface="Arial" charset="0"/>
+                <a:cs typeface="Arial" charset="0"/>
+              </a:defRPr>
+            </a:lvl9pPr>
+          </a:lstStyle>
+          <a:p>
+            <a:r>
+              <a:rPr lang="es-CO" smtClean="0"/>
+              <a:t>ESTADÍSTICAS DESCRIPTIVAS</a:t>
+            </a:r>
+            <a:endParaRPr lang="es-CO" dirty="0"/>
+          </a:p>
+        </p:txBody>
+      </p:sp>
+      <p:pic>
+        <p:nvPicPr>
+          <p:cNvPr id="5" name="Imagen 4"/>
+          <p:cNvPicPr>
+            <a:picLocks noChangeAspect="1"/>
+          </p:cNvPicPr>
+          <p:nvPr/>
+        </p:nvPicPr>
+        <p:blipFill>
+          <a:blip r:embed="rId2" cstate="hqprint">
+            <a:extLst>
+              <a:ext uri="{28A0092B-C50C-407E-A947-70E740481C1C}">
+                <a14:useLocalDpi xmlns:a14="http://schemas.microsoft.com/office/drawing/2010/main" val="0"/>
+              </a:ext>
+            </a:extLst>
+          </a:blip>
+          <a:stretch>
+            <a:fillRect/>
+          </a:stretch>
+        </p:blipFill>
+        <p:spPr>
+          <a:xfrm>
+            <a:off x="323528" y="836711"/>
+            <a:ext cx="8280920" cy="5760641"/>
+          </a:xfrm>
+          <a:prstGeom prst="rect">
+            <a:avLst/>
+          </a:prstGeom>
+        </p:spPr>
+      </p:pic>
+    </p:spTree>
+    <p:extLst>
+      <p:ext uri="{BB962C8B-B14F-4D97-AF65-F5344CB8AC3E}">
+        <p14:creationId xmlns:p14="http://schemas.microsoft.com/office/powerpoint/2010/main" val="1863007637"/>
+      </p:ext>
+    </p:extLst>
+  </p:cSld>
+  <p:clrMapOvr>
+    <a:masterClrMapping/>
+  </p:clrMapOvr>
+  <p:timing>
+    <p:tnLst>
+      <p:par>
+        <p:cTn id="1" dur="indefinite" restart="never" nodeType="tmRoot"/>
+      </p:par>
+    </p:tnLst>
+  </p:timing>
+</p:sld>
+</file>
+
+<file path=ppt/slides/slide13.xml><?xml version="1.0" encoding="utf-8"?>
+<p:sld xmlns:a="http://schemas.openxmlformats.org/drawingml/2006/main" xmlns:r="http://schemas.openxmlformats.org/officeDocument/2006/relationships" xmlns:p="http://schemas.openxmlformats.org/presentationml/2006/main">
+  <p:cSld>
+    <p:spTree>
+      <p:nvGrpSpPr>
+        <p:cNvPr id="1" name=""/>
+        <p:cNvGrpSpPr/>
+        <p:nvPr/>
+      </p:nvGrpSpPr>
+      <p:grpSpPr>
+        <a:xfrm>
+          <a:off x="0" y="0"/>
+          <a:ext cx="0" cy="0"/>
+          <a:chOff x="0" y="0"/>
+          <a:chExt cx="0" cy="0"/>
+        </a:xfrm>
+      </p:grpSpPr>
+      <p:sp>
+        <p:nvSpPr>
+          <p:cNvPr id="2" name="Título 1"/>
+          <p:cNvSpPr>
+            <a:spLocks noGrp="1"/>
+          </p:cNvSpPr>
+          <p:nvPr>
+            <p:ph type="title"/>
+          </p:nvPr>
+        </p:nvSpPr>
+        <p:spPr>
+          <a:xfrm>
+            <a:off x="893785" y="1196752"/>
+            <a:ext cx="8229600" cy="500062"/>
+          </a:xfrm>
+        </p:spPr>
+        <p:txBody>
+          <a:bodyPr/>
+          <a:lstStyle/>
+          <a:p>
+            <a:pPr algn="ctr"/>
+            <a:r>
+              <a:rPr lang="es-CO" dirty="0" smtClean="0"/>
+              <a:t>RELEVANCIA DE LA INFORMACIÓN PARA LA PREDICCIÓN DE PRECIOS DE VIVIENDA EN CHAPINERO</a:t>
+            </a:r>
+            <a:endParaRPr lang="es-CO" dirty="0"/>
+          </a:p>
+        </p:txBody>
+      </p:sp>
+      <p:sp>
+        <p:nvSpPr>
+          <p:cNvPr id="4" name="Rectángulo 3"/>
+          <p:cNvSpPr/>
+          <p:nvPr/>
+        </p:nvSpPr>
+        <p:spPr>
+          <a:xfrm>
+            <a:off x="1115616" y="2204864"/>
+            <a:ext cx="7488832" cy="2677656"/>
+          </a:xfrm>
+          <a:prstGeom prst="rect">
+            <a:avLst/>
+          </a:prstGeom>
+        </p:spPr>
+        <p:txBody>
+          <a:bodyPr wrap="square">
+            <a:spAutoFit/>
+          </a:bodyPr>
+          <a:lstStyle/>
+          <a:p>
+            <a:pPr algn="just"/>
+            <a:r>
+              <a:rPr lang="es-MX" sz="2400" dirty="0"/>
+              <a:t>Las bases de datos consolidadas, resultado de los procesos previamente descritos, son  pertinentes para la predicción de precios de venta en la localidad de Chapinero, debido a que integran información que captura de manera adecuada los factores que explican la variación del valor de las viviendas en Bogotá.</a:t>
+            </a:r>
+            <a:endParaRPr lang="es-CO" sz="2400" dirty="0"/>
+          </a:p>
+        </p:txBody>
+      </p:sp>
+    </p:spTree>
+    <p:extLst>
+      <p:ext uri="{BB962C8B-B14F-4D97-AF65-F5344CB8AC3E}">
+        <p14:creationId xmlns:p14="http://schemas.microsoft.com/office/powerpoint/2010/main" val="152116736"/>
+      </p:ext>
+    </p:extLst>
+  </p:cSld>
+  <p:clrMapOvr>
+    <a:masterClrMapping/>
+  </p:clrMapOvr>
 </p:sld>
 </file>
 
@@ -3742,6 +4936,3275 @@
   <p:clrMapOvr>
     <a:masterClrMapping/>
   </p:clrMapOvr>
+  <p:timing>
+    <p:tnLst>
+      <p:par>
+        <p:cTn id="1" dur="indefinite" restart="never" nodeType="tmRoot"/>
+      </p:par>
+    </p:tnLst>
+  </p:timing>
+</p:sld>
+</file>
+
+<file path=ppt/slides/slide3.xml><?xml version="1.0" encoding="utf-8"?>
+<p:sld xmlns:a="http://schemas.openxmlformats.org/drawingml/2006/main" xmlns:r="http://schemas.openxmlformats.org/officeDocument/2006/relationships" xmlns:p="http://schemas.openxmlformats.org/presentationml/2006/main">
+  <p:cSld>
+    <p:spTree>
+      <p:nvGrpSpPr>
+        <p:cNvPr id="1" name=""/>
+        <p:cNvGrpSpPr/>
+        <p:nvPr/>
+      </p:nvGrpSpPr>
+      <p:grpSpPr>
+        <a:xfrm>
+          <a:off x="0" y="0"/>
+          <a:ext cx="0" cy="0"/>
+          <a:chOff x="0" y="0"/>
+          <a:chExt cx="0" cy="0"/>
+        </a:xfrm>
+      </p:grpSpPr>
+      <p:sp>
+        <p:nvSpPr>
+          <p:cNvPr id="9" name="Título 1">
+            <a:extLst>
+              <a:ext uri="{FF2B5EF4-FFF2-40B4-BE49-F238E27FC236}">
+                <a16:creationId xmlns:a16="http://schemas.microsoft.com/office/drawing/2014/main" id="{23C73C8E-6C08-A6DF-5824-FAEB24E8DFEC}"/>
+              </a:ext>
+            </a:extLst>
+          </p:cNvPr>
+          <p:cNvSpPr>
+            <a:spLocks noGrp="1"/>
+          </p:cNvSpPr>
+          <p:nvPr>
+            <p:ph type="title"/>
+          </p:nvPr>
+        </p:nvSpPr>
+        <p:spPr>
+          <a:xfrm>
+            <a:off x="2123728" y="259698"/>
+            <a:ext cx="5976664" cy="500063"/>
+          </a:xfrm>
+          <a:noFill/>
+        </p:spPr>
+        <p:txBody>
+          <a:bodyPr/>
+          <a:lstStyle/>
+          <a:p>
+            <a:pPr algn="ctr"/>
+            <a:r>
+              <a:rPr lang="es-CO" altLang="es-CO" dirty="0" smtClean="0"/>
+              <a:t>BASES DE DATOS INICIALES</a:t>
+            </a:r>
+            <a:endParaRPr lang="es-CO" altLang="es-CO" dirty="0"/>
+          </a:p>
+        </p:txBody>
+      </p:sp>
+      <p:graphicFrame>
+        <p:nvGraphicFramePr>
+          <p:cNvPr id="2" name="Tabla 1"/>
+          <p:cNvGraphicFramePr>
+            <a:graphicFrameLocks noGrp="1"/>
+          </p:cNvGraphicFramePr>
+          <p:nvPr>
+            <p:extLst>
+              <p:ext uri="{D42A27DB-BD31-4B8C-83A1-F6EECF244321}">
+                <p14:modId xmlns:p14="http://schemas.microsoft.com/office/powerpoint/2010/main" val="2443375893"/>
+              </p:ext>
+            </p:extLst>
+          </p:nvPr>
+        </p:nvGraphicFramePr>
+        <p:xfrm>
+          <a:off x="183867" y="1916832"/>
+          <a:ext cx="8784976" cy="4662123"/>
+        </p:xfrm>
+        <a:graphic>
+          <a:graphicData uri="http://schemas.openxmlformats.org/drawingml/2006/table">
+            <a:tbl>
+              <a:tblPr firstRow="1" bandRow="1">
+                <a:tableStyleId>{5940675A-B579-460E-94D1-54222C63F5DA}</a:tableStyleId>
+              </a:tblPr>
+              <a:tblGrid>
+                <a:gridCol w="1511535">
+                  <a:extLst>
+                    <a:ext uri="{9D8B030D-6E8A-4147-A177-3AD203B41FA5}">
+                      <a16:colId xmlns:a16="http://schemas.microsoft.com/office/drawing/2014/main" val="3476646677"/>
+                    </a:ext>
+                  </a:extLst>
+                </a:gridCol>
+                <a:gridCol w="2962273">
+                  <a:extLst>
+                    <a:ext uri="{9D8B030D-6E8A-4147-A177-3AD203B41FA5}">
+                      <a16:colId xmlns:a16="http://schemas.microsoft.com/office/drawing/2014/main" val="1690731021"/>
+                    </a:ext>
+                  </a:extLst>
+                </a:gridCol>
+                <a:gridCol w="1407080">
+                  <a:extLst>
+                    <a:ext uri="{9D8B030D-6E8A-4147-A177-3AD203B41FA5}">
+                      <a16:colId xmlns:a16="http://schemas.microsoft.com/office/drawing/2014/main" val="4208772456"/>
+                    </a:ext>
+                  </a:extLst>
+                </a:gridCol>
+                <a:gridCol w="2904088">
+                  <a:extLst>
+                    <a:ext uri="{9D8B030D-6E8A-4147-A177-3AD203B41FA5}">
+                      <a16:colId xmlns:a16="http://schemas.microsoft.com/office/drawing/2014/main" val="1887854905"/>
+                    </a:ext>
+                  </a:extLst>
+                </a:gridCol>
+              </a:tblGrid>
+              <a:tr h="296635">
+                <a:tc>
+                  <a:txBody>
+                    <a:bodyPr/>
+                    <a:lstStyle/>
+                    <a:p>
+                      <a:pPr algn="ctr"/>
+                      <a:r>
+                        <a:rPr lang="es-CO" sz="1200" b="1" dirty="0" smtClean="0"/>
+                        <a:t>VARIABLE</a:t>
+                      </a:r>
+                    </a:p>
+                  </a:txBody>
+                  <a:tcPr anchor="ctr">
+                    <a:solidFill>
+                      <a:srgbClr val="FFFF00"/>
+                    </a:solidFill>
+                  </a:tcPr>
+                </a:tc>
+                <a:tc>
+                  <a:txBody>
+                    <a:bodyPr/>
+                    <a:lstStyle/>
+                    <a:p>
+                      <a:pPr marL="0" marR="0" indent="0" algn="ctr" defTabSz="914400" rtl="0" eaLnBrk="1" fontAlgn="auto" latinLnBrk="0" hangingPunct="1">
+                        <a:lnSpc>
+                          <a:spcPct val="100000"/>
+                        </a:lnSpc>
+                        <a:spcBef>
+                          <a:spcPts val="0"/>
+                        </a:spcBef>
+                        <a:spcAft>
+                          <a:spcPts val="0"/>
+                        </a:spcAft>
+                        <a:buClrTx/>
+                        <a:buSzTx/>
+                        <a:buFontTx/>
+                        <a:buNone/>
+                        <a:tabLst/>
+                        <a:defRPr/>
+                      </a:pPr>
+                      <a:r>
+                        <a:rPr lang="es-CO" sz="1200" b="1" dirty="0" smtClean="0"/>
+                        <a:t>DESCRIPCIÓN</a:t>
+                      </a:r>
+                    </a:p>
+                  </a:txBody>
+                  <a:tcPr anchor="ctr">
+                    <a:solidFill>
+                      <a:srgbClr val="FFFF00"/>
+                    </a:solidFill>
+                  </a:tcPr>
+                </a:tc>
+                <a:tc>
+                  <a:txBody>
+                    <a:bodyPr/>
+                    <a:lstStyle/>
+                    <a:p>
+                      <a:pPr algn="ctr"/>
+                      <a:r>
+                        <a:rPr lang="es-CO" sz="1200" b="1" dirty="0" smtClean="0"/>
+                        <a:t>VARIABLE</a:t>
+                      </a:r>
+                    </a:p>
+                  </a:txBody>
+                  <a:tcPr anchor="ctr">
+                    <a:solidFill>
+                      <a:srgbClr val="FFFF00"/>
+                    </a:solidFill>
+                  </a:tcPr>
+                </a:tc>
+                <a:tc>
+                  <a:txBody>
+                    <a:bodyPr/>
+                    <a:lstStyle/>
+                    <a:p>
+                      <a:pPr marL="0" marR="0" indent="0" algn="ctr" defTabSz="914400" rtl="0" eaLnBrk="1" fontAlgn="auto" latinLnBrk="0" hangingPunct="1">
+                        <a:lnSpc>
+                          <a:spcPct val="100000"/>
+                        </a:lnSpc>
+                        <a:spcBef>
+                          <a:spcPts val="0"/>
+                        </a:spcBef>
+                        <a:spcAft>
+                          <a:spcPts val="0"/>
+                        </a:spcAft>
+                        <a:buClrTx/>
+                        <a:buSzTx/>
+                        <a:buFontTx/>
+                        <a:buNone/>
+                        <a:tabLst/>
+                        <a:defRPr/>
+                      </a:pPr>
+                      <a:r>
+                        <a:rPr lang="es-CO" sz="1200" b="1" dirty="0" smtClean="0"/>
+                        <a:t>DESCRIPCIÓN</a:t>
+                      </a:r>
+                    </a:p>
+                  </a:txBody>
+                  <a:tcPr anchor="ctr">
+                    <a:solidFill>
+                      <a:srgbClr val="FFFF00"/>
+                    </a:solidFill>
+                  </a:tcPr>
+                </a:tc>
+                <a:extLst>
+                  <a:ext uri="{0D108BD9-81ED-4DB2-BD59-A6C34878D82A}">
+                    <a16:rowId xmlns:a16="http://schemas.microsoft.com/office/drawing/2014/main" val="3683752060"/>
+                  </a:ext>
+                </a:extLst>
+              </a:tr>
+              <a:tr h="673197">
+                <a:tc>
+                  <a:txBody>
+                    <a:bodyPr/>
+                    <a:lstStyle/>
+                    <a:p>
+                      <a:r>
+                        <a:rPr lang="es-CO" sz="1200" b="1" dirty="0" err="1" smtClean="0"/>
+                        <a:t>Property_id</a:t>
+                      </a:r>
+                      <a:endParaRPr lang="es-CO" sz="1200" dirty="0"/>
+                    </a:p>
+                  </a:txBody>
+                  <a:tcPr>
+                    <a:solidFill>
+                      <a:schemeClr val="bg1"/>
+                    </a:solidFill>
+                  </a:tcPr>
+                </a:tc>
+                <a:tc>
+                  <a:txBody>
+                    <a:bodyPr/>
+                    <a:lstStyle/>
+                    <a:p>
+                      <a:pPr algn="just"/>
+                      <a:r>
+                        <a:rPr lang="es-CO" sz="1200" dirty="0" smtClean="0"/>
+                        <a:t>Identificador único asignado a cada propiedad, usado para diferenciar registros y evitar duplicados.</a:t>
+                      </a:r>
+                    </a:p>
+                  </a:txBody>
+                  <a:tcPr>
+                    <a:solidFill>
+                      <a:schemeClr val="bg1"/>
+                    </a:solidFill>
+                  </a:tcPr>
+                </a:tc>
+                <a:tc>
+                  <a:txBody>
+                    <a:bodyPr/>
+                    <a:lstStyle/>
+                    <a:p>
+                      <a:pPr marL="0" marR="0" indent="0" algn="l" defTabSz="914400" rtl="0" eaLnBrk="1" fontAlgn="auto" latinLnBrk="0" hangingPunct="1">
+                        <a:lnSpc>
+                          <a:spcPct val="100000"/>
+                        </a:lnSpc>
+                        <a:spcBef>
+                          <a:spcPts val="0"/>
+                        </a:spcBef>
+                        <a:spcAft>
+                          <a:spcPts val="0"/>
+                        </a:spcAft>
+                        <a:buClrTx/>
+                        <a:buSzTx/>
+                        <a:buFontTx/>
+                        <a:buNone/>
+                        <a:tabLst/>
+                        <a:defRPr/>
+                      </a:pPr>
+                      <a:r>
+                        <a:rPr lang="es-CO" sz="1200" b="1" dirty="0" err="1" smtClean="0"/>
+                        <a:t>Bedrooms</a:t>
+                      </a:r>
+                      <a:r>
+                        <a:rPr lang="es-CO" sz="1200" b="1" dirty="0" smtClean="0"/>
+                        <a:t> </a:t>
+                      </a:r>
+                    </a:p>
+                  </a:txBody>
+                  <a:tcPr>
+                    <a:solidFill>
+                      <a:schemeClr val="bg1"/>
+                    </a:solidFill>
+                  </a:tcPr>
+                </a:tc>
+                <a:tc>
+                  <a:txBody>
+                    <a:bodyPr/>
+                    <a:lstStyle/>
+                    <a:p>
+                      <a:pPr marL="0" marR="0" indent="0" algn="just" defTabSz="914400" rtl="0" eaLnBrk="1" fontAlgn="auto" latinLnBrk="0" hangingPunct="1">
+                        <a:lnSpc>
+                          <a:spcPct val="100000"/>
+                        </a:lnSpc>
+                        <a:spcBef>
+                          <a:spcPts val="0"/>
+                        </a:spcBef>
+                        <a:spcAft>
+                          <a:spcPts val="0"/>
+                        </a:spcAft>
+                        <a:buClrTx/>
+                        <a:buSzTx/>
+                        <a:buFontTx/>
+                        <a:buNone/>
+                        <a:tabLst/>
+                        <a:defRPr/>
+                      </a:pPr>
+                      <a:r>
+                        <a:rPr lang="es-MX" sz="1200" dirty="0" smtClean="0"/>
+                        <a:t>Cantidad de habitaciones destinadas a dormitorio.</a:t>
+                      </a:r>
+                      <a:endParaRPr lang="es-CO" sz="1200" dirty="0" smtClean="0"/>
+                    </a:p>
+                  </a:txBody>
+                  <a:tcPr>
+                    <a:solidFill>
+                      <a:schemeClr val="bg1"/>
+                    </a:solidFill>
+                  </a:tcPr>
+                </a:tc>
+                <a:extLst>
+                  <a:ext uri="{0D108BD9-81ED-4DB2-BD59-A6C34878D82A}">
+                    <a16:rowId xmlns:a16="http://schemas.microsoft.com/office/drawing/2014/main" val="2438858024"/>
+                  </a:ext>
+                </a:extLst>
+              </a:tr>
+              <a:tr h="508252">
+                <a:tc>
+                  <a:txBody>
+                    <a:bodyPr/>
+                    <a:lstStyle/>
+                    <a:p>
+                      <a:r>
+                        <a:rPr lang="es-CO" sz="1200" b="1" dirty="0" smtClean="0"/>
+                        <a:t>City</a:t>
+                      </a:r>
+                      <a:endParaRPr lang="es-CO" sz="1200" dirty="0"/>
+                    </a:p>
+                  </a:txBody>
+                  <a:tcPr>
+                    <a:solidFill>
+                      <a:schemeClr val="bg1"/>
+                    </a:solidFill>
+                  </a:tcPr>
+                </a:tc>
+                <a:tc>
+                  <a:txBody>
+                    <a:bodyPr/>
+                    <a:lstStyle/>
+                    <a:p>
+                      <a:pPr marL="0" marR="0" indent="0" algn="just" defTabSz="914400" rtl="0" eaLnBrk="1" fontAlgn="auto" latinLnBrk="0" hangingPunct="1">
+                        <a:lnSpc>
+                          <a:spcPct val="100000"/>
+                        </a:lnSpc>
+                        <a:spcBef>
+                          <a:spcPts val="0"/>
+                        </a:spcBef>
+                        <a:spcAft>
+                          <a:spcPts val="0"/>
+                        </a:spcAft>
+                        <a:buClrTx/>
+                        <a:buSzTx/>
+                        <a:buFontTx/>
+                        <a:buNone/>
+                        <a:tabLst/>
+                        <a:defRPr/>
+                      </a:pPr>
+                      <a:r>
+                        <a:rPr lang="es-MX" sz="1200" b="0" i="0" u="none" strike="noStrike" kern="1200" baseline="0" dirty="0" smtClean="0">
+                          <a:solidFill>
+                            <a:schemeClr val="tx1"/>
+                          </a:solidFill>
+                          <a:latin typeface="+mn-lt"/>
+                          <a:ea typeface="+mn-ea"/>
+                          <a:cs typeface="+mn-cs"/>
+                        </a:rPr>
+                        <a:t>Ciudad en la que se ubica la propiedad según la publicación en el portal.</a:t>
+                      </a:r>
+                      <a:endParaRPr lang="es-CO" sz="1200" dirty="0" smtClean="0"/>
+                    </a:p>
+                  </a:txBody>
+                  <a:tcPr>
+                    <a:solidFill>
+                      <a:schemeClr val="bg1"/>
+                    </a:solidFill>
+                  </a:tcPr>
+                </a:tc>
+                <a:tc>
+                  <a:txBody>
+                    <a:bodyPr/>
+                    <a:lstStyle/>
+                    <a:p>
+                      <a:r>
+                        <a:rPr lang="es-CO" sz="1200" b="1" dirty="0" err="1" smtClean="0"/>
+                        <a:t>Bathrooms</a:t>
+                      </a:r>
+                      <a:endParaRPr lang="es-CO" sz="1200" b="1" dirty="0"/>
+                    </a:p>
+                  </a:txBody>
+                  <a:tcPr>
+                    <a:solidFill>
+                      <a:schemeClr val="bg1"/>
+                    </a:solidFill>
+                  </a:tcPr>
+                </a:tc>
+                <a:tc>
+                  <a:txBody>
+                    <a:bodyPr/>
+                    <a:lstStyle/>
+                    <a:p>
+                      <a:pPr algn="just"/>
+                      <a:r>
+                        <a:rPr lang="es-MX" sz="1200" dirty="0" smtClean="0"/>
+                        <a:t>Número total de baños disponibles en la propiedad.</a:t>
+                      </a:r>
+                      <a:endParaRPr lang="es-CO" sz="1200" dirty="0"/>
+                    </a:p>
+                  </a:txBody>
+                  <a:tcPr>
+                    <a:solidFill>
+                      <a:schemeClr val="bg1"/>
+                    </a:solidFill>
+                  </a:tcPr>
+                </a:tc>
+                <a:extLst>
+                  <a:ext uri="{0D108BD9-81ED-4DB2-BD59-A6C34878D82A}">
+                    <a16:rowId xmlns:a16="http://schemas.microsoft.com/office/drawing/2014/main" val="1755450302"/>
+                  </a:ext>
+                </a:extLst>
+              </a:tr>
+              <a:tr h="435012">
+                <a:tc>
+                  <a:txBody>
+                    <a:bodyPr/>
+                    <a:lstStyle/>
+                    <a:p>
+                      <a:r>
+                        <a:rPr lang="es-CO" sz="1200" b="1" dirty="0" smtClean="0"/>
+                        <a:t>Price:</a:t>
+                      </a:r>
+                      <a:endParaRPr lang="es-CO" sz="1200" dirty="0"/>
+                    </a:p>
+                  </a:txBody>
+                  <a:tcPr>
+                    <a:solidFill>
+                      <a:schemeClr val="bg1"/>
+                    </a:solidFill>
+                  </a:tcPr>
+                </a:tc>
+                <a:tc>
+                  <a:txBody>
+                    <a:bodyPr/>
+                    <a:lstStyle/>
+                    <a:p>
+                      <a:pPr marL="0" marR="0" indent="0" algn="just" defTabSz="914400" rtl="0" eaLnBrk="1" fontAlgn="auto" latinLnBrk="0" hangingPunct="1">
+                        <a:lnSpc>
+                          <a:spcPct val="100000"/>
+                        </a:lnSpc>
+                        <a:spcBef>
+                          <a:spcPts val="0"/>
+                        </a:spcBef>
+                        <a:spcAft>
+                          <a:spcPts val="0"/>
+                        </a:spcAft>
+                        <a:buClrTx/>
+                        <a:buSzTx/>
+                        <a:buFontTx/>
+                        <a:buNone/>
+                        <a:tabLst/>
+                        <a:defRPr/>
+                      </a:pPr>
+                      <a:r>
+                        <a:rPr lang="es-MX" sz="1200" b="0" i="0" u="none" strike="noStrike" kern="1200" baseline="0" dirty="0" smtClean="0">
+                          <a:solidFill>
+                            <a:schemeClr val="tx1"/>
+                          </a:solidFill>
+                          <a:latin typeface="+mn-lt"/>
+                          <a:ea typeface="+mn-ea"/>
+                          <a:cs typeface="+mn-cs"/>
+                        </a:rPr>
+                        <a:t>Precio de venta ofertado para la propiedad, reportado directamente por el anunciante.</a:t>
+                      </a:r>
+                      <a:endParaRPr lang="es-CO" sz="1200" dirty="0" smtClean="0"/>
+                    </a:p>
+                  </a:txBody>
+                  <a:tcPr>
+                    <a:solidFill>
+                      <a:schemeClr val="bg1"/>
+                    </a:solidFill>
+                  </a:tcPr>
+                </a:tc>
+                <a:tc>
+                  <a:txBody>
+                    <a:bodyPr/>
+                    <a:lstStyle/>
+                    <a:p>
+                      <a:r>
+                        <a:rPr lang="es-CO" sz="1200" b="1" dirty="0" err="1" smtClean="0"/>
+                        <a:t>Property_type</a:t>
+                      </a:r>
+                      <a:r>
+                        <a:rPr lang="es-CO" sz="1200" b="1" dirty="0" smtClean="0"/>
+                        <a:t> </a:t>
+                      </a:r>
+                      <a:endParaRPr lang="es-CO" sz="1200" b="1" dirty="0"/>
+                    </a:p>
+                  </a:txBody>
+                  <a:tcPr>
+                    <a:solidFill>
+                      <a:schemeClr val="bg1"/>
+                    </a:solidFill>
+                  </a:tcPr>
+                </a:tc>
+                <a:tc>
+                  <a:txBody>
+                    <a:bodyPr/>
+                    <a:lstStyle/>
+                    <a:p>
+                      <a:pPr algn="just"/>
+                      <a:r>
+                        <a:rPr lang="es-CO" sz="1200" dirty="0" smtClean="0"/>
+                        <a:t>Tipo de propiedad anunciada (casa o apartamento).</a:t>
+                      </a:r>
+                      <a:endParaRPr lang="es-CO" sz="1200" dirty="0"/>
+                    </a:p>
+                  </a:txBody>
+                  <a:tcPr>
+                    <a:solidFill>
+                      <a:schemeClr val="bg1"/>
+                    </a:solidFill>
+                  </a:tcPr>
+                </a:tc>
+                <a:extLst>
+                  <a:ext uri="{0D108BD9-81ED-4DB2-BD59-A6C34878D82A}">
+                    <a16:rowId xmlns:a16="http://schemas.microsoft.com/office/drawing/2014/main" val="1690212305"/>
+                  </a:ext>
+                </a:extLst>
+              </a:tr>
+              <a:tr h="476847">
+                <a:tc>
+                  <a:txBody>
+                    <a:bodyPr/>
+                    <a:lstStyle/>
+                    <a:p>
+                      <a:r>
+                        <a:rPr lang="es-CO" sz="1200" b="1" dirty="0" err="1" smtClean="0"/>
+                        <a:t>Month</a:t>
+                      </a:r>
+                      <a:endParaRPr lang="es-CO" sz="1200" dirty="0"/>
+                    </a:p>
+                  </a:txBody>
+                  <a:tcPr>
+                    <a:solidFill>
+                      <a:schemeClr val="bg1"/>
+                    </a:solidFill>
+                  </a:tcPr>
+                </a:tc>
+                <a:tc>
+                  <a:txBody>
+                    <a:bodyPr/>
+                    <a:lstStyle/>
+                    <a:p>
+                      <a:pPr marL="0" marR="0" indent="0" algn="just" defTabSz="914400" rtl="0" eaLnBrk="1" fontAlgn="auto" latinLnBrk="0" hangingPunct="1">
+                        <a:lnSpc>
+                          <a:spcPct val="100000"/>
+                        </a:lnSpc>
+                        <a:spcBef>
+                          <a:spcPts val="0"/>
+                        </a:spcBef>
+                        <a:spcAft>
+                          <a:spcPts val="0"/>
+                        </a:spcAft>
+                        <a:buClrTx/>
+                        <a:buSzTx/>
+                        <a:buFontTx/>
+                        <a:buNone/>
+                        <a:tabLst/>
+                        <a:defRPr/>
+                      </a:pPr>
+                      <a:r>
+                        <a:rPr lang="es-MX" sz="1200" dirty="0" smtClean="0"/>
+                        <a:t>Mes de publicación del anuncio en el portal.</a:t>
+                      </a:r>
+                      <a:endParaRPr lang="es-CO" sz="1200" dirty="0" smtClean="0"/>
+                    </a:p>
+                  </a:txBody>
+                  <a:tcPr>
+                    <a:solidFill>
+                      <a:schemeClr val="bg1"/>
+                    </a:solidFill>
+                  </a:tcPr>
+                </a:tc>
+                <a:tc>
+                  <a:txBody>
+                    <a:bodyPr/>
+                    <a:lstStyle/>
+                    <a:p>
+                      <a:r>
+                        <a:rPr lang="es-CO" sz="1200" b="1" dirty="0" err="1" smtClean="0"/>
+                        <a:t>Operation_type</a:t>
+                      </a:r>
+                      <a:endParaRPr lang="es-CO" sz="1200" b="1" dirty="0"/>
+                    </a:p>
+                  </a:txBody>
+                  <a:tcPr>
+                    <a:solidFill>
+                      <a:schemeClr val="bg1"/>
+                    </a:solidFill>
+                  </a:tcPr>
+                </a:tc>
+                <a:tc>
+                  <a:txBody>
+                    <a:bodyPr/>
+                    <a:lstStyle/>
+                    <a:p>
+                      <a:pPr algn="just"/>
+                      <a:r>
+                        <a:rPr lang="es-MX" sz="1200" dirty="0" smtClean="0"/>
+                        <a:t>Tipo de operación del anuncio (venta o arriendo).</a:t>
+                      </a:r>
+                      <a:endParaRPr lang="es-CO" sz="1200" dirty="0"/>
+                    </a:p>
+                  </a:txBody>
+                  <a:tcPr>
+                    <a:solidFill>
+                      <a:schemeClr val="bg1"/>
+                    </a:solidFill>
+                  </a:tcPr>
+                </a:tc>
+                <a:extLst>
+                  <a:ext uri="{0D108BD9-81ED-4DB2-BD59-A6C34878D82A}">
+                    <a16:rowId xmlns:a16="http://schemas.microsoft.com/office/drawing/2014/main" val="1759445400"/>
+                  </a:ext>
+                </a:extLst>
+              </a:tr>
+              <a:tr h="296635">
+                <a:tc>
+                  <a:txBody>
+                    <a:bodyPr/>
+                    <a:lstStyle/>
+                    <a:p>
+                      <a:r>
+                        <a:rPr lang="es-CO" sz="1200" b="1" dirty="0" err="1" smtClean="0"/>
+                        <a:t>Year</a:t>
+                      </a:r>
+                      <a:endParaRPr lang="es-CO" sz="1200" dirty="0"/>
+                    </a:p>
+                  </a:txBody>
+                  <a:tcPr>
+                    <a:solidFill>
+                      <a:schemeClr val="bg1"/>
+                    </a:solidFill>
+                  </a:tcPr>
+                </a:tc>
+                <a:tc>
+                  <a:txBody>
+                    <a:bodyPr/>
+                    <a:lstStyle/>
+                    <a:p>
+                      <a:pPr marL="0" marR="0" indent="0" algn="just" defTabSz="914400" rtl="0" eaLnBrk="1" fontAlgn="auto" latinLnBrk="0" hangingPunct="1">
+                        <a:lnSpc>
+                          <a:spcPct val="100000"/>
+                        </a:lnSpc>
+                        <a:spcBef>
+                          <a:spcPts val="0"/>
+                        </a:spcBef>
+                        <a:spcAft>
+                          <a:spcPts val="0"/>
+                        </a:spcAft>
+                        <a:buClrTx/>
+                        <a:buSzTx/>
+                        <a:buFontTx/>
+                        <a:buNone/>
+                        <a:tabLst/>
+                        <a:defRPr/>
+                      </a:pPr>
+                      <a:r>
+                        <a:rPr lang="es-MX" sz="1200" dirty="0" smtClean="0"/>
+                        <a:t>Año de publicación del anuncio.</a:t>
+                      </a:r>
+                      <a:endParaRPr lang="es-CO" sz="1200" dirty="0" smtClean="0"/>
+                    </a:p>
+                  </a:txBody>
+                  <a:tcPr>
+                    <a:solidFill>
+                      <a:schemeClr val="bg1"/>
+                    </a:solidFill>
+                  </a:tcPr>
+                </a:tc>
+                <a:tc>
+                  <a:txBody>
+                    <a:bodyPr/>
+                    <a:lstStyle/>
+                    <a:p>
+                      <a:r>
+                        <a:rPr lang="es-CO" sz="1200" b="1" dirty="0" err="1" smtClean="0"/>
+                        <a:t>Lat</a:t>
+                      </a:r>
+                      <a:endParaRPr lang="es-CO" sz="1200" b="1" dirty="0"/>
+                    </a:p>
+                  </a:txBody>
+                  <a:tcPr>
+                    <a:solidFill>
+                      <a:schemeClr val="bg1"/>
+                    </a:solidFill>
+                  </a:tcPr>
+                </a:tc>
+                <a:tc>
+                  <a:txBody>
+                    <a:bodyPr/>
+                    <a:lstStyle/>
+                    <a:p>
+                      <a:pPr algn="just"/>
+                      <a:r>
+                        <a:rPr lang="es-MX" sz="1200" dirty="0" smtClean="0"/>
+                        <a:t>Latitud geográfica de la propiedad.</a:t>
+                      </a:r>
+                      <a:endParaRPr lang="es-CO" sz="1200" dirty="0"/>
+                    </a:p>
+                  </a:txBody>
+                  <a:tcPr>
+                    <a:solidFill>
+                      <a:schemeClr val="bg1"/>
+                    </a:solidFill>
+                  </a:tcPr>
+                </a:tc>
+                <a:extLst>
+                  <a:ext uri="{0D108BD9-81ED-4DB2-BD59-A6C34878D82A}">
+                    <a16:rowId xmlns:a16="http://schemas.microsoft.com/office/drawing/2014/main" val="118223670"/>
+                  </a:ext>
+                </a:extLst>
+              </a:tr>
+              <a:tr h="609017">
+                <a:tc>
+                  <a:txBody>
+                    <a:bodyPr/>
+                    <a:lstStyle/>
+                    <a:p>
+                      <a:r>
+                        <a:rPr lang="es-CO" sz="1200" b="1" dirty="0" err="1" smtClean="0"/>
+                        <a:t>Surface_total</a:t>
+                      </a:r>
+                      <a:endParaRPr lang="es-CO" sz="1200" dirty="0"/>
+                    </a:p>
+                  </a:txBody>
+                  <a:tcPr>
+                    <a:solidFill>
+                      <a:schemeClr val="bg1"/>
+                    </a:solidFill>
+                  </a:tcPr>
+                </a:tc>
+                <a:tc>
+                  <a:txBody>
+                    <a:bodyPr/>
+                    <a:lstStyle/>
+                    <a:p>
+                      <a:pPr marL="0" marR="0" indent="0" algn="just" defTabSz="914400" rtl="0" eaLnBrk="1" fontAlgn="auto" latinLnBrk="0" hangingPunct="1">
+                        <a:lnSpc>
+                          <a:spcPct val="100000"/>
+                        </a:lnSpc>
+                        <a:spcBef>
+                          <a:spcPts val="0"/>
+                        </a:spcBef>
+                        <a:spcAft>
+                          <a:spcPts val="0"/>
+                        </a:spcAft>
+                        <a:buClrTx/>
+                        <a:buSzTx/>
+                        <a:buFontTx/>
+                        <a:buNone/>
+                        <a:tabLst/>
+                        <a:defRPr/>
+                      </a:pPr>
+                      <a:r>
+                        <a:rPr lang="es-MX" sz="1200" dirty="0" smtClean="0"/>
+                        <a:t>Superficie total del inmueble en metros cuadrados (m2).</a:t>
+                      </a:r>
+                      <a:endParaRPr lang="es-CO" sz="1200" dirty="0" smtClean="0"/>
+                    </a:p>
+                    <a:p>
+                      <a:pPr algn="just"/>
+                      <a:endParaRPr lang="es-CO" sz="1200" dirty="0"/>
+                    </a:p>
+                  </a:txBody>
+                  <a:tcPr>
+                    <a:solidFill>
+                      <a:schemeClr val="bg1"/>
+                    </a:solidFill>
+                  </a:tcPr>
+                </a:tc>
+                <a:tc>
+                  <a:txBody>
+                    <a:bodyPr/>
+                    <a:lstStyle/>
+                    <a:p>
+                      <a:r>
+                        <a:rPr lang="es-CO" sz="1200" b="1" dirty="0" err="1" smtClean="0"/>
+                        <a:t>Lon</a:t>
+                      </a:r>
+                      <a:endParaRPr lang="es-CO" sz="1200" b="1" dirty="0"/>
+                    </a:p>
+                  </a:txBody>
+                  <a:tcPr>
+                    <a:solidFill>
+                      <a:schemeClr val="bg1"/>
+                    </a:solidFill>
+                  </a:tcPr>
+                </a:tc>
+                <a:tc>
+                  <a:txBody>
+                    <a:bodyPr/>
+                    <a:lstStyle/>
+                    <a:p>
+                      <a:pPr algn="just"/>
+                      <a:r>
+                        <a:rPr lang="es-MX" sz="1200" dirty="0" smtClean="0"/>
+                        <a:t>Longitud geográfica de la propiedad, utilizada para ubicar espacialmente el inmueble.</a:t>
+                      </a:r>
+                      <a:endParaRPr lang="es-CO" sz="1200" dirty="0"/>
+                    </a:p>
+                  </a:txBody>
+                  <a:tcPr>
+                    <a:solidFill>
+                      <a:schemeClr val="bg1"/>
+                    </a:solidFill>
+                  </a:tcPr>
+                </a:tc>
+                <a:extLst>
+                  <a:ext uri="{0D108BD9-81ED-4DB2-BD59-A6C34878D82A}">
+                    <a16:rowId xmlns:a16="http://schemas.microsoft.com/office/drawing/2014/main" val="3696830645"/>
+                  </a:ext>
+                </a:extLst>
+              </a:tr>
+              <a:tr h="609017">
+                <a:tc>
+                  <a:txBody>
+                    <a:bodyPr/>
+                    <a:lstStyle/>
+                    <a:p>
+                      <a:r>
+                        <a:rPr lang="es-CO" sz="1200" b="1" dirty="0" err="1" smtClean="0"/>
+                        <a:t>Surface_covered</a:t>
+                      </a:r>
+                      <a:endParaRPr lang="es-CO" sz="1200" dirty="0"/>
+                    </a:p>
+                  </a:txBody>
+                  <a:tcPr>
+                    <a:solidFill>
+                      <a:schemeClr val="bg1"/>
+                    </a:solidFill>
+                  </a:tcPr>
+                </a:tc>
+                <a:tc>
+                  <a:txBody>
+                    <a:bodyPr/>
+                    <a:lstStyle/>
+                    <a:p>
+                      <a:pPr marL="0" marR="0" indent="0" algn="just" defTabSz="914400" rtl="0" eaLnBrk="1" fontAlgn="auto" latinLnBrk="0" hangingPunct="1">
+                        <a:lnSpc>
+                          <a:spcPct val="100000"/>
+                        </a:lnSpc>
+                        <a:spcBef>
+                          <a:spcPts val="0"/>
+                        </a:spcBef>
+                        <a:spcAft>
+                          <a:spcPts val="0"/>
+                        </a:spcAft>
+                        <a:buClrTx/>
+                        <a:buSzTx/>
+                        <a:buFontTx/>
+                        <a:buNone/>
+                        <a:tabLst/>
+                        <a:defRPr/>
+                      </a:pPr>
+                      <a:r>
+                        <a:rPr lang="es-MX" sz="1200" dirty="0" smtClean="0"/>
+                        <a:t>Superficie construida o cubierta del inmueble en m2. Puede diferir de la superficie total.</a:t>
+                      </a:r>
+                      <a:endParaRPr lang="es-CO" sz="1200" dirty="0" smtClean="0"/>
+                    </a:p>
+                  </a:txBody>
+                  <a:tcPr>
+                    <a:solidFill>
+                      <a:schemeClr val="bg1"/>
+                    </a:solidFill>
+                  </a:tcPr>
+                </a:tc>
+                <a:tc>
+                  <a:txBody>
+                    <a:bodyPr/>
+                    <a:lstStyle/>
+                    <a:p>
+                      <a:r>
+                        <a:rPr lang="es-CO" sz="1200" b="1" dirty="0" err="1" smtClean="0"/>
+                        <a:t>Title</a:t>
+                      </a:r>
+                      <a:endParaRPr lang="es-CO" sz="1200" b="1" dirty="0"/>
+                    </a:p>
+                  </a:txBody>
+                  <a:tcPr>
+                    <a:solidFill>
+                      <a:schemeClr val="bg1"/>
+                    </a:solidFill>
+                  </a:tcPr>
+                </a:tc>
+                <a:tc>
+                  <a:txBody>
+                    <a:bodyPr/>
+                    <a:lstStyle/>
+                    <a:p>
+                      <a:pPr algn="just"/>
+                      <a:r>
+                        <a:rPr lang="es-MX" sz="1200" dirty="0" smtClean="0"/>
+                        <a:t>Tıtulo del anuncio publicado en el portal, usualmente con información breve y</a:t>
+                      </a:r>
+                      <a:r>
+                        <a:rPr lang="es-MX" sz="1200" baseline="0" dirty="0" smtClean="0"/>
+                        <a:t> </a:t>
+                      </a:r>
+                      <a:r>
+                        <a:rPr lang="es-MX" sz="1200" dirty="0" smtClean="0"/>
+                        <a:t>destacada.</a:t>
+                      </a:r>
+                      <a:endParaRPr lang="es-CO" sz="1200" dirty="0"/>
+                    </a:p>
+                  </a:txBody>
+                  <a:tcPr>
+                    <a:solidFill>
+                      <a:schemeClr val="bg1"/>
+                    </a:solidFill>
+                  </a:tcPr>
+                </a:tc>
+                <a:extLst>
+                  <a:ext uri="{0D108BD9-81ED-4DB2-BD59-A6C34878D82A}">
+                    <a16:rowId xmlns:a16="http://schemas.microsoft.com/office/drawing/2014/main" val="1683527427"/>
+                  </a:ext>
+                </a:extLst>
+              </a:tr>
+              <a:tr h="673197">
+                <a:tc>
+                  <a:txBody>
+                    <a:bodyPr/>
+                    <a:lstStyle/>
+                    <a:p>
+                      <a:r>
+                        <a:rPr lang="es-CO" sz="1200" b="1" dirty="0" err="1" smtClean="0"/>
+                        <a:t>Rooms</a:t>
+                      </a:r>
+                      <a:endParaRPr lang="es-CO" sz="1200" dirty="0"/>
+                    </a:p>
+                  </a:txBody>
+                  <a:tcPr>
+                    <a:solidFill>
+                      <a:schemeClr val="bg1"/>
+                    </a:solidFill>
+                  </a:tcPr>
+                </a:tc>
+                <a:tc>
+                  <a:txBody>
+                    <a:bodyPr/>
+                    <a:lstStyle/>
+                    <a:p>
+                      <a:pPr marL="0" marR="0" indent="0" algn="just" defTabSz="914400" rtl="0" eaLnBrk="1" fontAlgn="auto" latinLnBrk="0" hangingPunct="1">
+                        <a:lnSpc>
+                          <a:spcPct val="100000"/>
+                        </a:lnSpc>
+                        <a:spcBef>
+                          <a:spcPts val="0"/>
+                        </a:spcBef>
+                        <a:spcAft>
+                          <a:spcPts val="0"/>
+                        </a:spcAft>
+                        <a:buClrTx/>
+                        <a:buSzTx/>
+                        <a:buFontTx/>
+                        <a:buNone/>
+                        <a:tabLst/>
+                        <a:defRPr/>
+                      </a:pPr>
+                      <a:r>
+                        <a:rPr lang="es-CO" sz="1200" dirty="0" smtClean="0"/>
+                        <a:t>Número total de ambientes o espacios de la vivienda (sala, comedor, estudio).</a:t>
+                      </a:r>
+                    </a:p>
+                  </a:txBody>
+                  <a:tcPr>
+                    <a:solidFill>
+                      <a:schemeClr val="bg1"/>
+                    </a:solidFill>
+                  </a:tcPr>
+                </a:tc>
+                <a:tc>
+                  <a:txBody>
+                    <a:bodyPr/>
+                    <a:lstStyle/>
+                    <a:p>
+                      <a:r>
+                        <a:rPr lang="es-CO" sz="1200" b="1" dirty="0" err="1" smtClean="0"/>
+                        <a:t>Description</a:t>
+                      </a:r>
+                      <a:endParaRPr lang="es-CO" sz="1200" b="1" dirty="0"/>
+                    </a:p>
+                  </a:txBody>
+                  <a:tcPr>
+                    <a:solidFill>
+                      <a:schemeClr val="bg1"/>
+                    </a:solidFill>
+                  </a:tcPr>
+                </a:tc>
+                <a:tc>
+                  <a:txBody>
+                    <a:bodyPr/>
+                    <a:lstStyle/>
+                    <a:p>
+                      <a:pPr algn="just"/>
+                      <a:r>
+                        <a:rPr lang="es-MX" sz="1200" dirty="0" smtClean="0"/>
+                        <a:t>Descripción de texto del anuncio con detalles adicionales sobre características del inmueble.</a:t>
+                      </a:r>
+                      <a:endParaRPr lang="es-CO" sz="1200" dirty="0"/>
+                    </a:p>
+                  </a:txBody>
+                  <a:tcPr>
+                    <a:solidFill>
+                      <a:schemeClr val="bg1"/>
+                    </a:solidFill>
+                  </a:tcPr>
+                </a:tc>
+                <a:extLst>
+                  <a:ext uri="{0D108BD9-81ED-4DB2-BD59-A6C34878D82A}">
+                    <a16:rowId xmlns:a16="http://schemas.microsoft.com/office/drawing/2014/main" val="818470392"/>
+                  </a:ext>
+                </a:extLst>
+              </a:tr>
+            </a:tbl>
+          </a:graphicData>
+        </a:graphic>
+      </p:graphicFrame>
+      <p:sp>
+        <p:nvSpPr>
+          <p:cNvPr id="5" name="CuadroTexto 4"/>
+          <p:cNvSpPr txBox="1"/>
+          <p:nvPr/>
+        </p:nvSpPr>
+        <p:spPr>
+          <a:xfrm>
+            <a:off x="179512" y="861243"/>
+            <a:ext cx="8964488" cy="954107"/>
+          </a:xfrm>
+          <a:prstGeom prst="rect">
+            <a:avLst/>
+          </a:prstGeom>
+          <a:solidFill>
+            <a:schemeClr val="bg1"/>
+          </a:solidFill>
+        </p:spPr>
+        <p:txBody>
+          <a:bodyPr wrap="square" rtlCol="0">
+            <a:spAutoFit/>
+          </a:bodyPr>
+          <a:lstStyle/>
+          <a:p>
+            <a:r>
+              <a:rPr lang="es-MX" sz="1400" dirty="0" smtClean="0"/>
+              <a:t>Las </a:t>
+            </a:r>
+            <a:r>
+              <a:rPr lang="es-MX" sz="1400" dirty="0"/>
+              <a:t>bases de datos iniciales de entrenamiento y de prueba, fueron construidas </a:t>
+            </a:r>
+            <a:r>
+              <a:rPr lang="es-MX" sz="1400" dirty="0" smtClean="0"/>
+              <a:t>a partir </a:t>
+            </a:r>
+            <a:r>
+              <a:rPr lang="es-MX" sz="1400" dirty="0"/>
+              <a:t>de los </a:t>
+            </a:r>
+            <a:r>
+              <a:rPr lang="es-MX" sz="1400" dirty="0" smtClean="0"/>
+              <a:t>datos recopilados </a:t>
+            </a:r>
+            <a:r>
+              <a:rPr lang="es-MX" sz="1400" dirty="0"/>
+              <a:t>del </a:t>
+            </a:r>
+            <a:r>
+              <a:rPr lang="es-MX" sz="1400" dirty="0" smtClean="0"/>
+              <a:t>portal web</a:t>
+            </a:r>
+            <a:r>
+              <a:rPr lang="es-CO" sz="1400" dirty="0" smtClean="0"/>
+              <a:t> </a:t>
+            </a:r>
+            <a:r>
+              <a:rPr lang="es-CO" sz="1400" dirty="0" smtClean="0">
+                <a:hlinkClick r:id="rId2"/>
+              </a:rPr>
+              <a:t>https://www.properati.com.co</a:t>
+            </a:r>
+            <a:endParaRPr lang="es-CO" sz="1400" dirty="0" smtClean="0"/>
+          </a:p>
+          <a:p>
+            <a:pPr marL="285750" indent="-285750">
+              <a:buFont typeface="Arial" panose="020B0604020202020204" pitchFamily="34" charset="0"/>
+              <a:buChar char="•"/>
+            </a:pPr>
+            <a:r>
+              <a:rPr lang="es-CO" sz="1400" dirty="0" smtClean="0"/>
+              <a:t>train.csv cuenta con 38.644 observaciones y 16 variables</a:t>
+            </a:r>
+          </a:p>
+          <a:p>
+            <a:pPr marL="285750" indent="-285750">
+              <a:buFont typeface="Arial" panose="020B0604020202020204" pitchFamily="34" charset="0"/>
+              <a:buChar char="•"/>
+            </a:pPr>
+            <a:r>
+              <a:rPr lang="es-CO" sz="1400" dirty="0" smtClean="0"/>
+              <a:t>test.csv cuenta con 10.286 observaciones y 16 variables</a:t>
+            </a:r>
+            <a:endParaRPr lang="es-CO" sz="1400" dirty="0"/>
+          </a:p>
+        </p:txBody>
+      </p:sp>
+    </p:spTree>
+    <p:extLst>
+      <p:ext uri="{BB962C8B-B14F-4D97-AF65-F5344CB8AC3E}">
+        <p14:creationId xmlns:p14="http://schemas.microsoft.com/office/powerpoint/2010/main" val="146094575"/>
+      </p:ext>
+    </p:extLst>
+  </p:cSld>
+  <p:clrMapOvr>
+    <a:masterClrMapping/>
+  </p:clrMapOvr>
+  <p:timing>
+    <p:tnLst>
+      <p:par>
+        <p:cTn id="1" dur="indefinite" restart="never" nodeType="tmRoot"/>
+      </p:par>
+    </p:tnLst>
+  </p:timing>
+</p:sld>
+</file>
+
+<file path=ppt/slides/slide4.xml><?xml version="1.0" encoding="utf-8"?>
+<p:sld xmlns:a="http://schemas.openxmlformats.org/drawingml/2006/main" xmlns:r="http://schemas.openxmlformats.org/officeDocument/2006/relationships" xmlns:p="http://schemas.openxmlformats.org/presentationml/2006/main">
+  <p:cSld>
+    <p:spTree>
+      <p:nvGrpSpPr>
+        <p:cNvPr id="1" name=""/>
+        <p:cNvGrpSpPr/>
+        <p:nvPr/>
+      </p:nvGrpSpPr>
+      <p:grpSpPr>
+        <a:xfrm>
+          <a:off x="0" y="0"/>
+          <a:ext cx="0" cy="0"/>
+          <a:chOff x="0" y="0"/>
+          <a:chExt cx="0" cy="0"/>
+        </a:xfrm>
+      </p:grpSpPr>
+      <p:sp>
+        <p:nvSpPr>
+          <p:cNvPr id="2" name="Título 1"/>
+          <p:cNvSpPr>
+            <a:spLocks noGrp="1"/>
+          </p:cNvSpPr>
+          <p:nvPr>
+            <p:ph type="title"/>
+          </p:nvPr>
+        </p:nvSpPr>
+        <p:spPr>
+          <a:xfrm>
+            <a:off x="2339752" y="332656"/>
+            <a:ext cx="6480720" cy="500062"/>
+          </a:xfrm>
+        </p:spPr>
+        <p:txBody>
+          <a:bodyPr/>
+          <a:lstStyle/>
+          <a:p>
+            <a:r>
+              <a:rPr lang="es-CO" dirty="0" smtClean="0"/>
+              <a:t>DISTRIBUCIÓN ESPACIAL DE LAS BASES</a:t>
+            </a:r>
+            <a:endParaRPr lang="es-CO" dirty="0"/>
+          </a:p>
+        </p:txBody>
+      </p:sp>
+      <p:pic>
+        <p:nvPicPr>
+          <p:cNvPr id="4" name="Marcador de contenido 3"/>
+          <p:cNvPicPr>
+            <a:picLocks noGrp="1" noChangeAspect="1"/>
+          </p:cNvPicPr>
+          <p:nvPr>
+            <p:ph idx="1"/>
+          </p:nvPr>
+        </p:nvPicPr>
+        <p:blipFill rotWithShape="1">
+          <a:blip r:embed="rId2" cstate="hqprint">
+            <a:extLst>
+              <a:ext uri="{28A0092B-C50C-407E-A947-70E740481C1C}">
+                <a14:useLocalDpi xmlns:a14="http://schemas.microsoft.com/office/drawing/2010/main" val="0"/>
+              </a:ext>
+            </a:extLst>
+          </a:blip>
+          <a:srcRect l="10377"/>
+          <a:stretch/>
+        </p:blipFill>
+        <p:spPr>
+          <a:xfrm>
+            <a:off x="251520" y="1004828"/>
+            <a:ext cx="7200800" cy="5760640"/>
+          </a:xfrm>
+        </p:spPr>
+      </p:pic>
+      <p:sp>
+        <p:nvSpPr>
+          <p:cNvPr id="5" name="CuadroTexto 4"/>
+          <p:cNvSpPr txBox="1"/>
+          <p:nvPr/>
+        </p:nvSpPr>
+        <p:spPr>
+          <a:xfrm>
+            <a:off x="5831632" y="3284984"/>
+            <a:ext cx="3204864" cy="1200329"/>
+          </a:xfrm>
+          <a:prstGeom prst="rect">
+            <a:avLst/>
+          </a:prstGeom>
+          <a:noFill/>
+        </p:spPr>
+        <p:txBody>
+          <a:bodyPr wrap="square" rtlCol="0">
+            <a:spAutoFit/>
+          </a:bodyPr>
+          <a:lstStyle/>
+          <a:p>
+            <a:pPr marL="342900" indent="-342900" algn="just">
+              <a:buClr>
+                <a:srgbClr val="00B0F0"/>
+              </a:buClr>
+              <a:buFont typeface="Arial" panose="020B0604020202020204" pitchFamily="34" charset="0"/>
+              <a:buChar char="■"/>
+            </a:pPr>
+            <a:r>
+              <a:rPr lang="es-CO" dirty="0" smtClean="0"/>
+              <a:t>Viviendas con información para el entrenamiento de modelos – Bogotá.</a:t>
+            </a:r>
+          </a:p>
+          <a:p>
+            <a:endParaRPr lang="es-CO" dirty="0"/>
+          </a:p>
+        </p:txBody>
+      </p:sp>
+      <p:sp>
+        <p:nvSpPr>
+          <p:cNvPr id="8" name="CuadroTexto 7"/>
+          <p:cNvSpPr txBox="1"/>
+          <p:nvPr/>
+        </p:nvSpPr>
+        <p:spPr>
+          <a:xfrm>
+            <a:off x="5831632" y="4797152"/>
+            <a:ext cx="3204864" cy="1477328"/>
+          </a:xfrm>
+          <a:prstGeom prst="rect">
+            <a:avLst/>
+          </a:prstGeom>
+          <a:noFill/>
+        </p:spPr>
+        <p:txBody>
+          <a:bodyPr wrap="square" rtlCol="0">
+            <a:spAutoFit/>
+          </a:bodyPr>
+          <a:lstStyle/>
+          <a:p>
+            <a:pPr marL="342900" indent="-342900" algn="just">
+              <a:buClr>
+                <a:srgbClr val="FF0000"/>
+              </a:buClr>
+              <a:buFont typeface="Arial" panose="020B0604020202020204" pitchFamily="34" charset="0"/>
+              <a:buChar char="■"/>
+            </a:pPr>
+            <a:r>
+              <a:rPr lang="es-CO" dirty="0" smtClean="0"/>
+              <a:t>Viviendas sobre las cuales se realizarán predicciones de precios de venta – Localidad de Chapinero.</a:t>
+            </a:r>
+          </a:p>
+        </p:txBody>
+      </p:sp>
+      <p:sp>
+        <p:nvSpPr>
+          <p:cNvPr id="9" name="CuadroTexto 8"/>
+          <p:cNvSpPr txBox="1"/>
+          <p:nvPr/>
+        </p:nvSpPr>
+        <p:spPr>
+          <a:xfrm flipH="1">
+            <a:off x="6012161" y="1464893"/>
+            <a:ext cx="3131839" cy="1200329"/>
+          </a:xfrm>
+          <a:prstGeom prst="rect">
+            <a:avLst/>
+          </a:prstGeom>
+          <a:noFill/>
+        </p:spPr>
+        <p:txBody>
+          <a:bodyPr wrap="square" rtlCol="0">
+            <a:spAutoFit/>
+          </a:bodyPr>
+          <a:lstStyle/>
+          <a:p>
+            <a:r>
+              <a:rPr lang="es-CO" dirty="0" smtClean="0"/>
+              <a:t>Exploración espacial de las bases de datos, de acuerdo con las variables de Longitud y Latitud.</a:t>
+            </a:r>
+            <a:endParaRPr lang="es-CO" dirty="0"/>
+          </a:p>
+        </p:txBody>
+      </p:sp>
+    </p:spTree>
+    <p:extLst>
+      <p:ext uri="{BB962C8B-B14F-4D97-AF65-F5344CB8AC3E}">
+        <p14:creationId xmlns:p14="http://schemas.microsoft.com/office/powerpoint/2010/main" val="2957719108"/>
+      </p:ext>
+    </p:extLst>
+  </p:cSld>
+  <p:clrMapOvr>
+    <a:masterClrMapping/>
+  </p:clrMapOvr>
+  <p:timing>
+    <p:tnLst>
+      <p:par>
+        <p:cTn id="1" dur="indefinite" restart="never" nodeType="tmRoot"/>
+      </p:par>
+    </p:tnLst>
+  </p:timing>
+</p:sld>
+</file>
+
+<file path=ppt/slides/slide5.xml><?xml version="1.0" encoding="utf-8"?>
+<p:sld xmlns:a="http://schemas.openxmlformats.org/drawingml/2006/main" xmlns:r="http://schemas.openxmlformats.org/officeDocument/2006/relationships" xmlns:p="http://schemas.openxmlformats.org/presentationml/2006/main">
+  <p:cSld>
+    <p:spTree>
+      <p:nvGrpSpPr>
+        <p:cNvPr id="1" name=""/>
+        <p:cNvGrpSpPr/>
+        <p:nvPr/>
+      </p:nvGrpSpPr>
+      <p:grpSpPr>
+        <a:xfrm>
+          <a:off x="0" y="0"/>
+          <a:ext cx="0" cy="0"/>
+          <a:chOff x="0" y="0"/>
+          <a:chExt cx="0" cy="0"/>
+        </a:xfrm>
+      </p:grpSpPr>
+      <p:sp>
+        <p:nvSpPr>
+          <p:cNvPr id="2" name="Título 1"/>
+          <p:cNvSpPr>
+            <a:spLocks noGrp="1"/>
+          </p:cNvSpPr>
+          <p:nvPr>
+            <p:ph type="title"/>
+          </p:nvPr>
+        </p:nvSpPr>
+        <p:spPr>
+          <a:xfrm>
+            <a:off x="2123728" y="188640"/>
+            <a:ext cx="6696744" cy="500062"/>
+          </a:xfrm>
+        </p:spPr>
+        <p:txBody>
+          <a:bodyPr/>
+          <a:lstStyle/>
+          <a:p>
+            <a:r>
+              <a:rPr lang="es-CO" dirty="0" smtClean="0"/>
+              <a:t>DATOS FALTANTES POR BASE Y VARIABLE</a:t>
+            </a:r>
+            <a:endParaRPr lang="es-CO" dirty="0"/>
+          </a:p>
+        </p:txBody>
+      </p:sp>
+      <p:grpSp>
+        <p:nvGrpSpPr>
+          <p:cNvPr id="11" name="Grupo 10"/>
+          <p:cNvGrpSpPr/>
+          <p:nvPr/>
+        </p:nvGrpSpPr>
+        <p:grpSpPr>
+          <a:xfrm>
+            <a:off x="179512" y="1196752"/>
+            <a:ext cx="6300192" cy="5552184"/>
+            <a:chOff x="539552" y="1196752"/>
+            <a:chExt cx="6300192" cy="5552184"/>
+          </a:xfrm>
+        </p:grpSpPr>
+        <p:sp>
+          <p:nvSpPr>
+            <p:cNvPr id="10" name="CuadroTexto 9"/>
+            <p:cNvSpPr txBox="1"/>
+            <p:nvPr/>
+          </p:nvSpPr>
+          <p:spPr>
+            <a:xfrm>
+              <a:off x="539552" y="1196752"/>
+              <a:ext cx="5976664" cy="4680520"/>
+            </a:xfrm>
+            <a:prstGeom prst="rect">
+              <a:avLst/>
+            </a:prstGeom>
+            <a:solidFill>
+              <a:schemeClr val="bg1"/>
+            </a:solidFill>
+          </p:spPr>
+          <p:txBody>
+            <a:bodyPr wrap="square" rtlCol="0">
+              <a:spAutoFit/>
+            </a:bodyPr>
+            <a:lstStyle/>
+            <a:p>
+              <a:endParaRPr lang="es-CO" dirty="0"/>
+            </a:p>
+          </p:txBody>
+        </p:sp>
+        <p:pic>
+          <p:nvPicPr>
+            <p:cNvPr id="9" name="Imagen 8"/>
+            <p:cNvPicPr>
+              <a:picLocks noChangeAspect="1"/>
+            </p:cNvPicPr>
+            <p:nvPr/>
+          </p:nvPicPr>
+          <p:blipFill>
+            <a:blip r:embed="rId2" cstate="print">
+              <a:extLst>
+                <a:ext uri="{28A0092B-C50C-407E-A947-70E740481C1C}">
+                  <a14:useLocalDpi xmlns:a14="http://schemas.microsoft.com/office/drawing/2010/main" val="0"/>
+                </a:ext>
+              </a:extLst>
+            </a:blip>
+            <a:stretch>
+              <a:fillRect/>
+            </a:stretch>
+          </p:blipFill>
+          <p:spPr>
+            <a:xfrm>
+              <a:off x="539552" y="1262536"/>
+              <a:ext cx="6300192" cy="5486400"/>
+            </a:xfrm>
+            <a:prstGeom prst="rect">
+              <a:avLst/>
+            </a:prstGeom>
+          </p:spPr>
+        </p:pic>
+      </p:grpSp>
+      <p:graphicFrame>
+        <p:nvGraphicFramePr>
+          <p:cNvPr id="13" name="Tabla 12"/>
+          <p:cNvGraphicFramePr>
+            <a:graphicFrameLocks noGrp="1"/>
+          </p:cNvGraphicFramePr>
+          <p:nvPr>
+            <p:extLst>
+              <p:ext uri="{D42A27DB-BD31-4B8C-83A1-F6EECF244321}">
+                <p14:modId xmlns:p14="http://schemas.microsoft.com/office/powerpoint/2010/main" val="3428152141"/>
+              </p:ext>
+            </p:extLst>
+          </p:nvPr>
+        </p:nvGraphicFramePr>
+        <p:xfrm>
+          <a:off x="6300192" y="3537012"/>
+          <a:ext cx="2736303" cy="2372360"/>
+        </p:xfrm>
+        <a:graphic>
+          <a:graphicData uri="http://schemas.openxmlformats.org/drawingml/2006/table">
+            <a:tbl>
+              <a:tblPr firstRow="1" bandRow="1">
+                <a:tableStyleId>{5940675A-B579-460E-94D1-54222C63F5DA}</a:tableStyleId>
+              </a:tblPr>
+              <a:tblGrid>
+                <a:gridCol w="1188639">
+                  <a:extLst>
+                    <a:ext uri="{9D8B030D-6E8A-4147-A177-3AD203B41FA5}">
+                      <a16:colId xmlns:a16="http://schemas.microsoft.com/office/drawing/2014/main" val="1335677931"/>
+                    </a:ext>
+                  </a:extLst>
+                </a:gridCol>
+                <a:gridCol w="792088">
+                  <a:extLst>
+                    <a:ext uri="{9D8B030D-6E8A-4147-A177-3AD203B41FA5}">
+                      <a16:colId xmlns:a16="http://schemas.microsoft.com/office/drawing/2014/main" val="1110539568"/>
+                    </a:ext>
+                  </a:extLst>
+                </a:gridCol>
+                <a:gridCol w="755576">
+                  <a:extLst>
+                    <a:ext uri="{9D8B030D-6E8A-4147-A177-3AD203B41FA5}">
+                      <a16:colId xmlns:a16="http://schemas.microsoft.com/office/drawing/2014/main" val="776251228"/>
+                    </a:ext>
+                  </a:extLst>
+                </a:gridCol>
+              </a:tblGrid>
+              <a:tr h="370840">
+                <a:tc>
+                  <a:txBody>
+                    <a:bodyPr/>
+                    <a:lstStyle/>
+                    <a:p>
+                      <a:pPr algn="ctr"/>
+                      <a:r>
+                        <a:rPr lang="es-CO" sz="1400" b="1" dirty="0" smtClean="0"/>
+                        <a:t>Variable</a:t>
+                      </a:r>
+                      <a:endParaRPr lang="es-CO" sz="1400" b="1" dirty="0"/>
+                    </a:p>
+                  </a:txBody>
+                  <a:tcPr anchor="ctr">
+                    <a:solidFill>
+                      <a:schemeClr val="bg1"/>
+                    </a:solidFill>
+                  </a:tcPr>
+                </a:tc>
+                <a:tc>
+                  <a:txBody>
+                    <a:bodyPr/>
+                    <a:lstStyle/>
+                    <a:p>
+                      <a:pPr algn="ctr"/>
+                      <a:r>
+                        <a:rPr lang="es-CO" sz="1400" b="1" dirty="0" smtClean="0"/>
+                        <a:t>Train</a:t>
+                      </a:r>
+                      <a:endParaRPr lang="es-CO" sz="1400" b="1" dirty="0"/>
+                    </a:p>
+                  </a:txBody>
+                  <a:tcPr anchor="ctr">
+                    <a:solidFill>
+                      <a:schemeClr val="bg1"/>
+                    </a:solidFill>
+                  </a:tcPr>
+                </a:tc>
+                <a:tc>
+                  <a:txBody>
+                    <a:bodyPr/>
+                    <a:lstStyle/>
+                    <a:p>
+                      <a:pPr algn="ctr"/>
+                      <a:r>
+                        <a:rPr lang="es-CO" sz="1400" b="1" dirty="0" smtClean="0"/>
+                        <a:t>Test</a:t>
+                      </a:r>
+                      <a:endParaRPr lang="es-CO" sz="1400" b="1" dirty="0"/>
+                    </a:p>
+                  </a:txBody>
+                  <a:tcPr anchor="ctr">
+                    <a:solidFill>
+                      <a:schemeClr val="bg1"/>
+                    </a:solidFill>
+                  </a:tcPr>
+                </a:tc>
+                <a:extLst>
+                  <a:ext uri="{0D108BD9-81ED-4DB2-BD59-A6C34878D82A}">
+                    <a16:rowId xmlns:a16="http://schemas.microsoft.com/office/drawing/2014/main" val="2187148983"/>
+                  </a:ext>
+                </a:extLst>
+              </a:tr>
+              <a:tr h="370840">
+                <a:tc>
+                  <a:txBody>
+                    <a:bodyPr/>
+                    <a:lstStyle/>
+                    <a:p>
+                      <a:pPr marL="0" marR="0" indent="0" algn="ctr" defTabSz="914400" rtl="0" eaLnBrk="1" fontAlgn="auto" latinLnBrk="0" hangingPunct="1">
+                        <a:lnSpc>
+                          <a:spcPct val="100000"/>
+                        </a:lnSpc>
+                        <a:spcBef>
+                          <a:spcPts val="0"/>
+                        </a:spcBef>
+                        <a:spcAft>
+                          <a:spcPts val="0"/>
+                        </a:spcAft>
+                        <a:buClrTx/>
+                        <a:buSzTx/>
+                        <a:buFontTx/>
+                        <a:buNone/>
+                        <a:tabLst/>
+                        <a:defRPr/>
+                      </a:pPr>
+                      <a:r>
+                        <a:rPr lang="es-CO" sz="1400" dirty="0" smtClean="0"/>
+                        <a:t>Surface</a:t>
+                      </a:r>
+                      <a:r>
+                        <a:rPr lang="es-CO" sz="1400" baseline="0" dirty="0" smtClean="0"/>
+                        <a:t> total</a:t>
+                      </a:r>
+                      <a:endParaRPr lang="es-CO" sz="1400" dirty="0" smtClean="0"/>
+                    </a:p>
+                  </a:txBody>
+                  <a:tcPr anchor="ctr">
+                    <a:solidFill>
+                      <a:schemeClr val="bg1"/>
+                    </a:solidFill>
+                  </a:tcPr>
+                </a:tc>
+                <a:tc>
+                  <a:txBody>
+                    <a:bodyPr/>
+                    <a:lstStyle/>
+                    <a:p>
+                      <a:pPr algn="ctr"/>
+                      <a:r>
+                        <a:rPr lang="es-CO" sz="1400" dirty="0" smtClean="0"/>
+                        <a:t>79,68%</a:t>
+                      </a:r>
+                      <a:endParaRPr lang="es-CO" sz="1400" dirty="0"/>
+                    </a:p>
+                  </a:txBody>
+                  <a:tcPr anchor="ctr">
+                    <a:solidFill>
+                      <a:schemeClr val="bg1"/>
+                    </a:solidFill>
+                  </a:tcPr>
+                </a:tc>
+                <a:tc>
+                  <a:txBody>
+                    <a:bodyPr/>
+                    <a:lstStyle/>
+                    <a:p>
+                      <a:pPr algn="ctr"/>
+                      <a:r>
+                        <a:rPr lang="es-CO" sz="1400" dirty="0" smtClean="0"/>
+                        <a:t>81,88%</a:t>
+                      </a:r>
+                      <a:endParaRPr lang="es-CO" sz="1400" dirty="0"/>
+                    </a:p>
+                  </a:txBody>
+                  <a:tcPr anchor="ctr">
+                    <a:solidFill>
+                      <a:schemeClr val="bg1"/>
+                    </a:solidFill>
+                  </a:tcPr>
+                </a:tc>
+                <a:extLst>
+                  <a:ext uri="{0D108BD9-81ED-4DB2-BD59-A6C34878D82A}">
+                    <a16:rowId xmlns:a16="http://schemas.microsoft.com/office/drawing/2014/main" val="3732588816"/>
+                  </a:ext>
+                </a:extLst>
+              </a:tr>
+              <a:tr h="370840">
+                <a:tc>
+                  <a:txBody>
+                    <a:bodyPr/>
+                    <a:lstStyle/>
+                    <a:p>
+                      <a:pPr marL="0" marR="0" indent="0" algn="ctr" defTabSz="914400" rtl="0" eaLnBrk="1" fontAlgn="auto" latinLnBrk="0" hangingPunct="1">
+                        <a:lnSpc>
+                          <a:spcPct val="100000"/>
+                        </a:lnSpc>
+                        <a:spcBef>
+                          <a:spcPts val="0"/>
+                        </a:spcBef>
+                        <a:spcAft>
+                          <a:spcPts val="0"/>
+                        </a:spcAft>
+                        <a:buClrTx/>
+                        <a:buSzTx/>
+                        <a:buFontTx/>
+                        <a:buNone/>
+                        <a:tabLst/>
+                        <a:defRPr/>
+                      </a:pPr>
+                      <a:r>
+                        <a:rPr lang="es-CO" sz="1400" dirty="0" smtClean="0"/>
+                        <a:t>Surface</a:t>
+                      </a:r>
+                      <a:r>
+                        <a:rPr lang="es-CO" sz="1400" baseline="0" dirty="0" smtClean="0"/>
+                        <a:t> </a:t>
+                      </a:r>
+                      <a:r>
+                        <a:rPr lang="es-CO" sz="1400" baseline="0" dirty="0" err="1" smtClean="0"/>
+                        <a:t>covered</a:t>
+                      </a:r>
+                      <a:endParaRPr lang="es-CO" sz="1400" dirty="0" smtClean="0"/>
+                    </a:p>
+                  </a:txBody>
+                  <a:tcPr anchor="ctr">
+                    <a:solidFill>
+                      <a:schemeClr val="bg1"/>
+                    </a:solidFill>
+                  </a:tcPr>
+                </a:tc>
+                <a:tc>
+                  <a:txBody>
+                    <a:bodyPr/>
+                    <a:lstStyle/>
+                    <a:p>
+                      <a:pPr algn="ctr"/>
+                      <a:r>
+                        <a:rPr lang="es-CO" sz="1400" dirty="0" smtClean="0"/>
+                        <a:t>77,84%</a:t>
+                      </a:r>
+                      <a:endParaRPr lang="es-CO" sz="1400" dirty="0"/>
+                    </a:p>
+                  </a:txBody>
+                  <a:tcPr anchor="ctr">
+                    <a:solidFill>
+                      <a:schemeClr val="bg1"/>
+                    </a:solidFill>
+                  </a:tcPr>
+                </a:tc>
+                <a:tc>
+                  <a:txBody>
+                    <a:bodyPr/>
+                    <a:lstStyle/>
+                    <a:p>
+                      <a:pPr algn="ctr"/>
+                      <a:r>
+                        <a:rPr lang="es-CO" sz="1400" dirty="0" smtClean="0"/>
+                        <a:t>72,52%</a:t>
+                      </a:r>
+                      <a:endParaRPr lang="es-CO" sz="1400" dirty="0"/>
+                    </a:p>
+                  </a:txBody>
+                  <a:tcPr anchor="ctr">
+                    <a:solidFill>
+                      <a:schemeClr val="bg1"/>
+                    </a:solidFill>
+                  </a:tcPr>
+                </a:tc>
+                <a:extLst>
+                  <a:ext uri="{0D108BD9-81ED-4DB2-BD59-A6C34878D82A}">
+                    <a16:rowId xmlns:a16="http://schemas.microsoft.com/office/drawing/2014/main" val="2599148373"/>
+                  </a:ext>
+                </a:extLst>
+              </a:tr>
+              <a:tr h="370840">
+                <a:tc>
+                  <a:txBody>
+                    <a:bodyPr/>
+                    <a:lstStyle/>
+                    <a:p>
+                      <a:pPr marL="0" marR="0" indent="0" algn="ctr" defTabSz="914400" rtl="0" eaLnBrk="1" fontAlgn="auto" latinLnBrk="0" hangingPunct="1">
+                        <a:lnSpc>
+                          <a:spcPct val="100000"/>
+                        </a:lnSpc>
+                        <a:spcBef>
+                          <a:spcPts val="0"/>
+                        </a:spcBef>
+                        <a:spcAft>
+                          <a:spcPts val="0"/>
+                        </a:spcAft>
+                        <a:buClrTx/>
+                        <a:buSzTx/>
+                        <a:buFontTx/>
+                        <a:buNone/>
+                        <a:tabLst/>
+                        <a:defRPr/>
+                      </a:pPr>
+                      <a:r>
+                        <a:rPr lang="es-CO" sz="1400" dirty="0" err="1" smtClean="0"/>
+                        <a:t>Rooms</a:t>
+                      </a:r>
+                      <a:endParaRPr lang="es-CO" sz="1400" dirty="0" smtClean="0"/>
+                    </a:p>
+                  </a:txBody>
+                  <a:tcPr anchor="ctr">
+                    <a:solidFill>
+                      <a:schemeClr val="bg1"/>
+                    </a:solidFill>
+                  </a:tcPr>
+                </a:tc>
+                <a:tc>
+                  <a:txBody>
+                    <a:bodyPr/>
+                    <a:lstStyle/>
+                    <a:p>
+                      <a:pPr algn="ctr"/>
+                      <a:r>
+                        <a:rPr lang="es-CO" sz="1400" dirty="0" smtClean="0"/>
+                        <a:t>47,25%</a:t>
+                      </a:r>
+                      <a:endParaRPr lang="es-CO" sz="1400" dirty="0"/>
+                    </a:p>
+                  </a:txBody>
+                  <a:tcPr anchor="ctr">
+                    <a:solidFill>
+                      <a:schemeClr val="bg1"/>
+                    </a:solidFill>
+                  </a:tcPr>
+                </a:tc>
+                <a:tc>
+                  <a:txBody>
+                    <a:bodyPr/>
+                    <a:lstStyle/>
+                    <a:p>
+                      <a:pPr algn="ctr"/>
+                      <a:r>
+                        <a:rPr lang="es-CO" sz="1400" dirty="0" smtClean="0"/>
+                        <a:t>44,25%</a:t>
+                      </a:r>
+                      <a:endParaRPr lang="es-CO" sz="1400" dirty="0"/>
+                    </a:p>
+                  </a:txBody>
+                  <a:tcPr anchor="ctr">
+                    <a:solidFill>
+                      <a:schemeClr val="bg1"/>
+                    </a:solidFill>
+                  </a:tcPr>
+                </a:tc>
+                <a:extLst>
+                  <a:ext uri="{0D108BD9-81ED-4DB2-BD59-A6C34878D82A}">
+                    <a16:rowId xmlns:a16="http://schemas.microsoft.com/office/drawing/2014/main" val="2229323739"/>
+                  </a:ext>
+                </a:extLst>
+              </a:tr>
+              <a:tr h="370840">
+                <a:tc>
+                  <a:txBody>
+                    <a:bodyPr/>
+                    <a:lstStyle/>
+                    <a:p>
+                      <a:pPr marL="0" marR="0" indent="0" algn="ctr" defTabSz="914400" rtl="0" eaLnBrk="1" fontAlgn="auto" latinLnBrk="0" hangingPunct="1">
+                        <a:lnSpc>
+                          <a:spcPct val="100000"/>
+                        </a:lnSpc>
+                        <a:spcBef>
+                          <a:spcPts val="0"/>
+                        </a:spcBef>
+                        <a:spcAft>
+                          <a:spcPts val="0"/>
+                        </a:spcAft>
+                        <a:buClrTx/>
+                        <a:buSzTx/>
+                        <a:buFontTx/>
+                        <a:buNone/>
+                        <a:tabLst/>
+                        <a:defRPr/>
+                      </a:pPr>
+                      <a:r>
+                        <a:rPr lang="es-CO" sz="1400" dirty="0" err="1" smtClean="0"/>
+                        <a:t>Bathrooms</a:t>
+                      </a:r>
+                      <a:endParaRPr lang="es-CO" sz="1400" dirty="0" smtClean="0"/>
+                    </a:p>
+                  </a:txBody>
+                  <a:tcPr anchor="ctr">
+                    <a:solidFill>
+                      <a:schemeClr val="bg1"/>
+                    </a:solidFill>
+                  </a:tcPr>
+                </a:tc>
+                <a:tc>
+                  <a:txBody>
+                    <a:bodyPr/>
+                    <a:lstStyle/>
+                    <a:p>
+                      <a:pPr algn="ctr"/>
+                      <a:r>
+                        <a:rPr lang="es-CO" sz="1400" dirty="0" smtClean="0"/>
+                        <a:t>26,06%</a:t>
+                      </a:r>
+                      <a:endParaRPr lang="es-CO" sz="1400" dirty="0"/>
+                    </a:p>
+                  </a:txBody>
+                  <a:tcPr anchor="ctr">
+                    <a:solidFill>
+                      <a:schemeClr val="bg1"/>
+                    </a:solidFill>
+                  </a:tcPr>
+                </a:tc>
+                <a:tc>
+                  <a:txBody>
+                    <a:bodyPr/>
+                    <a:lstStyle/>
+                    <a:p>
+                      <a:pPr algn="ctr"/>
+                      <a:r>
+                        <a:rPr lang="es-CO" sz="1400" dirty="0" smtClean="0"/>
+                        <a:t>24,22%</a:t>
+                      </a:r>
+                      <a:endParaRPr lang="es-CO" sz="1400" dirty="0"/>
+                    </a:p>
+                  </a:txBody>
+                  <a:tcPr anchor="ctr">
+                    <a:solidFill>
+                      <a:schemeClr val="bg1"/>
+                    </a:solidFill>
+                  </a:tcPr>
+                </a:tc>
+                <a:extLst>
+                  <a:ext uri="{0D108BD9-81ED-4DB2-BD59-A6C34878D82A}">
+                    <a16:rowId xmlns:a16="http://schemas.microsoft.com/office/drawing/2014/main" val="2461121887"/>
+                  </a:ext>
+                </a:extLst>
+              </a:tr>
+              <a:tr h="370840">
+                <a:tc>
+                  <a:txBody>
+                    <a:bodyPr/>
+                    <a:lstStyle/>
+                    <a:p>
+                      <a:pPr marL="0" marR="0" indent="0" algn="ctr" defTabSz="914400" rtl="0" eaLnBrk="1" fontAlgn="auto" latinLnBrk="0" hangingPunct="1">
+                        <a:lnSpc>
+                          <a:spcPct val="100000"/>
+                        </a:lnSpc>
+                        <a:spcBef>
+                          <a:spcPts val="0"/>
+                        </a:spcBef>
+                        <a:spcAft>
+                          <a:spcPts val="0"/>
+                        </a:spcAft>
+                        <a:buClrTx/>
+                        <a:buSzTx/>
+                        <a:buFontTx/>
+                        <a:buNone/>
+                        <a:tabLst/>
+                        <a:defRPr/>
+                      </a:pPr>
+                      <a:r>
+                        <a:rPr lang="es-CO" sz="1400" dirty="0" smtClean="0"/>
+                        <a:t>Price</a:t>
+                      </a:r>
+                    </a:p>
+                  </a:txBody>
+                  <a:tcPr anchor="ctr">
+                    <a:solidFill>
+                      <a:schemeClr val="bg1"/>
+                    </a:solidFill>
+                  </a:tcPr>
+                </a:tc>
+                <a:tc>
+                  <a:txBody>
+                    <a:bodyPr/>
+                    <a:lstStyle/>
+                    <a:p>
+                      <a:pPr algn="ctr"/>
+                      <a:r>
+                        <a:rPr lang="es-CO" sz="1400" dirty="0" smtClean="0"/>
+                        <a:t>0%</a:t>
+                      </a:r>
+                      <a:endParaRPr lang="es-CO" sz="1400" dirty="0"/>
+                    </a:p>
+                  </a:txBody>
+                  <a:tcPr anchor="ctr">
+                    <a:solidFill>
+                      <a:schemeClr val="bg1"/>
+                    </a:solidFill>
+                  </a:tcPr>
+                </a:tc>
+                <a:tc>
+                  <a:txBody>
+                    <a:bodyPr/>
+                    <a:lstStyle/>
+                    <a:p>
+                      <a:pPr algn="ctr"/>
+                      <a:r>
+                        <a:rPr lang="es-CO" sz="1400" dirty="0" smtClean="0"/>
+                        <a:t>100%</a:t>
+                      </a:r>
+                      <a:endParaRPr lang="es-CO" sz="1400" dirty="0"/>
+                    </a:p>
+                  </a:txBody>
+                  <a:tcPr anchor="ctr">
+                    <a:solidFill>
+                      <a:schemeClr val="bg1"/>
+                    </a:solidFill>
+                  </a:tcPr>
+                </a:tc>
+                <a:extLst>
+                  <a:ext uri="{0D108BD9-81ED-4DB2-BD59-A6C34878D82A}">
+                    <a16:rowId xmlns:a16="http://schemas.microsoft.com/office/drawing/2014/main" val="891933752"/>
+                  </a:ext>
+                </a:extLst>
+              </a:tr>
+            </a:tbl>
+          </a:graphicData>
+        </a:graphic>
+      </p:graphicFrame>
+      <p:sp>
+        <p:nvSpPr>
+          <p:cNvPr id="15" name="CuadroTexto 14"/>
+          <p:cNvSpPr txBox="1"/>
+          <p:nvPr/>
+        </p:nvSpPr>
+        <p:spPr>
+          <a:xfrm>
+            <a:off x="6300191" y="1664245"/>
+            <a:ext cx="2736303" cy="1200329"/>
+          </a:xfrm>
+          <a:prstGeom prst="rect">
+            <a:avLst/>
+          </a:prstGeom>
+          <a:noFill/>
+        </p:spPr>
+        <p:txBody>
+          <a:bodyPr wrap="square" rtlCol="0">
+            <a:spAutoFit/>
+          </a:bodyPr>
+          <a:lstStyle/>
+          <a:p>
+            <a:pPr algn="just"/>
+            <a:r>
+              <a:rPr lang="es-CO" dirty="0" smtClean="0"/>
+              <a:t>Porcentaje de datos faltantes en las bases de entrenamiento y de prueba:</a:t>
+            </a:r>
+            <a:endParaRPr lang="es-CO" dirty="0"/>
+          </a:p>
+        </p:txBody>
+      </p:sp>
+    </p:spTree>
+    <p:extLst>
+      <p:ext uri="{BB962C8B-B14F-4D97-AF65-F5344CB8AC3E}">
+        <p14:creationId xmlns:p14="http://schemas.microsoft.com/office/powerpoint/2010/main" val="2162107842"/>
+      </p:ext>
+    </p:extLst>
+  </p:cSld>
+  <p:clrMapOvr>
+    <a:masterClrMapping/>
+  </p:clrMapOvr>
+  <p:timing>
+    <p:tnLst>
+      <p:par>
+        <p:cTn id="1" dur="indefinite" restart="never" nodeType="tmRoot"/>
+      </p:par>
+    </p:tnLst>
+  </p:timing>
+</p:sld>
+</file>
+
+<file path=ppt/slides/slide6.xml><?xml version="1.0" encoding="utf-8"?>
+<p:sld xmlns:a="http://schemas.openxmlformats.org/drawingml/2006/main" xmlns:r="http://schemas.openxmlformats.org/officeDocument/2006/relationships" xmlns:p="http://schemas.openxmlformats.org/presentationml/2006/main">
+  <p:cSld>
+    <p:spTree>
+      <p:nvGrpSpPr>
+        <p:cNvPr id="1" name=""/>
+        <p:cNvGrpSpPr/>
+        <p:nvPr/>
+      </p:nvGrpSpPr>
+      <p:grpSpPr>
+        <a:xfrm>
+          <a:off x="0" y="0"/>
+          <a:ext cx="0" cy="0"/>
+          <a:chOff x="0" y="0"/>
+          <a:chExt cx="0" cy="0"/>
+        </a:xfrm>
+      </p:grpSpPr>
+      <p:sp>
+        <p:nvSpPr>
+          <p:cNvPr id="4" name="Título 1"/>
+          <p:cNvSpPr>
+            <a:spLocks noGrp="1"/>
+          </p:cNvSpPr>
+          <p:nvPr>
+            <p:ph type="title"/>
+          </p:nvPr>
+        </p:nvSpPr>
+        <p:spPr>
+          <a:xfrm>
+            <a:off x="3272433" y="260648"/>
+            <a:ext cx="3456384" cy="500062"/>
+          </a:xfrm>
+        </p:spPr>
+        <p:txBody>
+          <a:bodyPr/>
+          <a:lstStyle/>
+          <a:p>
+            <a:r>
+              <a:rPr lang="es-CO" dirty="0" smtClean="0"/>
+              <a:t>VALORES ATÍPICOS</a:t>
+            </a:r>
+            <a:endParaRPr lang="es-CO" dirty="0"/>
+          </a:p>
+        </p:txBody>
+      </p:sp>
+      <p:sp>
+        <p:nvSpPr>
+          <p:cNvPr id="15" name="CuadroTexto 14"/>
+          <p:cNvSpPr txBox="1"/>
+          <p:nvPr/>
+        </p:nvSpPr>
+        <p:spPr>
+          <a:xfrm>
+            <a:off x="467544" y="1412776"/>
+            <a:ext cx="3168352" cy="3384376"/>
+          </a:xfrm>
+          <a:prstGeom prst="rect">
+            <a:avLst/>
+          </a:prstGeom>
+          <a:noFill/>
+        </p:spPr>
+        <p:txBody>
+          <a:bodyPr wrap="square" rtlCol="0">
+            <a:spAutoFit/>
+          </a:bodyPr>
+          <a:lstStyle/>
+          <a:p>
+            <a:endParaRPr lang="es-CO" dirty="0"/>
+          </a:p>
+        </p:txBody>
+      </p:sp>
+      <p:grpSp>
+        <p:nvGrpSpPr>
+          <p:cNvPr id="19" name="Grupo 18"/>
+          <p:cNvGrpSpPr/>
+          <p:nvPr/>
+        </p:nvGrpSpPr>
+        <p:grpSpPr>
+          <a:xfrm>
+            <a:off x="128790" y="908720"/>
+            <a:ext cx="8763690" cy="4968552"/>
+            <a:chOff x="128790" y="1357699"/>
+            <a:chExt cx="7827585" cy="4248472"/>
+          </a:xfrm>
+        </p:grpSpPr>
+        <p:sp>
+          <p:nvSpPr>
+            <p:cNvPr id="17" name="CuadroTexto 16"/>
+            <p:cNvSpPr txBox="1"/>
+            <p:nvPr/>
+          </p:nvSpPr>
+          <p:spPr>
+            <a:xfrm>
+              <a:off x="128790" y="1357699"/>
+              <a:ext cx="7827585" cy="4248472"/>
+            </a:xfrm>
+            <a:prstGeom prst="rect">
+              <a:avLst/>
+            </a:prstGeom>
+            <a:solidFill>
+              <a:schemeClr val="bg1"/>
+            </a:solidFill>
+          </p:spPr>
+          <p:txBody>
+            <a:bodyPr wrap="square" rtlCol="0">
+              <a:spAutoFit/>
+            </a:bodyPr>
+            <a:lstStyle/>
+            <a:p>
+              <a:endParaRPr lang="es-CO" dirty="0"/>
+            </a:p>
+          </p:txBody>
+        </p:sp>
+        <p:pic>
+          <p:nvPicPr>
+            <p:cNvPr id="18" name="Imagen 17"/>
+            <p:cNvPicPr>
+              <a:picLocks noChangeAspect="1"/>
+            </p:cNvPicPr>
+            <p:nvPr/>
+          </p:nvPicPr>
+          <p:blipFill>
+            <a:blip r:embed="rId2" cstate="print">
+              <a:extLst>
+                <a:ext uri="{28A0092B-C50C-407E-A947-70E740481C1C}">
+                  <a14:useLocalDpi xmlns:a14="http://schemas.microsoft.com/office/drawing/2010/main" val="0"/>
+                </a:ext>
+              </a:extLst>
+            </a:blip>
+            <a:stretch>
+              <a:fillRect/>
+            </a:stretch>
+          </p:blipFill>
+          <p:spPr>
+            <a:xfrm>
+              <a:off x="147535" y="1424808"/>
+              <a:ext cx="7808839" cy="3783872"/>
+            </a:xfrm>
+            <a:prstGeom prst="rect">
+              <a:avLst/>
+            </a:prstGeom>
+          </p:spPr>
+        </p:pic>
+      </p:grpSp>
+      <p:sp>
+        <p:nvSpPr>
+          <p:cNvPr id="20" name="CuadroTexto 19"/>
+          <p:cNvSpPr txBox="1"/>
+          <p:nvPr/>
+        </p:nvSpPr>
+        <p:spPr>
+          <a:xfrm>
+            <a:off x="149777" y="6036026"/>
+            <a:ext cx="8814711" cy="646331"/>
+          </a:xfrm>
+          <a:prstGeom prst="rect">
+            <a:avLst/>
+          </a:prstGeom>
+          <a:noFill/>
+        </p:spPr>
+        <p:txBody>
+          <a:bodyPr wrap="square" rtlCol="0">
+            <a:spAutoFit/>
+          </a:bodyPr>
+          <a:lstStyle/>
+          <a:p>
+            <a:r>
+              <a:rPr lang="es-CO" dirty="0"/>
+              <a:t>L</a:t>
+            </a:r>
+            <a:r>
+              <a:rPr lang="es-CO" dirty="0" smtClean="0"/>
+              <a:t>a variable </a:t>
+            </a:r>
+            <a:r>
+              <a:rPr lang="es-CO" dirty="0" err="1" smtClean="0"/>
+              <a:t>Surface_total</a:t>
+            </a:r>
+            <a:r>
+              <a:rPr lang="es-CO" dirty="0" smtClean="0"/>
+              <a:t> a pesar de tener un porcentaje alto de faltantes, también presenta valores atípicos altos, con superficies superiores a los 2.000 m2.</a:t>
+            </a:r>
+            <a:endParaRPr lang="es-CO" dirty="0"/>
+          </a:p>
+        </p:txBody>
+      </p:sp>
+    </p:spTree>
+    <p:extLst>
+      <p:ext uri="{BB962C8B-B14F-4D97-AF65-F5344CB8AC3E}">
+        <p14:creationId xmlns:p14="http://schemas.microsoft.com/office/powerpoint/2010/main" val="114965187"/>
+      </p:ext>
+    </p:extLst>
+  </p:cSld>
+  <p:clrMapOvr>
+    <a:masterClrMapping/>
+  </p:clrMapOvr>
+  <p:timing>
+    <p:tnLst>
+      <p:par>
+        <p:cTn id="1" dur="indefinite" restart="never" nodeType="tmRoot"/>
+      </p:par>
+    </p:tnLst>
+  </p:timing>
+</p:sld>
+</file>
+
+<file path=ppt/slides/slide7.xml><?xml version="1.0" encoding="utf-8"?>
+<p:sld xmlns:a="http://schemas.openxmlformats.org/drawingml/2006/main" xmlns:r="http://schemas.openxmlformats.org/officeDocument/2006/relationships" xmlns:p="http://schemas.openxmlformats.org/presentationml/2006/main">
+  <p:cSld>
+    <p:spTree>
+      <p:nvGrpSpPr>
+        <p:cNvPr id="1" name=""/>
+        <p:cNvGrpSpPr/>
+        <p:nvPr/>
+      </p:nvGrpSpPr>
+      <p:grpSpPr>
+        <a:xfrm>
+          <a:off x="0" y="0"/>
+          <a:ext cx="0" cy="0"/>
+          <a:chOff x="0" y="0"/>
+          <a:chExt cx="0" cy="0"/>
+        </a:xfrm>
+      </p:grpSpPr>
+      <p:sp>
+        <p:nvSpPr>
+          <p:cNvPr id="2" name="Título 1"/>
+          <p:cNvSpPr>
+            <a:spLocks noGrp="1"/>
+          </p:cNvSpPr>
+          <p:nvPr>
+            <p:ph type="title"/>
+          </p:nvPr>
+        </p:nvSpPr>
+        <p:spPr>
+          <a:xfrm>
+            <a:off x="2267744" y="260648"/>
+            <a:ext cx="6480720" cy="500062"/>
+          </a:xfrm>
+        </p:spPr>
+        <p:txBody>
+          <a:bodyPr/>
+          <a:lstStyle/>
+          <a:p>
+            <a:pPr algn="ctr"/>
+            <a:r>
+              <a:rPr lang="es-CO" dirty="0" smtClean="0"/>
+              <a:t>ADECUACIÓN DE LOS DATOS Y CONSTRUCCIÓN DE NUEVAS VARIABLES</a:t>
+            </a:r>
+            <a:endParaRPr lang="es-CO" dirty="0"/>
+          </a:p>
+        </p:txBody>
+      </p:sp>
+      <p:graphicFrame>
+        <p:nvGraphicFramePr>
+          <p:cNvPr id="6" name="Tabla 5"/>
+          <p:cNvGraphicFramePr>
+            <a:graphicFrameLocks noGrp="1"/>
+          </p:cNvGraphicFramePr>
+          <p:nvPr>
+            <p:extLst>
+              <p:ext uri="{D42A27DB-BD31-4B8C-83A1-F6EECF244321}">
+                <p14:modId xmlns:p14="http://schemas.microsoft.com/office/powerpoint/2010/main" val="1940020733"/>
+              </p:ext>
+            </p:extLst>
+          </p:nvPr>
+        </p:nvGraphicFramePr>
+        <p:xfrm>
+          <a:off x="323528" y="1052736"/>
+          <a:ext cx="8568952" cy="5308600"/>
+        </p:xfrm>
+        <a:graphic>
+          <a:graphicData uri="http://schemas.openxmlformats.org/drawingml/2006/table">
+            <a:tbl>
+              <a:tblPr firstRow="1" bandRow="1">
+                <a:tableStyleId>{5940675A-B579-460E-94D1-54222C63F5DA}</a:tableStyleId>
+              </a:tblPr>
+              <a:tblGrid>
+                <a:gridCol w="2232248">
+                  <a:extLst>
+                    <a:ext uri="{9D8B030D-6E8A-4147-A177-3AD203B41FA5}">
+                      <a16:colId xmlns:a16="http://schemas.microsoft.com/office/drawing/2014/main" val="3945113222"/>
+                    </a:ext>
+                  </a:extLst>
+                </a:gridCol>
+                <a:gridCol w="6336704">
+                  <a:extLst>
+                    <a:ext uri="{9D8B030D-6E8A-4147-A177-3AD203B41FA5}">
+                      <a16:colId xmlns:a16="http://schemas.microsoft.com/office/drawing/2014/main" val="3345321118"/>
+                    </a:ext>
+                  </a:extLst>
+                </a:gridCol>
+              </a:tblGrid>
+              <a:tr h="370840">
+                <a:tc>
+                  <a:txBody>
+                    <a:bodyPr/>
+                    <a:lstStyle/>
+                    <a:p>
+                      <a:pPr algn="ctr"/>
+                      <a:r>
+                        <a:rPr lang="es-CO" b="1" dirty="0" smtClean="0"/>
+                        <a:t>PROCESO</a:t>
+                      </a:r>
+                      <a:endParaRPr lang="es-CO" b="1" dirty="0"/>
+                    </a:p>
+                  </a:txBody>
+                  <a:tcPr>
+                    <a:solidFill>
+                      <a:srgbClr val="FFFF00"/>
+                    </a:solidFill>
+                  </a:tcPr>
+                </a:tc>
+                <a:tc>
+                  <a:txBody>
+                    <a:bodyPr/>
+                    <a:lstStyle/>
+                    <a:p>
+                      <a:pPr algn="ctr"/>
+                      <a:r>
+                        <a:rPr lang="es-CO" b="1" dirty="0" smtClean="0"/>
+                        <a:t>DESCRIPCIÓN</a:t>
+                      </a:r>
+                      <a:endParaRPr lang="es-CO" b="1" dirty="0"/>
+                    </a:p>
+                  </a:txBody>
+                  <a:tcPr>
+                    <a:solidFill>
+                      <a:srgbClr val="FFFF00"/>
+                    </a:solidFill>
+                  </a:tcPr>
+                </a:tc>
+                <a:extLst>
+                  <a:ext uri="{0D108BD9-81ED-4DB2-BD59-A6C34878D82A}">
+                    <a16:rowId xmlns:a16="http://schemas.microsoft.com/office/drawing/2014/main" val="3229219347"/>
+                  </a:ext>
+                </a:extLst>
+              </a:tr>
+              <a:tr h="370840">
+                <a:tc>
+                  <a:txBody>
+                    <a:bodyPr/>
+                    <a:lstStyle/>
+                    <a:p>
+                      <a:r>
+                        <a:rPr lang="es-CO" dirty="0" smtClean="0"/>
+                        <a:t>Procesamiento</a:t>
+                      </a:r>
+                      <a:r>
+                        <a:rPr lang="es-CO" baseline="0" dirty="0" smtClean="0"/>
+                        <a:t> de texto</a:t>
+                      </a:r>
+                      <a:endParaRPr lang="es-CO" dirty="0"/>
+                    </a:p>
+                  </a:txBody>
+                  <a:tcPr>
+                    <a:solidFill>
+                      <a:schemeClr val="bg1"/>
+                    </a:solidFill>
+                  </a:tcPr>
+                </a:tc>
+                <a:tc>
+                  <a:txBody>
+                    <a:bodyPr/>
+                    <a:lstStyle/>
+                    <a:p>
+                      <a:pPr marL="285750" indent="-285750">
+                        <a:buFontTx/>
+                        <a:buChar char="-"/>
+                      </a:pPr>
+                      <a:r>
+                        <a:rPr lang="es-CO" dirty="0" smtClean="0"/>
+                        <a:t>Normalización y unificación de texto</a:t>
+                      </a:r>
+                    </a:p>
+                    <a:p>
+                      <a:pPr marL="285750" indent="-285750">
+                        <a:buFontTx/>
+                        <a:buChar char="-"/>
+                      </a:pPr>
+                      <a:r>
+                        <a:rPr lang="es-CO" dirty="0" smtClean="0"/>
+                        <a:t>Diccionario</a:t>
+                      </a:r>
+                      <a:r>
+                        <a:rPr lang="es-CO" baseline="0" dirty="0" smtClean="0"/>
+                        <a:t> de palabras con atributos clave (parqueadero, balcón, patio, etc.)</a:t>
+                      </a:r>
+                    </a:p>
+                    <a:p>
+                      <a:pPr marL="285750" indent="-285750">
+                        <a:buFontTx/>
+                        <a:buChar char="-"/>
+                      </a:pPr>
+                      <a:r>
+                        <a:rPr lang="es-CO" baseline="0" dirty="0" err="1" smtClean="0"/>
+                        <a:t>Tokenización</a:t>
+                      </a:r>
+                      <a:r>
+                        <a:rPr lang="es-CO" baseline="0" dirty="0" smtClean="0"/>
+                        <a:t> de palabras para identificar su presencia y frecuencia</a:t>
+                      </a:r>
+                    </a:p>
+                    <a:p>
+                      <a:pPr marL="285750" indent="-285750">
+                        <a:buFontTx/>
+                        <a:buChar char="-"/>
+                      </a:pPr>
+                      <a:r>
+                        <a:rPr lang="es-CO" baseline="0" dirty="0" smtClean="0"/>
+                        <a:t>Creación de 19 variables dicotómicas adicionales</a:t>
+                      </a:r>
+                      <a:endParaRPr lang="es-CO" dirty="0"/>
+                    </a:p>
+                  </a:txBody>
+                  <a:tcPr>
+                    <a:solidFill>
+                      <a:schemeClr val="bg1"/>
+                    </a:solidFill>
+                  </a:tcPr>
+                </a:tc>
+                <a:extLst>
+                  <a:ext uri="{0D108BD9-81ED-4DB2-BD59-A6C34878D82A}">
+                    <a16:rowId xmlns:a16="http://schemas.microsoft.com/office/drawing/2014/main" val="1796474095"/>
+                  </a:ext>
+                </a:extLst>
+              </a:tr>
+              <a:tr h="370840">
+                <a:tc>
+                  <a:txBody>
+                    <a:bodyPr/>
+                    <a:lstStyle/>
+                    <a:p>
+                      <a:r>
+                        <a:rPr lang="es-CO" dirty="0" smtClean="0"/>
+                        <a:t>Análisis</a:t>
+                      </a:r>
+                      <a:r>
+                        <a:rPr lang="es-CO" baseline="0" dirty="0" smtClean="0"/>
+                        <a:t> espacial y geográfico</a:t>
+                      </a:r>
+                      <a:endParaRPr lang="es-CO" dirty="0"/>
+                    </a:p>
+                  </a:txBody>
+                  <a:tcPr>
+                    <a:solidFill>
+                      <a:schemeClr val="bg1"/>
+                    </a:solidFill>
+                  </a:tcPr>
+                </a:tc>
+                <a:tc>
+                  <a:txBody>
+                    <a:bodyPr/>
+                    <a:lstStyle/>
+                    <a:p>
+                      <a:pPr marL="285750" indent="-285750">
+                        <a:buFontTx/>
+                        <a:buChar char="-"/>
+                      </a:pPr>
+                      <a:r>
+                        <a:rPr lang="es-CO" baseline="0" dirty="0" smtClean="0"/>
+                        <a:t>Información de </a:t>
+                      </a:r>
+                      <a:r>
+                        <a:rPr lang="es-CO" baseline="0" dirty="0" err="1" smtClean="0"/>
+                        <a:t>OpenStreetMap</a:t>
+                      </a:r>
+                      <a:r>
+                        <a:rPr lang="es-CO" baseline="0" dirty="0" smtClean="0"/>
+                        <a:t> – OSM de Colombia</a:t>
+                      </a:r>
+                    </a:p>
+                    <a:p>
+                      <a:pPr marL="285750" indent="-285750">
+                        <a:buFontTx/>
+                        <a:buChar char="-"/>
+                      </a:pPr>
+                      <a:r>
+                        <a:rPr lang="es-CO" baseline="0" dirty="0" smtClean="0"/>
+                        <a:t>Delimitación de la ciudad de Bogotá</a:t>
+                      </a:r>
+                    </a:p>
+                    <a:p>
+                      <a:pPr marL="285750" indent="-285750">
+                        <a:buFontTx/>
+                        <a:buChar char="-"/>
+                      </a:pPr>
+                      <a:r>
+                        <a:rPr lang="es-CO" baseline="0" dirty="0" smtClean="0"/>
+                        <a:t>Identificación de puntos de interés urbano (parques, colegios, centros comerciales, restaurantes y autopistas), calculo de la distancia de las viviendas a dichos puntos.</a:t>
+                      </a:r>
+                    </a:p>
+                    <a:p>
+                      <a:pPr marL="285750" indent="-285750">
+                        <a:buFontTx/>
+                        <a:buChar char="-"/>
+                      </a:pPr>
+                      <a:r>
+                        <a:rPr lang="es-CO" baseline="0" dirty="0" smtClean="0"/>
+                        <a:t>Creación de 7 variables adicionales</a:t>
+                      </a:r>
+                      <a:endParaRPr lang="es-CO" dirty="0"/>
+                    </a:p>
+                  </a:txBody>
+                  <a:tcPr>
+                    <a:solidFill>
+                      <a:schemeClr val="bg1"/>
+                    </a:solidFill>
+                  </a:tcPr>
+                </a:tc>
+                <a:extLst>
+                  <a:ext uri="{0D108BD9-81ED-4DB2-BD59-A6C34878D82A}">
+                    <a16:rowId xmlns:a16="http://schemas.microsoft.com/office/drawing/2014/main" val="1464067100"/>
+                  </a:ext>
+                </a:extLst>
+              </a:tr>
+              <a:tr h="370840">
+                <a:tc>
+                  <a:txBody>
+                    <a:bodyPr/>
+                    <a:lstStyle/>
+                    <a:p>
+                      <a:r>
+                        <a:rPr lang="es-CO" dirty="0" smtClean="0"/>
+                        <a:t>Inclusión</a:t>
+                      </a:r>
+                      <a:r>
+                        <a:rPr lang="es-CO" baseline="0" dirty="0" smtClean="0"/>
+                        <a:t> del estrato socioeconómico</a:t>
+                      </a:r>
+                      <a:endParaRPr lang="es-CO" dirty="0"/>
+                    </a:p>
+                  </a:txBody>
+                  <a:tcPr>
+                    <a:solidFill>
+                      <a:schemeClr val="bg1"/>
+                    </a:solidFill>
+                  </a:tcPr>
+                </a:tc>
+                <a:tc>
+                  <a:txBody>
+                    <a:bodyPr/>
+                    <a:lstStyle/>
+                    <a:p>
+                      <a:pPr marL="285750" indent="-285750">
+                        <a:buFontTx/>
+                        <a:buChar char="-"/>
+                      </a:pPr>
+                      <a:r>
+                        <a:rPr lang="es-CO" dirty="0" smtClean="0"/>
+                        <a:t>Información</a:t>
+                      </a:r>
+                      <a:r>
+                        <a:rPr lang="es-CO" baseline="0" dirty="0" smtClean="0"/>
+                        <a:t> del DANE:</a:t>
+                      </a:r>
+                    </a:p>
+                    <a:p>
+                      <a:pPr marL="285750" indent="-285750">
+                        <a:buFontTx/>
+                        <a:buChar char="-"/>
+                      </a:pPr>
+                      <a:r>
+                        <a:rPr lang="es-CO" baseline="0" dirty="0" smtClean="0"/>
+                        <a:t>i). U</a:t>
+                      </a:r>
+                      <a:r>
+                        <a:rPr lang="es-CO" sz="1800" b="0" i="0" u="none" strike="noStrike" kern="1200" baseline="0" dirty="0" smtClean="0">
+                          <a:solidFill>
+                            <a:schemeClr val="tx1"/>
+                          </a:solidFill>
+                          <a:latin typeface="+mn-lt"/>
+                          <a:ea typeface="+mn-ea"/>
+                          <a:cs typeface="+mn-cs"/>
+                        </a:rPr>
+                        <a:t>n archivo geoespacial </a:t>
+                      </a:r>
+                      <a:r>
+                        <a:rPr lang="es-CO" sz="1800" b="0" i="0" u="none" strike="noStrike" kern="1200" baseline="0" dirty="0" err="1" smtClean="0">
+                          <a:solidFill>
+                            <a:schemeClr val="tx1"/>
+                          </a:solidFill>
+                          <a:latin typeface="+mn-lt"/>
+                          <a:ea typeface="+mn-ea"/>
+                          <a:cs typeface="+mn-cs"/>
+                        </a:rPr>
+                        <a:t>LOTE.gpkg</a:t>
+                      </a:r>
+                      <a:endParaRPr lang="es-CO" sz="1800" b="0" i="0" u="none" strike="noStrike" kern="1200" baseline="0" dirty="0" smtClean="0">
+                        <a:solidFill>
+                          <a:schemeClr val="tx1"/>
+                        </a:solidFill>
+                        <a:latin typeface="+mn-lt"/>
+                        <a:ea typeface="+mn-ea"/>
+                        <a:cs typeface="+mn-cs"/>
+                      </a:endParaRPr>
+                    </a:p>
+                    <a:p>
+                      <a:pPr marL="285750" indent="-285750">
+                        <a:buFontTx/>
+                        <a:buChar char="-"/>
+                      </a:pPr>
+                      <a:r>
+                        <a:rPr lang="es-CO" sz="1800" b="0" i="0" u="none" strike="noStrike" kern="1200" baseline="0" dirty="0" smtClean="0">
+                          <a:solidFill>
+                            <a:schemeClr val="tx1"/>
+                          </a:solidFill>
+                          <a:latin typeface="+mn-lt"/>
+                          <a:ea typeface="+mn-ea"/>
+                          <a:cs typeface="+mn-cs"/>
+                        </a:rPr>
+                        <a:t>ii). Una tabla estrato.csv</a:t>
+                      </a:r>
+                    </a:p>
+                    <a:p>
+                      <a:pPr marL="285750" indent="-285750">
+                        <a:buFontTx/>
+                        <a:buChar char="-"/>
+                      </a:pPr>
+                      <a:r>
+                        <a:rPr lang="es-CO" sz="1800" b="0" i="0" u="none" strike="noStrike" kern="1200" baseline="0" dirty="0" smtClean="0">
+                          <a:solidFill>
+                            <a:schemeClr val="tx1"/>
+                          </a:solidFill>
+                          <a:latin typeface="+mn-lt"/>
+                          <a:ea typeface="+mn-ea"/>
+                          <a:cs typeface="+mn-cs"/>
+                        </a:rPr>
+                        <a:t>El proceso crea 1 variable que asocia a cada lote su estrato correspondiente.</a:t>
+                      </a:r>
+                      <a:endParaRPr lang="es-CO" dirty="0"/>
+                    </a:p>
+                  </a:txBody>
+                  <a:tcPr>
+                    <a:solidFill>
+                      <a:schemeClr val="bg1"/>
+                    </a:solidFill>
+                  </a:tcPr>
+                </a:tc>
+                <a:extLst>
+                  <a:ext uri="{0D108BD9-81ED-4DB2-BD59-A6C34878D82A}">
+                    <a16:rowId xmlns:a16="http://schemas.microsoft.com/office/drawing/2014/main" val="2105985909"/>
+                  </a:ext>
+                </a:extLst>
+              </a:tr>
+            </a:tbl>
+          </a:graphicData>
+        </a:graphic>
+      </p:graphicFrame>
+    </p:spTree>
+    <p:extLst>
+      <p:ext uri="{BB962C8B-B14F-4D97-AF65-F5344CB8AC3E}">
+        <p14:creationId xmlns:p14="http://schemas.microsoft.com/office/powerpoint/2010/main" val="3740489071"/>
+      </p:ext>
+    </p:extLst>
+  </p:cSld>
+  <p:clrMapOvr>
+    <a:masterClrMapping/>
+  </p:clrMapOvr>
+  <p:timing>
+    <p:tnLst>
+      <p:par>
+        <p:cTn id="1" dur="indefinite" restart="never" nodeType="tmRoot"/>
+      </p:par>
+    </p:tnLst>
+  </p:timing>
+</p:sld>
+</file>
+
+<file path=ppt/slides/slide8.xml><?xml version="1.0" encoding="utf-8"?>
+<p:sld xmlns:a="http://schemas.openxmlformats.org/drawingml/2006/main" xmlns:r="http://schemas.openxmlformats.org/officeDocument/2006/relationships" xmlns:p="http://schemas.openxmlformats.org/presentationml/2006/main">
+  <p:cSld>
+    <p:spTree>
+      <p:nvGrpSpPr>
+        <p:cNvPr id="1" name=""/>
+        <p:cNvGrpSpPr/>
+        <p:nvPr/>
+      </p:nvGrpSpPr>
+      <p:grpSpPr>
+        <a:xfrm>
+          <a:off x="0" y="0"/>
+          <a:ext cx="0" cy="0"/>
+          <a:chOff x="0" y="0"/>
+          <a:chExt cx="0" cy="0"/>
+        </a:xfrm>
+      </p:grpSpPr>
+      <p:sp>
+        <p:nvSpPr>
+          <p:cNvPr id="2" name="Título 1"/>
+          <p:cNvSpPr>
+            <a:spLocks noGrp="1"/>
+          </p:cNvSpPr>
+          <p:nvPr>
+            <p:ph type="title"/>
+          </p:nvPr>
+        </p:nvSpPr>
+        <p:spPr>
+          <a:xfrm>
+            <a:off x="3275856" y="260648"/>
+            <a:ext cx="4292525" cy="500062"/>
+          </a:xfrm>
+        </p:spPr>
+        <p:txBody>
+          <a:bodyPr/>
+          <a:lstStyle/>
+          <a:p>
+            <a:r>
+              <a:rPr lang="es-CO" dirty="0" smtClean="0"/>
+              <a:t>ANÁLISIS GEOESPACIAL</a:t>
+            </a:r>
+            <a:endParaRPr lang="es-CO" dirty="0"/>
+          </a:p>
+        </p:txBody>
+      </p:sp>
+      <p:pic>
+        <p:nvPicPr>
+          <p:cNvPr id="4" name="Imagen 3"/>
+          <p:cNvPicPr>
+            <a:picLocks noChangeAspect="1"/>
+          </p:cNvPicPr>
+          <p:nvPr/>
+        </p:nvPicPr>
+        <p:blipFill>
+          <a:blip r:embed="rId2" cstate="hqprint">
+            <a:extLst>
+              <a:ext uri="{28A0092B-C50C-407E-A947-70E740481C1C}">
+                <a14:useLocalDpi xmlns:a14="http://schemas.microsoft.com/office/drawing/2010/main" val="0"/>
+              </a:ext>
+            </a:extLst>
+          </a:blip>
+          <a:stretch>
+            <a:fillRect/>
+          </a:stretch>
+        </p:blipFill>
+        <p:spPr>
+          <a:xfrm>
+            <a:off x="253166" y="908720"/>
+            <a:ext cx="8423290" cy="5544615"/>
+          </a:xfrm>
+          <a:prstGeom prst="rect">
+            <a:avLst/>
+          </a:prstGeom>
+        </p:spPr>
+      </p:pic>
+    </p:spTree>
+    <p:extLst>
+      <p:ext uri="{BB962C8B-B14F-4D97-AF65-F5344CB8AC3E}">
+        <p14:creationId xmlns:p14="http://schemas.microsoft.com/office/powerpoint/2010/main" val="694202039"/>
+      </p:ext>
+    </p:extLst>
+  </p:cSld>
+  <p:clrMapOvr>
+    <a:masterClrMapping/>
+  </p:clrMapOvr>
+</p:sld>
+</file>
+
+<file path=ppt/slides/slide9.xml><?xml version="1.0" encoding="utf-8"?>
+<p:sld xmlns:a="http://schemas.openxmlformats.org/drawingml/2006/main" xmlns:r="http://schemas.openxmlformats.org/officeDocument/2006/relationships" xmlns:p="http://schemas.openxmlformats.org/presentationml/2006/main">
+  <p:cSld>
+    <p:spTree>
+      <p:nvGrpSpPr>
+        <p:cNvPr id="1" name=""/>
+        <p:cNvGrpSpPr/>
+        <p:nvPr/>
+      </p:nvGrpSpPr>
+      <p:grpSpPr>
+        <a:xfrm>
+          <a:off x="0" y="0"/>
+          <a:ext cx="0" cy="0"/>
+          <a:chOff x="0" y="0"/>
+          <a:chExt cx="0" cy="0"/>
+        </a:xfrm>
+      </p:grpSpPr>
+      <p:sp>
+        <p:nvSpPr>
+          <p:cNvPr id="2" name="Título 1"/>
+          <p:cNvSpPr>
+            <a:spLocks noGrp="1"/>
+          </p:cNvSpPr>
+          <p:nvPr>
+            <p:ph type="title"/>
+          </p:nvPr>
+        </p:nvSpPr>
+        <p:spPr>
+          <a:xfrm>
+            <a:off x="2267744" y="260648"/>
+            <a:ext cx="7460877" cy="500062"/>
+          </a:xfrm>
+        </p:spPr>
+        <p:txBody>
+          <a:bodyPr/>
+          <a:lstStyle/>
+          <a:p>
+            <a:pPr algn="ctr"/>
+            <a:r>
+              <a:rPr lang="es-CO" dirty="0" smtClean="0"/>
+              <a:t>TRATAMIENTO DE DATOS FALTANTES Y VALORES ATÍPICOS</a:t>
+            </a:r>
+            <a:endParaRPr lang="es-CO" dirty="0"/>
+          </a:p>
+        </p:txBody>
+      </p:sp>
+      <p:graphicFrame>
+        <p:nvGraphicFramePr>
+          <p:cNvPr id="4" name="Tabla 3"/>
+          <p:cNvGraphicFramePr>
+            <a:graphicFrameLocks noGrp="1"/>
+          </p:cNvGraphicFramePr>
+          <p:nvPr>
+            <p:extLst>
+              <p:ext uri="{D42A27DB-BD31-4B8C-83A1-F6EECF244321}">
+                <p14:modId xmlns:p14="http://schemas.microsoft.com/office/powerpoint/2010/main" val="4074376593"/>
+              </p:ext>
+            </p:extLst>
+          </p:nvPr>
+        </p:nvGraphicFramePr>
+        <p:xfrm>
+          <a:off x="395536" y="982685"/>
+          <a:ext cx="8568952" cy="5857240"/>
+        </p:xfrm>
+        <a:graphic>
+          <a:graphicData uri="http://schemas.openxmlformats.org/drawingml/2006/table">
+            <a:tbl>
+              <a:tblPr firstRow="1" bandRow="1">
+                <a:tableStyleId>{5940675A-B579-460E-94D1-54222C63F5DA}</a:tableStyleId>
+              </a:tblPr>
+              <a:tblGrid>
+                <a:gridCol w="1800200">
+                  <a:extLst>
+                    <a:ext uri="{9D8B030D-6E8A-4147-A177-3AD203B41FA5}">
+                      <a16:colId xmlns:a16="http://schemas.microsoft.com/office/drawing/2014/main" val="3945113222"/>
+                    </a:ext>
+                  </a:extLst>
+                </a:gridCol>
+                <a:gridCol w="6768752">
+                  <a:extLst>
+                    <a:ext uri="{9D8B030D-6E8A-4147-A177-3AD203B41FA5}">
+                      <a16:colId xmlns:a16="http://schemas.microsoft.com/office/drawing/2014/main" val="3345321118"/>
+                    </a:ext>
+                  </a:extLst>
+                </a:gridCol>
+              </a:tblGrid>
+              <a:tr h="370840">
+                <a:tc>
+                  <a:txBody>
+                    <a:bodyPr/>
+                    <a:lstStyle/>
+                    <a:p>
+                      <a:pPr algn="ctr"/>
+                      <a:r>
+                        <a:rPr lang="es-CO" sz="1600" b="1" dirty="0" smtClean="0"/>
+                        <a:t>PROCESO</a:t>
+                      </a:r>
+                      <a:endParaRPr lang="es-CO" sz="1600" b="1" dirty="0"/>
+                    </a:p>
+                  </a:txBody>
+                  <a:tcPr>
+                    <a:solidFill>
+                      <a:srgbClr val="FFFF00"/>
+                    </a:solidFill>
+                  </a:tcPr>
+                </a:tc>
+                <a:tc>
+                  <a:txBody>
+                    <a:bodyPr/>
+                    <a:lstStyle/>
+                    <a:p>
+                      <a:pPr algn="ctr"/>
+                      <a:r>
+                        <a:rPr lang="es-CO" sz="1600" b="1" dirty="0" smtClean="0"/>
+                        <a:t>DESCRIPCIÓN</a:t>
+                      </a:r>
+                      <a:endParaRPr lang="es-CO" sz="1600" b="1" dirty="0"/>
+                    </a:p>
+                  </a:txBody>
+                  <a:tcPr>
+                    <a:solidFill>
+                      <a:srgbClr val="FFFF00"/>
+                    </a:solidFill>
+                  </a:tcPr>
+                </a:tc>
+                <a:extLst>
+                  <a:ext uri="{0D108BD9-81ED-4DB2-BD59-A6C34878D82A}">
+                    <a16:rowId xmlns:a16="http://schemas.microsoft.com/office/drawing/2014/main" val="3229219347"/>
+                  </a:ext>
+                </a:extLst>
+              </a:tr>
+              <a:tr h="370840">
+                <a:tc>
+                  <a:txBody>
+                    <a:bodyPr/>
+                    <a:lstStyle/>
+                    <a:p>
+                      <a:r>
+                        <a:rPr lang="es-CO" sz="1600" dirty="0" smtClean="0"/>
+                        <a:t>Eliminación</a:t>
+                      </a:r>
+                      <a:r>
+                        <a:rPr lang="es-CO" sz="1600" baseline="0" dirty="0" smtClean="0"/>
+                        <a:t> de observaciones</a:t>
+                      </a:r>
+                      <a:endParaRPr lang="es-CO" sz="1600" dirty="0"/>
+                    </a:p>
+                  </a:txBody>
+                  <a:tcPr>
+                    <a:solidFill>
+                      <a:schemeClr val="bg1"/>
+                    </a:solidFill>
+                  </a:tcPr>
+                </a:tc>
+                <a:tc>
+                  <a:txBody>
+                    <a:bodyPr/>
+                    <a:lstStyle/>
+                    <a:p>
+                      <a:pPr marL="285750" indent="-285750">
+                        <a:buFontTx/>
+                        <a:buChar char="-"/>
+                      </a:pPr>
+                      <a:r>
+                        <a:rPr lang="es-CO" sz="1600" baseline="0" dirty="0" smtClean="0"/>
+                        <a:t>414 observaciones con descripción que indica que la propiedad no se encuentra en Bogotá a pesar de que su ciudad de registro indica que si.</a:t>
+                      </a:r>
+                    </a:p>
+                    <a:p>
+                      <a:pPr marL="285750" indent="-285750">
+                        <a:buFontTx/>
+                        <a:buChar char="-"/>
+                      </a:pPr>
+                      <a:r>
+                        <a:rPr lang="es-CO" sz="1600" baseline="0" dirty="0" smtClean="0"/>
+                        <a:t>1.731 por el buffer o franja de 500 metros alrededor de Chapinero en la base de entrenamiento para evitar solapamiento y </a:t>
+                      </a:r>
+                      <a:r>
+                        <a:rPr lang="es-CO" sz="1600" baseline="0" dirty="0" err="1" smtClean="0"/>
+                        <a:t>autocorrelación</a:t>
+                      </a:r>
+                      <a:r>
+                        <a:rPr lang="es-CO" sz="1600" baseline="0" dirty="0" smtClean="0"/>
+                        <a:t> espacial.</a:t>
+                      </a:r>
+                    </a:p>
+                    <a:p>
+                      <a:pPr marL="285750" indent="-285750">
+                        <a:buFontTx/>
+                        <a:buChar char="-"/>
+                      </a:pPr>
+                      <a:r>
+                        <a:rPr lang="es-CO" sz="1600" baseline="0" dirty="0" smtClean="0"/>
+                        <a:t>4.426 observaciones idénticas, análisis realizado por combinación de titulo, descripción, precio, latitud y longitud.</a:t>
+                      </a:r>
+                    </a:p>
+                  </a:txBody>
+                  <a:tcPr>
+                    <a:solidFill>
+                      <a:schemeClr val="bg1"/>
+                    </a:solidFill>
+                  </a:tcPr>
+                </a:tc>
+                <a:extLst>
+                  <a:ext uri="{0D108BD9-81ED-4DB2-BD59-A6C34878D82A}">
+                    <a16:rowId xmlns:a16="http://schemas.microsoft.com/office/drawing/2014/main" val="2263150269"/>
+                  </a:ext>
+                </a:extLst>
+              </a:tr>
+              <a:tr h="370840">
+                <a:tc>
+                  <a:txBody>
+                    <a:bodyPr/>
+                    <a:lstStyle/>
+                    <a:p>
+                      <a:r>
+                        <a:rPr lang="es-CO" sz="1600" dirty="0" smtClean="0"/>
+                        <a:t>Imputación de Surface</a:t>
+                      </a:r>
+                      <a:r>
+                        <a:rPr lang="es-CO" sz="1600" baseline="0" dirty="0" smtClean="0"/>
+                        <a:t> total y superficie construida</a:t>
+                      </a:r>
+                      <a:endParaRPr lang="es-CO" sz="1600" dirty="0"/>
+                    </a:p>
+                  </a:txBody>
+                  <a:tcPr>
+                    <a:solidFill>
+                      <a:schemeClr val="bg1"/>
+                    </a:solidFill>
+                  </a:tcPr>
+                </a:tc>
+                <a:tc>
+                  <a:txBody>
+                    <a:bodyPr/>
+                    <a:lstStyle/>
+                    <a:p>
+                      <a:pPr marL="285750" indent="-285750">
+                        <a:buFontTx/>
+                        <a:buChar char="-"/>
+                      </a:pPr>
+                      <a:r>
+                        <a:rPr lang="es-CO" sz="1600" dirty="0" smtClean="0"/>
+                        <a:t>Se identificaron los datos mayores</a:t>
+                      </a:r>
+                      <a:r>
+                        <a:rPr lang="es-CO" sz="1600" baseline="0" dirty="0" smtClean="0"/>
+                        <a:t> a 1.500 m2, se reemplazaron con NA para no perder la información de su registro.</a:t>
+                      </a:r>
+                    </a:p>
+                    <a:p>
+                      <a:pPr marL="285750" indent="-285750">
+                        <a:buFontTx/>
+                        <a:buChar char="-"/>
+                      </a:pPr>
+                      <a:r>
+                        <a:rPr lang="es-MX" sz="1600" baseline="0" dirty="0" smtClean="0"/>
+                        <a:t>Se asignó el valor de superficie construida cuando esta superaba a la superficie total reportada.</a:t>
+                      </a:r>
+                    </a:p>
+                    <a:p>
+                      <a:pPr marL="285750" indent="-285750">
+                        <a:buFontTx/>
+                        <a:buChar char="-"/>
+                      </a:pPr>
+                      <a:r>
+                        <a:rPr lang="es-MX" sz="1600" baseline="0" dirty="0" smtClean="0"/>
+                        <a:t>Si una de las dos superficies estaba disponible, se utilizó dicho valor para completar la variable faltante.</a:t>
+                      </a:r>
+                    </a:p>
+                    <a:p>
+                      <a:pPr marL="285750" indent="-285750">
+                        <a:buFontTx/>
+                        <a:buChar char="-"/>
+                      </a:pPr>
+                      <a:r>
+                        <a:rPr lang="es-MX" sz="1600" baseline="0" dirty="0" smtClean="0"/>
+                        <a:t>Los casos restantes se imputaron empleando la mediana de superficie, estimada no por lo valores totales sino por tipo de propiedad y número de habitaciones.</a:t>
+                      </a:r>
+                      <a:endParaRPr lang="es-CO" sz="1600" baseline="0" dirty="0" smtClean="0"/>
+                    </a:p>
+                  </a:txBody>
+                  <a:tcPr>
+                    <a:solidFill>
+                      <a:schemeClr val="bg1"/>
+                    </a:solidFill>
+                  </a:tcPr>
+                </a:tc>
+                <a:extLst>
+                  <a:ext uri="{0D108BD9-81ED-4DB2-BD59-A6C34878D82A}">
+                    <a16:rowId xmlns:a16="http://schemas.microsoft.com/office/drawing/2014/main" val="1796474095"/>
+                  </a:ext>
+                </a:extLst>
+              </a:tr>
+              <a:tr h="370840">
+                <a:tc>
+                  <a:txBody>
+                    <a:bodyPr/>
+                    <a:lstStyle/>
+                    <a:p>
+                      <a:pPr marL="0" marR="0" indent="0" algn="l" defTabSz="914400" rtl="0" eaLnBrk="1" fontAlgn="auto" latinLnBrk="0" hangingPunct="1">
+                        <a:lnSpc>
+                          <a:spcPct val="100000"/>
+                        </a:lnSpc>
+                        <a:spcBef>
+                          <a:spcPts val="0"/>
+                        </a:spcBef>
+                        <a:spcAft>
+                          <a:spcPts val="0"/>
+                        </a:spcAft>
+                        <a:buClrTx/>
+                        <a:buSzTx/>
+                        <a:buFontTx/>
+                        <a:buNone/>
+                        <a:tabLst/>
+                        <a:defRPr/>
+                      </a:pPr>
+                      <a:r>
+                        <a:rPr lang="es-CO" sz="1600" dirty="0" smtClean="0"/>
+                        <a:t>Imputación de Baños</a:t>
+                      </a:r>
+                    </a:p>
+                  </a:txBody>
+                  <a:tcPr>
+                    <a:solidFill>
+                      <a:schemeClr val="bg1"/>
+                    </a:solidFill>
+                  </a:tcPr>
+                </a:tc>
+                <a:tc>
+                  <a:txBody>
+                    <a:bodyPr/>
+                    <a:lstStyle/>
+                    <a:p>
+                      <a:pPr marL="285750" indent="-285750">
+                        <a:buFontTx/>
+                        <a:buChar char="-"/>
+                      </a:pPr>
+                      <a:r>
+                        <a:rPr lang="es-MX" sz="1600" dirty="0" smtClean="0"/>
+                        <a:t>Se implementó una regla de imputación basada en la cantidad de habitaciones y el tipo de</a:t>
+                      </a:r>
+                      <a:r>
+                        <a:rPr lang="es-MX" sz="1600" baseline="0" dirty="0" smtClean="0"/>
+                        <a:t> </a:t>
+                      </a:r>
+                      <a:r>
+                        <a:rPr lang="es-MX" sz="1600" dirty="0" smtClean="0"/>
+                        <a:t>propiedad, bajo el supuesto que toda vivienda debe contar con al menos un baño.</a:t>
+                      </a:r>
+                      <a:endParaRPr lang="es-CO" sz="1600" dirty="0"/>
+                    </a:p>
+                  </a:txBody>
+                  <a:tcPr>
+                    <a:solidFill>
+                      <a:schemeClr val="bg1"/>
+                    </a:solidFill>
+                  </a:tcPr>
+                </a:tc>
+                <a:extLst>
+                  <a:ext uri="{0D108BD9-81ED-4DB2-BD59-A6C34878D82A}">
+                    <a16:rowId xmlns:a16="http://schemas.microsoft.com/office/drawing/2014/main" val="1464067100"/>
+                  </a:ext>
+                </a:extLst>
+              </a:tr>
+              <a:tr h="370840">
+                <a:tc>
+                  <a:txBody>
+                    <a:bodyPr/>
+                    <a:lstStyle/>
+                    <a:p>
+                      <a:pPr marL="0" marR="0" indent="0" algn="l" defTabSz="914400" rtl="0" eaLnBrk="1" fontAlgn="auto" latinLnBrk="0" hangingPunct="1">
+                        <a:lnSpc>
+                          <a:spcPct val="100000"/>
+                        </a:lnSpc>
+                        <a:spcBef>
+                          <a:spcPts val="0"/>
+                        </a:spcBef>
+                        <a:spcAft>
+                          <a:spcPts val="0"/>
+                        </a:spcAft>
+                        <a:buClrTx/>
+                        <a:buSzTx/>
+                        <a:buFontTx/>
+                        <a:buNone/>
+                        <a:tabLst/>
+                        <a:defRPr/>
+                      </a:pPr>
+                      <a:r>
+                        <a:rPr lang="es-CO" sz="1600" dirty="0" smtClean="0"/>
+                        <a:t>Imputación de Ambientes –</a:t>
+                      </a:r>
+                      <a:r>
+                        <a:rPr lang="es-CO" sz="1600" baseline="0" dirty="0" smtClean="0"/>
+                        <a:t> romos</a:t>
+                      </a:r>
+                      <a:endParaRPr lang="es-CO" sz="1600" dirty="0" smtClean="0"/>
+                    </a:p>
+                    <a:p>
+                      <a:endParaRPr lang="es-CO" sz="1600" dirty="0"/>
+                    </a:p>
+                  </a:txBody>
+                  <a:tcPr>
+                    <a:solidFill>
+                      <a:schemeClr val="bg1"/>
+                    </a:solidFill>
+                  </a:tcPr>
+                </a:tc>
+                <a:tc>
+                  <a:txBody>
+                    <a:bodyPr/>
+                    <a:lstStyle/>
+                    <a:p>
+                      <a:pPr marL="285750" indent="-285750">
+                        <a:buFontTx/>
+                        <a:buChar char="-"/>
+                      </a:pPr>
+                      <a:r>
+                        <a:rPr lang="es-MX" sz="1600" dirty="0" smtClean="0"/>
+                        <a:t>De manera análoga, se imputó la cantidad mínima de ambientes en función del tipo de propiedad, garantizando la presencia de, por lo menos, un espacio correspondiente a sala–comedor.</a:t>
+                      </a:r>
+                      <a:endParaRPr lang="es-CO" sz="1600" dirty="0"/>
+                    </a:p>
+                  </a:txBody>
+                  <a:tcPr>
+                    <a:solidFill>
+                      <a:schemeClr val="bg1"/>
+                    </a:solidFill>
+                  </a:tcPr>
+                </a:tc>
+                <a:extLst>
+                  <a:ext uri="{0D108BD9-81ED-4DB2-BD59-A6C34878D82A}">
+                    <a16:rowId xmlns:a16="http://schemas.microsoft.com/office/drawing/2014/main" val="2105985909"/>
+                  </a:ext>
+                </a:extLst>
+              </a:tr>
+            </a:tbl>
+          </a:graphicData>
+        </a:graphic>
+      </p:graphicFrame>
+    </p:spTree>
+    <p:extLst>
+      <p:ext uri="{BB962C8B-B14F-4D97-AF65-F5344CB8AC3E}">
+        <p14:creationId xmlns:p14="http://schemas.microsoft.com/office/powerpoint/2010/main" val="1855197918"/>
+      </p:ext>
+    </p:extLst>
+  </p:cSld>
+  <p:clrMapOvr>
+    <a:masterClrMapping/>
+  </p:clrMapOvr>
+  <p:timing>
+    <p:tnLst>
+      <p:par>
+        <p:cTn id="1" dur="indefinite" restart="never" nodeType="tmRoot"/>
+      </p:par>
+    </p:tnLst>
+  </p:timing>
 </p:sld>
 </file>
 
